--- a/Presentacion.pptx
+++ b/Presentacion.pptx
@@ -5,33 +5,32 @@
     <p:sldMasterId id="2147483648" r:id="rId1"/>
   </p:sldMasterIdLst>
   <p:notesMasterIdLst>
-    <p:notesMasterId r:id="rId23"/>
+    <p:notesMasterId r:id="rId22"/>
   </p:notesMasterIdLst>
   <p:handoutMasterIdLst>
-    <p:handoutMasterId r:id="rId24"/>
+    <p:handoutMasterId r:id="rId23"/>
   </p:handoutMasterIdLst>
   <p:sldIdLst>
     <p:sldId id="257" r:id="rId2"/>
     <p:sldId id="271" r:id="rId3"/>
     <p:sldId id="272" r:id="rId4"/>
     <p:sldId id="291" r:id="rId5"/>
-    <p:sldId id="278" r:id="rId6"/>
-    <p:sldId id="274" r:id="rId7"/>
-    <p:sldId id="258" r:id="rId8"/>
-    <p:sldId id="275" r:id="rId9"/>
-    <p:sldId id="259" r:id="rId10"/>
-    <p:sldId id="282" r:id="rId11"/>
-    <p:sldId id="283" r:id="rId12"/>
-    <p:sldId id="279" r:id="rId13"/>
-    <p:sldId id="285" r:id="rId14"/>
-    <p:sldId id="286" r:id="rId15"/>
-    <p:sldId id="287" r:id="rId16"/>
-    <p:sldId id="288" r:id="rId17"/>
-    <p:sldId id="289" r:id="rId18"/>
-    <p:sldId id="281" r:id="rId19"/>
-    <p:sldId id="280" r:id="rId20"/>
-    <p:sldId id="292" r:id="rId21"/>
-    <p:sldId id="293" r:id="rId22"/>
+    <p:sldId id="274" r:id="rId6"/>
+    <p:sldId id="258" r:id="rId7"/>
+    <p:sldId id="275" r:id="rId8"/>
+    <p:sldId id="259" r:id="rId9"/>
+    <p:sldId id="282" r:id="rId10"/>
+    <p:sldId id="283" r:id="rId11"/>
+    <p:sldId id="279" r:id="rId12"/>
+    <p:sldId id="285" r:id="rId13"/>
+    <p:sldId id="286" r:id="rId14"/>
+    <p:sldId id="287" r:id="rId15"/>
+    <p:sldId id="288" r:id="rId16"/>
+    <p:sldId id="289" r:id="rId17"/>
+    <p:sldId id="281" r:id="rId18"/>
+    <p:sldId id="280" r:id="rId19"/>
+    <p:sldId id="292" r:id="rId20"/>
+    <p:sldId id="293" r:id="rId21"/>
   </p:sldIdLst>
   <p:sldSz cx="12192000" cy="6858000"/>
   <p:notesSz cx="6858000" cy="9144000"/>
@@ -225,7 +224,7 @@
             <a:pPr rtl="0"/>
             <a:fld id="{2A08F340-2088-44BB-8ED7-3D8CA093D8CF}" type="datetime1">
               <a:rPr lang="es-ES" smtClean="0"/>
-              <a:t>26/04/2018</a:t>
+              <a:t>25/04/18</a:t>
             </a:fld>
             <a:endParaRPr lang="es-ES" dirty="0"/>
           </a:p>
@@ -395,7 +394,7 @@
             <a:pPr rtl="0"/>
             <a:fld id="{94097521-A99F-4338-BA65-8121DD1D8F63}" type="datetime1">
               <a:rPr lang="es-ES" noProof="0" smtClean="0"/>
-              <a:t>26/04/2018</a:t>
+              <a:t>25/04/18</a:t>
             </a:fld>
             <a:endParaRPr lang="es-ES" noProof="0" dirty="0"/>
           </a:p>
@@ -828,7 +827,7 @@
             <a:pPr rtl="0"/>
             <a:fld id="{1B9A179D-2D27-49E2-B022-8EDDA2EFE682}" type="slidenum">
               <a:rPr lang="es-ES" smtClean="0"/>
-              <a:t>14</a:t>
+              <a:t>13</a:t>
             </a:fld>
             <a:endParaRPr lang="es-ES" dirty="0"/>
           </a:p>
@@ -913,7 +912,7 @@
             <a:pPr rtl="0"/>
             <a:fld id="{1B9A179D-2D27-49E2-B022-8EDDA2EFE682}" type="slidenum">
               <a:rPr lang="es-ES" smtClean="0"/>
-              <a:t>15</a:t>
+              <a:t>14</a:t>
             </a:fld>
             <a:endParaRPr lang="es-ES" dirty="0"/>
           </a:p>
@@ -998,7 +997,7 @@
             <a:pPr rtl="0"/>
             <a:fld id="{1B9A179D-2D27-49E2-B022-8EDDA2EFE682}" type="slidenum">
               <a:rPr lang="es-ES" smtClean="0"/>
-              <a:t>16</a:t>
+              <a:t>15</a:t>
             </a:fld>
             <a:endParaRPr lang="es-ES" dirty="0"/>
           </a:p>
@@ -1083,7 +1082,7 @@
             <a:pPr rtl="0"/>
             <a:fld id="{1B9A179D-2D27-49E2-B022-8EDDA2EFE682}" type="slidenum">
               <a:rPr lang="es-ES" smtClean="0"/>
-              <a:t>17</a:t>
+              <a:t>16</a:t>
             </a:fld>
             <a:endParaRPr lang="es-ES" dirty="0"/>
           </a:p>
@@ -1168,7 +1167,7 @@
             <a:pPr rtl="0"/>
             <a:fld id="{1B9A179D-2D27-49E2-B022-8EDDA2EFE682}" type="slidenum">
               <a:rPr lang="es-ES" smtClean="0"/>
-              <a:t>18</a:t>
+              <a:t>17</a:t>
             </a:fld>
             <a:endParaRPr lang="es-ES" dirty="0"/>
           </a:p>
@@ -1253,7 +1252,7 @@
             <a:pPr rtl="0"/>
             <a:fld id="{1B9A179D-2D27-49E2-B022-8EDDA2EFE682}" type="slidenum">
               <a:rPr lang="es-ES" smtClean="0"/>
-              <a:t>19</a:t>
+              <a:t>18</a:t>
             </a:fld>
             <a:endParaRPr lang="es-ES" dirty="0"/>
           </a:p>
@@ -1338,7 +1337,7 @@
             <a:pPr rtl="0"/>
             <a:fld id="{1B9A179D-2D27-49E2-B022-8EDDA2EFE682}" type="slidenum">
               <a:rPr lang="es-ES" smtClean="0"/>
-              <a:t>20</a:t>
+              <a:t>19</a:t>
             </a:fld>
             <a:endParaRPr lang="es-ES" dirty="0"/>
           </a:p>
@@ -1423,7 +1422,7 @@
             <a:pPr rtl="0"/>
             <a:fld id="{1B9A179D-2D27-49E2-B022-8EDDA2EFE682}" type="slidenum">
               <a:rPr lang="es-ES" smtClean="0"/>
-              <a:t>21</a:t>
+              <a:t>20</a:t>
             </a:fld>
             <a:endParaRPr lang="es-ES" dirty="0"/>
           </a:p>
@@ -1593,7 +1592,7 @@
             <a:pPr rtl="0"/>
             <a:fld id="{1B9A179D-2D27-49E2-B022-8EDDA2EFE682}" type="slidenum">
               <a:rPr lang="es-ES" smtClean="0"/>
-              <a:t>7</a:t>
+              <a:t>6</a:t>
             </a:fld>
             <a:endParaRPr lang="es-ES" dirty="0"/>
           </a:p>
@@ -1678,7 +1677,7 @@
             <a:pPr rtl="0"/>
             <a:fld id="{1B9A179D-2D27-49E2-B022-8EDDA2EFE682}" type="slidenum">
               <a:rPr lang="es-ES" smtClean="0"/>
-              <a:t>8</a:t>
+              <a:t>7</a:t>
             </a:fld>
             <a:endParaRPr lang="es-ES" dirty="0"/>
           </a:p>
@@ -1763,7 +1762,7 @@
             <a:pPr rtl="0"/>
             <a:fld id="{1B9A179D-2D27-49E2-B022-8EDDA2EFE682}" type="slidenum">
               <a:rPr lang="es-ES" smtClean="0"/>
-              <a:t>9</a:t>
+              <a:t>8</a:t>
             </a:fld>
             <a:endParaRPr lang="es-ES" dirty="0"/>
           </a:p>
@@ -1848,7 +1847,7 @@
             <a:pPr rtl="0"/>
             <a:fld id="{1B9A179D-2D27-49E2-B022-8EDDA2EFE682}" type="slidenum">
               <a:rPr lang="es-ES" smtClean="0"/>
-              <a:t>10</a:t>
+              <a:t>9</a:t>
             </a:fld>
             <a:endParaRPr lang="es-ES" dirty="0"/>
           </a:p>
@@ -1933,7 +1932,7 @@
             <a:pPr rtl="0"/>
             <a:fld id="{1B9A179D-2D27-49E2-B022-8EDDA2EFE682}" type="slidenum">
               <a:rPr lang="es-ES" smtClean="0"/>
-              <a:t>11</a:t>
+              <a:t>10</a:t>
             </a:fld>
             <a:endParaRPr lang="es-ES" dirty="0"/>
           </a:p>
@@ -2018,7 +2017,7 @@
             <a:pPr rtl="0"/>
             <a:fld id="{1B9A179D-2D27-49E2-B022-8EDDA2EFE682}" type="slidenum">
               <a:rPr lang="es-ES" smtClean="0"/>
-              <a:t>12</a:t>
+              <a:t>11</a:t>
             </a:fld>
             <a:endParaRPr lang="es-ES" dirty="0"/>
           </a:p>
@@ -2103,7 +2102,7 @@
             <a:pPr rtl="0"/>
             <a:fld id="{1B9A179D-2D27-49E2-B022-8EDDA2EFE682}" type="slidenum">
               <a:rPr lang="es-ES" smtClean="0"/>
-              <a:t>13</a:t>
+              <a:t>12</a:t>
             </a:fld>
             <a:endParaRPr lang="es-ES" dirty="0"/>
           </a:p>
@@ -2724,7 +2723,7 @@
             <a:pPr rtl="0"/>
             <a:fld id="{8D53C4C5-1A91-4DD5-876D-7FD06AD5DCDF}" type="datetime1">
               <a:rPr lang="es-ES" noProof="0" smtClean="0"/>
-              <a:t>26/04/2018</a:t>
+              <a:t>25/04/18</a:t>
             </a:fld>
             <a:endParaRPr lang="es-ES" noProof="0" dirty="0"/>
           </a:p>
@@ -3033,7 +3032,7 @@
             <a:pPr rtl="0"/>
             <a:fld id="{B271DCB1-EDC2-4F46-9464-E3A266B120DF}" type="datetime1">
               <a:rPr lang="es-ES" noProof="0" smtClean="0"/>
-              <a:t>26/04/2018</a:t>
+              <a:t>25/04/18</a:t>
             </a:fld>
             <a:endParaRPr lang="es-ES" noProof="0" dirty="0"/>
           </a:p>
@@ -3520,7 +3519,7 @@
             <a:pPr rtl="0"/>
             <a:fld id="{1685EBF0-18CA-49C8-8074-1D88E0872D45}" type="datetime1">
               <a:rPr lang="es-ES" noProof="0" smtClean="0"/>
-              <a:t>26/04/2018</a:t>
+              <a:t>25/04/18</a:t>
             </a:fld>
             <a:endParaRPr lang="es-ES" noProof="0" dirty="0"/>
           </a:p>
@@ -3719,7 +3718,7 @@
             <a:pPr rtl="0"/>
             <a:fld id="{DE7A7A6C-D0B2-4914-965E-06ACC5F99020}" type="datetime1">
               <a:rPr lang="es-ES" noProof="0" smtClean="0"/>
-              <a:t>26/04/2018</a:t>
+              <a:t>25/04/18</a:t>
             </a:fld>
             <a:endParaRPr lang="es-ES" noProof="0" dirty="0"/>
           </a:p>
@@ -4061,7 +4060,7 @@
             <a:pPr rtl="0"/>
             <a:fld id="{4810A580-6A6D-4606-A8C1-2EDABCAC7FFA}" type="datetime1">
               <a:rPr lang="es-ES" noProof="0" smtClean="0"/>
-              <a:t>26/04/2018</a:t>
+              <a:t>25/04/18</a:t>
             </a:fld>
             <a:endParaRPr lang="es-ES" noProof="0" dirty="0"/>
           </a:p>
@@ -4266,7 +4265,7 @@
             <a:pPr rtl="0"/>
             <a:fld id="{BC670C18-3C4E-4264-B3DE-9642F27A7121}" type="datetime1">
               <a:rPr lang="es-ES" noProof="0" smtClean="0"/>
-              <a:t>26/04/2018</a:t>
+              <a:t>25/04/18</a:t>
             </a:fld>
             <a:endParaRPr lang="es-ES" noProof="0" dirty="0"/>
           </a:p>
@@ -5452,7 +5451,7 @@
             <a:pPr rtl="0"/>
             <a:fld id="{64214489-3716-4F2B-9EA3-68264DA40C3B}" type="datetime1">
               <a:rPr lang="es-ES" noProof="0" smtClean="0"/>
-              <a:t>26/04/2018</a:t>
+              <a:t>25/04/18</a:t>
             </a:fld>
             <a:endParaRPr lang="es-ES" noProof="0" dirty="0"/>
           </a:p>
@@ -5848,7 +5847,7 @@
             <a:pPr rtl="0"/>
             <a:fld id="{B149DA12-7EA2-4F24-BBA4-DC3176F3C47D}" type="datetime1">
               <a:rPr lang="es-ES" noProof="0" smtClean="0"/>
-              <a:t>26/04/2018</a:t>
+              <a:t>25/04/18</a:t>
             </a:fld>
             <a:endParaRPr lang="es-ES" noProof="0" dirty="0"/>
           </a:p>
@@ -5985,7 +5984,7 @@
             <a:pPr rtl="0"/>
             <a:fld id="{AF4745CB-24BB-47BC-B049-FE8587516479}" type="datetime1">
               <a:rPr lang="es-ES" noProof="0" smtClean="0"/>
-              <a:t>26/04/2018</a:t>
+              <a:t>25/04/18</a:t>
             </a:fld>
             <a:endParaRPr lang="es-ES" noProof="0" dirty="0"/>
           </a:p>
@@ -6098,7 +6097,7 @@
             <a:pPr rtl="0"/>
             <a:fld id="{79227ED3-0CC8-42FA-BA49-1120E1EE5049}" type="datetime1">
               <a:rPr lang="es-ES" noProof="0" smtClean="0"/>
-              <a:t>26/04/2018</a:t>
+              <a:t>25/04/18</a:t>
             </a:fld>
             <a:endParaRPr lang="es-ES" noProof="0" dirty="0"/>
           </a:p>
@@ -6395,7 +6394,7 @@
             <a:pPr rtl="0"/>
             <a:fld id="{1B9F5478-835E-4E07-86D2-2B2850CB71F4}" type="datetime1">
               <a:rPr lang="es-ES" noProof="0" smtClean="0"/>
-              <a:t>26/04/2018</a:t>
+              <a:t>25/04/18</a:t>
             </a:fld>
             <a:endParaRPr lang="es-ES" noProof="0" dirty="0"/>
           </a:p>
@@ -6779,7 +6778,7 @@
             <a:pPr rtl="0"/>
             <a:fld id="{1685EBF0-18CA-49C8-8074-1D88E0872D45}" type="datetime1">
               <a:rPr lang="es-ES" noProof="0" smtClean="0"/>
-              <a:t>26/04/2018</a:t>
+              <a:t>25/04/18</a:t>
             </a:fld>
             <a:endParaRPr lang="es-ES" noProof="0" dirty="0"/>
           </a:p>
@@ -7203,9 +7202,38 @@
           </a:p>
         </p:txBody>
       </p:sp>
+      <p:sp>
+        <p:nvSpPr>
+          <p:cNvPr id="3" name="Subtítulo 2"/>
+          <p:cNvSpPr>
+            <a:spLocks noGrp="1"/>
+          </p:cNvSpPr>
+          <p:nvPr>
+            <p:ph type="subTitle" idx="1"/>
+          </p:nvPr>
+        </p:nvSpPr>
+        <p:spPr/>
+        <p:txBody>
+          <a:bodyPr rtlCol="0"/>
+          <a:lstStyle/>
+          <a:p>
+            <a:pPr rtl="0"/>
+            <a:r>
+              <a:rPr lang="es-ES" dirty="0"/>
+              <a:t>Aplicación basada en los servicios de Telegram</a:t>
+            </a:r>
+          </a:p>
+        </p:txBody>
+      </p:sp>
       <p:pic>
         <p:nvPicPr>
-          <p:cNvPr id="5" name="Marcador de posición de imagen 4" descr="Calle de una ciudad con desenfoque de movimiento"/>
+          <p:cNvPr id="10" name="Marcador de posición de imagen 9">
+            <a:extLst>
+              <a:ext uri="{FF2B5EF4-FFF2-40B4-BE49-F238E27FC236}">
+                <a16:creationId xmlns:a16="http://schemas.microsoft.com/office/drawing/2014/main" id="{D7B90EF9-6BA4-4B54-8452-93B2E79A2781}"/>
+              </a:ext>
+            </a:extLst>
+          </p:cNvPr>
           <p:cNvPicPr>
             <a:picLocks noGrp="1" noChangeAspect="1"/>
           </p:cNvPicPr>
@@ -7214,43 +7242,19 @@
           </p:nvPr>
         </p:nvPicPr>
         <p:blipFill>
-          <a:blip r:embed="rId3" cstate="print">
-            <a:extLst>
-              <a:ext uri="{28A0092B-C50C-407E-A947-70E740481C1C}">
-                <a14:useLocalDpi xmlns:a14="http://schemas.microsoft.com/office/drawing/2010/main" val="0"/>
-              </a:ext>
-            </a:extLst>
-          </a:blip>
-          <a:srcRect t="14" b="14"/>
+          <a:blip r:embed="rId3"/>
+          <a:srcRect l="27491" r="27491"/>
           <a:stretch>
             <a:fillRect/>
           </a:stretch>
         </p:blipFill>
-        <p:spPr/>
+        <p:spPr>
+          <a:xfrm>
+            <a:off x="6743703" y="0"/>
+            <a:ext cx="5448297" cy="6858000"/>
+          </a:xfrm>
+        </p:spPr>
       </p:pic>
-      <p:sp>
-        <p:nvSpPr>
-          <p:cNvPr id="3" name="Subtítulo 2"/>
-          <p:cNvSpPr>
-            <a:spLocks noGrp="1"/>
-          </p:cNvSpPr>
-          <p:nvPr>
-            <p:ph type="subTitle" idx="1"/>
-          </p:nvPr>
-        </p:nvSpPr>
-        <p:spPr/>
-        <p:txBody>
-          <a:bodyPr rtlCol="0"/>
-          <a:lstStyle/>
-          <a:p>
-            <a:pPr rtl="0"/>
-            <a:r>
-              <a:rPr lang="es-ES" dirty="0"/>
-              <a:t>Aplicación basada en los servicios de Telegram</a:t>
-            </a:r>
-          </a:p>
-        </p:txBody>
-      </p:sp>
     </p:spTree>
     <p:extLst>
       <p:ext uri="{BB962C8B-B14F-4D97-AF65-F5344CB8AC3E}">
@@ -7277,973 +7281,6 @@
 </file>
 
 <file path=ppt/slides/slide10.xml><?xml version="1.0" encoding="utf-8"?>
-<p:sld xmlns:a="http://schemas.openxmlformats.org/drawingml/2006/main" xmlns:r="http://schemas.openxmlformats.org/officeDocument/2006/relationships" xmlns:p="http://schemas.openxmlformats.org/presentationml/2006/main">
-  <p:cSld>
-    <p:spTree>
-      <p:nvGrpSpPr>
-        <p:cNvPr id="1" name=""/>
-        <p:cNvGrpSpPr/>
-        <p:nvPr/>
-      </p:nvGrpSpPr>
-      <p:grpSpPr>
-        <a:xfrm>
-          <a:off x="0" y="0"/>
-          <a:ext cx="0" cy="0"/>
-          <a:chOff x="0" y="0"/>
-          <a:chExt cx="0" cy="0"/>
-        </a:xfrm>
-      </p:grpSpPr>
-      <p:sp>
-        <p:nvSpPr>
-          <p:cNvPr id="2" name="Título 1"/>
-          <p:cNvSpPr>
-            <a:spLocks noGrp="1"/>
-          </p:cNvSpPr>
-          <p:nvPr>
-            <p:ph type="title"/>
-          </p:nvPr>
-        </p:nvSpPr>
-        <p:spPr>
-          <a:xfrm>
-            <a:off x="1295400" y="214190"/>
-            <a:ext cx="9601200" cy="1036850"/>
-          </a:xfrm>
-        </p:spPr>
-        <p:txBody>
-          <a:bodyPr rtlCol="0"/>
-          <a:lstStyle/>
-          <a:p>
-            <a:pPr rtl="0"/>
-            <a:r>
-              <a:rPr lang="es-ES" dirty="0"/>
-              <a:t>Diagrama de comunicación II</a:t>
-            </a:r>
-          </a:p>
-        </p:txBody>
-      </p:sp>
-      <p:sp>
-        <p:nvSpPr>
-          <p:cNvPr id="25" name="Nube 24">
-            <a:extLst>
-              <a:ext uri="{FF2B5EF4-FFF2-40B4-BE49-F238E27FC236}">
-                <a16:creationId xmlns:a16="http://schemas.microsoft.com/office/drawing/2014/main" id="{FC6FD735-A290-42C6-9A3D-BAF9F370343B}"/>
-              </a:ext>
-            </a:extLst>
-          </p:cNvPr>
-          <p:cNvSpPr/>
-          <p:nvPr/>
-        </p:nvSpPr>
-        <p:spPr>
-          <a:xfrm>
-            <a:off x="3401743" y="4236204"/>
-            <a:ext cx="1769163" cy="1089991"/>
-          </a:xfrm>
-          <a:prstGeom prst="cloud">
-            <a:avLst/>
-          </a:prstGeom>
-          <a:solidFill>
-            <a:schemeClr val="accent1">
-              <a:lumMod val="40000"/>
-              <a:lumOff val="60000"/>
-            </a:schemeClr>
-          </a:solidFill>
-        </p:spPr>
-        <p:style>
-          <a:lnRef idx="2">
-            <a:schemeClr val="accent1">
-              <a:shade val="50000"/>
-            </a:schemeClr>
-          </a:lnRef>
-          <a:fillRef idx="1">
-            <a:schemeClr val="accent1"/>
-          </a:fillRef>
-          <a:effectRef idx="0">
-            <a:schemeClr val="accent1"/>
-          </a:effectRef>
-          <a:fontRef idx="minor">
-            <a:schemeClr val="lt1"/>
-          </a:fontRef>
-        </p:style>
-        <p:txBody>
-          <a:bodyPr rtlCol="0" anchor="ctr"/>
-          <a:lstStyle/>
-          <a:p>
-            <a:pPr algn="ctr"/>
-            <a:endParaRPr lang="es-ES"/>
-          </a:p>
-        </p:txBody>
-      </p:sp>
-      <p:pic>
-        <p:nvPicPr>
-          <p:cNvPr id="26" name="Imagen 25">
-            <a:extLst>
-              <a:ext uri="{FF2B5EF4-FFF2-40B4-BE49-F238E27FC236}">
-                <a16:creationId xmlns:a16="http://schemas.microsoft.com/office/drawing/2014/main" id="{885EB735-CF2E-46AE-B7D2-656EDAB8072C}"/>
-              </a:ext>
-            </a:extLst>
-          </p:cNvPr>
-          <p:cNvPicPr>
-            <a:picLocks noChangeAspect="1"/>
-          </p:cNvPicPr>
-          <p:nvPr/>
-        </p:nvPicPr>
-        <p:blipFill>
-          <a:blip r:embed="rId3"/>
-          <a:stretch>
-            <a:fillRect/>
-          </a:stretch>
-        </p:blipFill>
-        <p:spPr>
-          <a:xfrm>
-            <a:off x="3921891" y="4416766"/>
-            <a:ext cx="728869" cy="728869"/>
-          </a:xfrm>
-          <a:prstGeom prst="rect">
-            <a:avLst/>
-          </a:prstGeom>
-          <a:solidFill>
-            <a:schemeClr val="accent1">
-              <a:lumMod val="40000"/>
-              <a:lumOff val="60000"/>
-            </a:schemeClr>
-          </a:solidFill>
-        </p:spPr>
-      </p:pic>
-      <p:pic>
-        <p:nvPicPr>
-          <p:cNvPr id="28" name="Imagen 27">
-            <a:extLst>
-              <a:ext uri="{FF2B5EF4-FFF2-40B4-BE49-F238E27FC236}">
-                <a16:creationId xmlns:a16="http://schemas.microsoft.com/office/drawing/2014/main" id="{D3BBFF93-371D-4102-BF3F-68E3ABD88B6A}"/>
-              </a:ext>
-            </a:extLst>
-          </p:cNvPr>
-          <p:cNvPicPr>
-            <a:picLocks noChangeAspect="1"/>
-          </p:cNvPicPr>
-          <p:nvPr/>
-        </p:nvPicPr>
-        <p:blipFill>
-          <a:blip r:embed="rId4"/>
-          <a:stretch>
-            <a:fillRect/>
-          </a:stretch>
-        </p:blipFill>
-        <p:spPr>
-          <a:xfrm>
-            <a:off x="416923" y="3336408"/>
-            <a:ext cx="989293" cy="989293"/>
-          </a:xfrm>
-          <a:prstGeom prst="rect">
-            <a:avLst/>
-          </a:prstGeom>
-        </p:spPr>
-      </p:pic>
-      <p:sp>
-        <p:nvSpPr>
-          <p:cNvPr id="29" name="Rectángulo: esquina doblada 28">
-            <a:extLst>
-              <a:ext uri="{FF2B5EF4-FFF2-40B4-BE49-F238E27FC236}">
-                <a16:creationId xmlns:a16="http://schemas.microsoft.com/office/drawing/2014/main" id="{F2DC9C98-6288-4D72-A633-AEAD661E0E8C}"/>
-              </a:ext>
-            </a:extLst>
-          </p:cNvPr>
-          <p:cNvSpPr/>
-          <p:nvPr/>
-        </p:nvSpPr>
-        <p:spPr>
-          <a:xfrm>
-            <a:off x="4672676" y="2128843"/>
-            <a:ext cx="1351722" cy="1157909"/>
-          </a:xfrm>
-          <a:prstGeom prst="foldedCorner">
-            <a:avLst/>
-          </a:prstGeom>
-          <a:solidFill>
-            <a:schemeClr val="bg1"/>
-          </a:solidFill>
-        </p:spPr>
-        <p:style>
-          <a:lnRef idx="2">
-            <a:schemeClr val="accent1">
-              <a:shade val="50000"/>
-            </a:schemeClr>
-          </a:lnRef>
-          <a:fillRef idx="1">
-            <a:schemeClr val="accent1"/>
-          </a:fillRef>
-          <a:effectRef idx="0">
-            <a:schemeClr val="accent1"/>
-          </a:effectRef>
-          <a:fontRef idx="minor">
-            <a:schemeClr val="lt1"/>
-          </a:fontRef>
-        </p:style>
-        <p:txBody>
-          <a:bodyPr rtlCol="0" anchor="ctr"/>
-          <a:lstStyle/>
-          <a:p>
-            <a:pPr algn="ctr"/>
-            <a:endParaRPr lang="es-ES" sz="2000" b="1" dirty="0">
-              <a:solidFill>
-                <a:schemeClr val="tx1">
-                  <a:lumMod val="50000"/>
-                </a:schemeClr>
-              </a:solidFill>
-            </a:endParaRPr>
-          </a:p>
-          <a:p>
-            <a:endParaRPr lang="es-ES" sz="2000" b="1" dirty="0">
-              <a:solidFill>
-                <a:schemeClr val="tx1">
-                  <a:lumMod val="50000"/>
-                </a:schemeClr>
-              </a:solidFill>
-            </a:endParaRPr>
-          </a:p>
-          <a:p>
-            <a:pPr algn="ctr"/>
-            <a:r>
-              <a:rPr lang="es-ES" sz="2000" b="1" dirty="0">
-                <a:solidFill>
-                  <a:schemeClr val="bg1">
-                    <a:lumMod val="50000"/>
-                  </a:schemeClr>
-                </a:solidFill>
-              </a:rPr>
-              <a:t>API Bot</a:t>
-            </a:r>
-          </a:p>
-        </p:txBody>
-      </p:sp>
-      <p:pic>
-        <p:nvPicPr>
-          <p:cNvPr id="34" name="Imagen 33">
-            <a:extLst>
-              <a:ext uri="{FF2B5EF4-FFF2-40B4-BE49-F238E27FC236}">
-                <a16:creationId xmlns:a16="http://schemas.microsoft.com/office/drawing/2014/main" id="{5AAFA853-C2E8-4DF3-BF9E-22D39D7C0238}"/>
-              </a:ext>
-            </a:extLst>
-          </p:cNvPr>
-          <p:cNvPicPr>
-            <a:picLocks noChangeAspect="1"/>
-          </p:cNvPicPr>
-          <p:nvPr/>
-        </p:nvPicPr>
-        <p:blipFill rotWithShape="1">
-          <a:blip r:embed="rId5"/>
-          <a:srcRect l="9030" t="7855" r="8425" b="12938"/>
-          <a:stretch/>
-        </p:blipFill>
-        <p:spPr>
-          <a:xfrm>
-            <a:off x="4693444" y="2150269"/>
-            <a:ext cx="581025" cy="557529"/>
-          </a:xfrm>
-          <a:prstGeom prst="rect">
-            <a:avLst/>
-          </a:prstGeom>
-        </p:spPr>
-      </p:pic>
-      <p:cxnSp>
-        <p:nvCxnSpPr>
-          <p:cNvPr id="35" name="Conector recto de flecha 34">
-            <a:extLst>
-              <a:ext uri="{FF2B5EF4-FFF2-40B4-BE49-F238E27FC236}">
-                <a16:creationId xmlns:a16="http://schemas.microsoft.com/office/drawing/2014/main" id="{C2752118-14A4-4215-BADD-A0175F12239C}"/>
-              </a:ext>
-            </a:extLst>
-          </p:cNvPr>
-          <p:cNvCxnSpPr>
-            <a:cxnSpLocks/>
-            <a:stCxn id="45" idx="1"/>
-            <a:endCxn id="25" idx="0"/>
-          </p:cNvCxnSpPr>
-          <p:nvPr/>
-        </p:nvCxnSpPr>
-        <p:spPr>
-          <a:xfrm flipH="1">
-            <a:off x="5169432" y="4066158"/>
-            <a:ext cx="3078909" cy="715042"/>
-          </a:xfrm>
-          <a:prstGeom prst="straightConnector1">
-            <a:avLst/>
-          </a:prstGeom>
-          <a:ln w="50800">
-            <a:solidFill>
-              <a:schemeClr val="accent5">
-                <a:lumMod val="50000"/>
-              </a:schemeClr>
-            </a:solidFill>
-            <a:headEnd type="stealth"/>
-            <a:tailEnd type="stealth"/>
-          </a:ln>
-        </p:spPr>
-        <p:style>
-          <a:lnRef idx="3">
-            <a:schemeClr val="dk1"/>
-          </a:lnRef>
-          <a:fillRef idx="0">
-            <a:schemeClr val="dk1"/>
-          </a:fillRef>
-          <a:effectRef idx="2">
-            <a:schemeClr val="dk1"/>
-          </a:effectRef>
-          <a:fontRef idx="minor">
-            <a:schemeClr val="tx1"/>
-          </a:fontRef>
-        </p:style>
-      </p:cxnSp>
-      <p:cxnSp>
-        <p:nvCxnSpPr>
-          <p:cNvPr id="37" name="Conector recto de flecha 36">
-            <a:extLst>
-              <a:ext uri="{FF2B5EF4-FFF2-40B4-BE49-F238E27FC236}">
-                <a16:creationId xmlns:a16="http://schemas.microsoft.com/office/drawing/2014/main" id="{7ED822EC-D0F0-4D16-835C-09287FAFA327}"/>
-              </a:ext>
-            </a:extLst>
-          </p:cNvPr>
-          <p:cNvCxnSpPr>
-            <a:cxnSpLocks/>
-            <a:stCxn id="29" idx="1"/>
-            <a:endCxn id="39" idx="3"/>
-          </p:cNvCxnSpPr>
-          <p:nvPr/>
-        </p:nvCxnSpPr>
-        <p:spPr>
-          <a:xfrm flipH="1">
-            <a:off x="2218151" y="2707798"/>
-            <a:ext cx="2454525" cy="1151281"/>
-          </a:xfrm>
-          <a:prstGeom prst="straightConnector1">
-            <a:avLst/>
-          </a:prstGeom>
-          <a:ln w="50800">
-            <a:solidFill>
-              <a:schemeClr val="accent5">
-                <a:lumMod val="50000"/>
-              </a:schemeClr>
-            </a:solidFill>
-            <a:headEnd type="stealth"/>
-            <a:tailEnd type="stealth"/>
-          </a:ln>
-        </p:spPr>
-        <p:style>
-          <a:lnRef idx="3">
-            <a:schemeClr val="dk1"/>
-          </a:lnRef>
-          <a:fillRef idx="0">
-            <a:schemeClr val="dk1"/>
-          </a:fillRef>
-          <a:effectRef idx="2">
-            <a:schemeClr val="dk1"/>
-          </a:effectRef>
-          <a:fontRef idx="minor">
-            <a:schemeClr val="tx1"/>
-          </a:fontRef>
-        </p:style>
-      </p:cxnSp>
-      <p:cxnSp>
-        <p:nvCxnSpPr>
-          <p:cNvPr id="38" name="Conector recto de flecha 37">
-            <a:extLst>
-              <a:ext uri="{FF2B5EF4-FFF2-40B4-BE49-F238E27FC236}">
-                <a16:creationId xmlns:a16="http://schemas.microsoft.com/office/drawing/2014/main" id="{A18031EF-DAC9-473F-968A-0CEF54AFD61F}"/>
-              </a:ext>
-            </a:extLst>
-          </p:cNvPr>
-          <p:cNvCxnSpPr>
-            <a:cxnSpLocks/>
-            <a:stCxn id="45" idx="1"/>
-            <a:endCxn id="29" idx="3"/>
-          </p:cNvCxnSpPr>
-          <p:nvPr/>
-        </p:nvCxnSpPr>
-        <p:spPr>
-          <a:xfrm flipH="1" flipV="1">
-            <a:off x="6024398" y="2707798"/>
-            <a:ext cx="2223943" cy="1358360"/>
-          </a:xfrm>
-          <a:prstGeom prst="straightConnector1">
-            <a:avLst/>
-          </a:prstGeom>
-          <a:ln w="50800">
-            <a:solidFill>
-              <a:schemeClr val="accent2"/>
-            </a:solidFill>
-            <a:headEnd type="stealth"/>
-            <a:tailEnd type="stealth"/>
-          </a:ln>
-        </p:spPr>
-        <p:style>
-          <a:lnRef idx="3">
-            <a:schemeClr val="dk1"/>
-          </a:lnRef>
-          <a:fillRef idx="0">
-            <a:schemeClr val="dk1"/>
-          </a:fillRef>
-          <a:effectRef idx="2">
-            <a:schemeClr val="dk1"/>
-          </a:effectRef>
-          <a:fontRef idx="minor">
-            <a:schemeClr val="tx1"/>
-          </a:fontRef>
-        </p:style>
-      </p:cxnSp>
-      <p:pic>
-        <p:nvPicPr>
-          <p:cNvPr id="39" name="Imagen 38">
-            <a:extLst>
-              <a:ext uri="{FF2B5EF4-FFF2-40B4-BE49-F238E27FC236}">
-                <a16:creationId xmlns:a16="http://schemas.microsoft.com/office/drawing/2014/main" id="{B177CD10-681F-4243-B245-75962852539C}"/>
-              </a:ext>
-            </a:extLst>
-          </p:cNvPr>
-          <p:cNvPicPr>
-            <a:picLocks noChangeAspect="1"/>
-          </p:cNvPicPr>
-          <p:nvPr/>
-        </p:nvPicPr>
-        <p:blipFill>
-          <a:blip r:embed="rId6"/>
-          <a:stretch>
-            <a:fillRect/>
-          </a:stretch>
-        </p:blipFill>
-        <p:spPr>
-          <a:xfrm>
-            <a:off x="1284907" y="3392457"/>
-            <a:ext cx="933244" cy="933244"/>
-          </a:xfrm>
-          <a:prstGeom prst="rect">
-            <a:avLst/>
-          </a:prstGeom>
-        </p:spPr>
-      </p:pic>
-      <p:sp>
-        <p:nvSpPr>
-          <p:cNvPr id="42" name="Elipse 41">
-            <a:extLst>
-              <a:ext uri="{FF2B5EF4-FFF2-40B4-BE49-F238E27FC236}">
-                <a16:creationId xmlns:a16="http://schemas.microsoft.com/office/drawing/2014/main" id="{EF0E4691-0EB1-47B9-B1CE-E21B6D4E300E}"/>
-              </a:ext>
-            </a:extLst>
-          </p:cNvPr>
-          <p:cNvSpPr/>
-          <p:nvPr/>
-        </p:nvSpPr>
-        <p:spPr>
-          <a:xfrm>
-            <a:off x="1515863" y="2429033"/>
-            <a:ext cx="2666201" cy="703889"/>
-          </a:xfrm>
-          <a:prstGeom prst="ellipse">
-            <a:avLst/>
-          </a:prstGeom>
-          <a:solidFill>
-            <a:schemeClr val="bg1"/>
-          </a:solidFill>
-        </p:spPr>
-        <p:style>
-          <a:lnRef idx="2">
-            <a:schemeClr val="accent1">
-              <a:shade val="50000"/>
-            </a:schemeClr>
-          </a:lnRef>
-          <a:fillRef idx="1">
-            <a:schemeClr val="accent1"/>
-          </a:fillRef>
-          <a:effectRef idx="0">
-            <a:schemeClr val="accent1"/>
-          </a:effectRef>
-          <a:fontRef idx="minor">
-            <a:schemeClr val="lt1"/>
-          </a:fontRef>
-        </p:style>
-        <p:txBody>
-          <a:bodyPr rtlCol="0" anchor="ctr"/>
-          <a:lstStyle/>
-          <a:p>
-            <a:pPr algn="ctr"/>
-            <a:r>
-              <a:rPr lang="es-ES" dirty="0">
-                <a:solidFill>
-                  <a:schemeClr val="bg1">
-                    <a:lumMod val="50000"/>
-                  </a:schemeClr>
-                </a:solidFill>
-              </a:rPr>
-              <a:t>/</a:t>
-            </a:r>
-            <a:r>
-              <a:rPr lang="es-ES" dirty="0" err="1">
-                <a:solidFill>
-                  <a:schemeClr val="bg1">
-                    <a:lumMod val="50000"/>
-                  </a:schemeClr>
-                </a:solidFill>
-              </a:rPr>
-              <a:t>add_channel</a:t>
-            </a:r>
-            <a:r>
-              <a:rPr lang="es-ES" dirty="0">
-                <a:solidFill>
-                  <a:schemeClr val="bg1">
-                    <a:lumMod val="50000"/>
-                  </a:schemeClr>
-                </a:solidFill>
-              </a:rPr>
-              <a:t> X</a:t>
-            </a:r>
-          </a:p>
-        </p:txBody>
-      </p:sp>
-      <p:sp>
-        <p:nvSpPr>
-          <p:cNvPr id="44" name="Elipse 43">
-            <a:extLst>
-              <a:ext uri="{FF2B5EF4-FFF2-40B4-BE49-F238E27FC236}">
-                <a16:creationId xmlns:a16="http://schemas.microsoft.com/office/drawing/2014/main" id="{27351FBA-04FC-44F5-94B2-E51E1BEAC378}"/>
-              </a:ext>
-            </a:extLst>
-          </p:cNvPr>
-          <p:cNvSpPr/>
-          <p:nvPr/>
-        </p:nvSpPr>
-        <p:spPr>
-          <a:xfrm>
-            <a:off x="6623899" y="2477148"/>
-            <a:ext cx="2656579" cy="703889"/>
-          </a:xfrm>
-          <a:prstGeom prst="ellipse">
-            <a:avLst/>
-          </a:prstGeom>
-          <a:solidFill>
-            <a:schemeClr val="bg1"/>
-          </a:solidFill>
-        </p:spPr>
-        <p:style>
-          <a:lnRef idx="2">
-            <a:schemeClr val="accent1">
-              <a:shade val="50000"/>
-            </a:schemeClr>
-          </a:lnRef>
-          <a:fillRef idx="1">
-            <a:schemeClr val="accent1"/>
-          </a:fillRef>
-          <a:effectRef idx="0">
-            <a:schemeClr val="accent1"/>
-          </a:effectRef>
-          <a:fontRef idx="minor">
-            <a:schemeClr val="lt1"/>
-          </a:fontRef>
-        </p:style>
-        <p:txBody>
-          <a:bodyPr rtlCol="0" anchor="ctr"/>
-          <a:lstStyle/>
-          <a:p>
-            <a:pPr algn="ctr"/>
-            <a:r>
-              <a:rPr lang="es-ES" dirty="0">
-                <a:solidFill>
-                  <a:schemeClr val="bg1">
-                    <a:lumMod val="50000"/>
-                  </a:schemeClr>
-                </a:solidFill>
-              </a:rPr>
-              <a:t>/</a:t>
-            </a:r>
-            <a:r>
-              <a:rPr lang="es-ES" dirty="0" err="1">
-                <a:solidFill>
-                  <a:schemeClr val="bg1">
-                    <a:lumMod val="50000"/>
-                  </a:schemeClr>
-                </a:solidFill>
-              </a:rPr>
-              <a:t>add_channel</a:t>
-            </a:r>
-            <a:r>
-              <a:rPr lang="es-ES" dirty="0">
-                <a:solidFill>
-                  <a:schemeClr val="bg1">
-                    <a:lumMod val="50000"/>
-                  </a:schemeClr>
-                </a:solidFill>
-              </a:rPr>
-              <a:t> X</a:t>
-            </a:r>
-          </a:p>
-        </p:txBody>
-      </p:sp>
-      <p:sp>
-        <p:nvSpPr>
-          <p:cNvPr id="45" name="Rectángulo: esquina doblada 44">
-            <a:extLst>
-              <a:ext uri="{FF2B5EF4-FFF2-40B4-BE49-F238E27FC236}">
-                <a16:creationId xmlns:a16="http://schemas.microsoft.com/office/drawing/2014/main" id="{3272758C-7B3F-4630-9F66-D2D180E32A79}"/>
-              </a:ext>
-            </a:extLst>
-          </p:cNvPr>
-          <p:cNvSpPr/>
-          <p:nvPr/>
-        </p:nvSpPr>
-        <p:spPr>
-          <a:xfrm>
-            <a:off x="8248341" y="3487203"/>
-            <a:ext cx="1351722" cy="1157909"/>
-          </a:xfrm>
-          <a:prstGeom prst="foldedCorner">
-            <a:avLst/>
-          </a:prstGeom>
-          <a:solidFill>
-            <a:schemeClr val="bg1"/>
-          </a:solidFill>
-        </p:spPr>
-        <p:style>
-          <a:lnRef idx="2">
-            <a:schemeClr val="accent1">
-              <a:shade val="50000"/>
-            </a:schemeClr>
-          </a:lnRef>
-          <a:fillRef idx="1">
-            <a:schemeClr val="accent1"/>
-          </a:fillRef>
-          <a:effectRef idx="0">
-            <a:schemeClr val="accent1"/>
-          </a:effectRef>
-          <a:fontRef idx="minor">
-            <a:schemeClr val="lt1"/>
-          </a:fontRef>
-        </p:style>
-        <p:txBody>
-          <a:bodyPr rtlCol="0" anchor="ctr"/>
-          <a:lstStyle/>
-          <a:p>
-            <a:pPr algn="ctr"/>
-            <a:endParaRPr lang="es-ES" b="1" dirty="0">
-              <a:solidFill>
-                <a:schemeClr val="tx1">
-                  <a:lumMod val="50000"/>
-                </a:schemeClr>
-              </a:solidFill>
-            </a:endParaRPr>
-          </a:p>
-          <a:p>
-            <a:pPr algn="ctr"/>
-            <a:endParaRPr lang="es-ES" b="1" dirty="0">
-              <a:solidFill>
-                <a:schemeClr val="tx1">
-                  <a:lumMod val="50000"/>
-                </a:schemeClr>
-              </a:solidFill>
-            </a:endParaRPr>
-          </a:p>
-          <a:p>
-            <a:pPr algn="ctr"/>
-            <a:r>
-              <a:rPr lang="es-ES" sz="2000" b="1" dirty="0">
-                <a:solidFill>
-                  <a:schemeClr val="bg1">
-                    <a:lumMod val="50000"/>
-                  </a:schemeClr>
-                </a:solidFill>
-              </a:rPr>
-              <a:t>API Client</a:t>
-            </a:r>
-          </a:p>
-        </p:txBody>
-      </p:sp>
-      <p:sp>
-        <p:nvSpPr>
-          <p:cNvPr id="57" name="Elipse 56">
-            <a:extLst>
-              <a:ext uri="{FF2B5EF4-FFF2-40B4-BE49-F238E27FC236}">
-                <a16:creationId xmlns:a16="http://schemas.microsoft.com/office/drawing/2014/main" id="{F45F3CDB-4BB2-46C1-BAC0-0CAA507E0B3E}"/>
-              </a:ext>
-            </a:extLst>
-          </p:cNvPr>
-          <p:cNvSpPr/>
-          <p:nvPr/>
-        </p:nvSpPr>
-        <p:spPr>
-          <a:xfrm>
-            <a:off x="5796725" y="4539397"/>
-            <a:ext cx="2371499" cy="969310"/>
-          </a:xfrm>
-          <a:prstGeom prst="ellipse">
-            <a:avLst/>
-          </a:prstGeom>
-          <a:solidFill>
-            <a:schemeClr val="bg1"/>
-          </a:solidFill>
-        </p:spPr>
-        <p:style>
-          <a:lnRef idx="2">
-            <a:schemeClr val="accent1">
-              <a:shade val="50000"/>
-            </a:schemeClr>
-          </a:lnRef>
-          <a:fillRef idx="1">
-            <a:schemeClr val="accent1"/>
-          </a:fillRef>
-          <a:effectRef idx="0">
-            <a:schemeClr val="accent1"/>
-          </a:effectRef>
-          <a:fontRef idx="minor">
-            <a:schemeClr val="lt1"/>
-          </a:fontRef>
-        </p:style>
-        <p:txBody>
-          <a:bodyPr rtlCol="0" anchor="ctr"/>
-          <a:lstStyle/>
-          <a:p>
-            <a:pPr algn="ctr"/>
-            <a:r>
-              <a:rPr lang="es-ES" dirty="0">
-                <a:solidFill>
-                  <a:schemeClr val="bg1">
-                    <a:lumMod val="50000"/>
-                  </a:schemeClr>
-                </a:solidFill>
-              </a:rPr>
-              <a:t>¿Existe?</a:t>
-            </a:r>
-          </a:p>
-          <a:p>
-            <a:pPr algn="ctr"/>
-            <a:r>
-              <a:rPr lang="es-ES" dirty="0">
-                <a:solidFill>
-                  <a:schemeClr val="bg1">
-                    <a:lumMod val="50000"/>
-                  </a:schemeClr>
-                </a:solidFill>
-              </a:rPr>
-              <a:t>¿Estoy unido?</a:t>
-            </a:r>
-          </a:p>
-        </p:txBody>
-      </p:sp>
-      <p:pic>
-        <p:nvPicPr>
-          <p:cNvPr id="60" name="Imagen 59">
-            <a:extLst>
-              <a:ext uri="{FF2B5EF4-FFF2-40B4-BE49-F238E27FC236}">
-                <a16:creationId xmlns:a16="http://schemas.microsoft.com/office/drawing/2014/main" id="{63430266-4FF3-4A57-9072-42DCD1B3D136}"/>
-              </a:ext>
-            </a:extLst>
-          </p:cNvPr>
-          <p:cNvPicPr>
-            <a:picLocks noChangeAspect="1"/>
-          </p:cNvPicPr>
-          <p:nvPr/>
-        </p:nvPicPr>
-        <p:blipFill rotWithShape="1">
-          <a:blip r:embed="rId5"/>
-          <a:srcRect l="9030" t="7855" r="8425" b="12938"/>
-          <a:stretch/>
-        </p:blipFill>
-        <p:spPr>
-          <a:xfrm>
-            <a:off x="8248341" y="3500114"/>
-            <a:ext cx="581025" cy="557529"/>
-          </a:xfrm>
-          <a:prstGeom prst="rect">
-            <a:avLst/>
-          </a:prstGeom>
-        </p:spPr>
-      </p:pic>
-      <p:sp>
-        <p:nvSpPr>
-          <p:cNvPr id="66" name="Rectángulo: esquina doblada 65">
-            <a:extLst>
-              <a:ext uri="{FF2B5EF4-FFF2-40B4-BE49-F238E27FC236}">
-                <a16:creationId xmlns:a16="http://schemas.microsoft.com/office/drawing/2014/main" id="{D5A4C27C-8973-4BBE-8780-68EEC8EABD36}"/>
-              </a:ext>
-            </a:extLst>
-          </p:cNvPr>
-          <p:cNvSpPr/>
-          <p:nvPr/>
-        </p:nvSpPr>
-        <p:spPr>
-          <a:xfrm>
-            <a:off x="8794043" y="5145635"/>
-            <a:ext cx="1351722" cy="1157909"/>
-          </a:xfrm>
-          <a:prstGeom prst="foldedCorner">
-            <a:avLst/>
-          </a:prstGeom>
-          <a:solidFill>
-            <a:schemeClr val="bg1"/>
-          </a:solidFill>
-        </p:spPr>
-        <p:style>
-          <a:lnRef idx="2">
-            <a:schemeClr val="accent1">
-              <a:shade val="50000"/>
-            </a:schemeClr>
-          </a:lnRef>
-          <a:fillRef idx="1">
-            <a:schemeClr val="accent1"/>
-          </a:fillRef>
-          <a:effectRef idx="0">
-            <a:schemeClr val="accent1"/>
-          </a:effectRef>
-          <a:fontRef idx="minor">
-            <a:schemeClr val="lt1"/>
-          </a:fontRef>
-        </p:style>
-        <p:txBody>
-          <a:bodyPr rtlCol="0" anchor="ctr"/>
-          <a:lstStyle/>
-          <a:p>
-            <a:pPr algn="ctr"/>
-            <a:endParaRPr lang="es-ES" b="1" dirty="0">
-              <a:solidFill>
-                <a:schemeClr val="tx1">
-                  <a:lumMod val="50000"/>
-                </a:schemeClr>
-              </a:solidFill>
-            </a:endParaRPr>
-          </a:p>
-          <a:p>
-            <a:pPr algn="ctr"/>
-            <a:endParaRPr lang="es-ES" b="1" dirty="0">
-              <a:solidFill>
-                <a:schemeClr val="tx1">
-                  <a:lumMod val="50000"/>
-                </a:schemeClr>
-              </a:solidFill>
-            </a:endParaRPr>
-          </a:p>
-          <a:p>
-            <a:pPr algn="ctr"/>
-            <a:r>
-              <a:rPr lang="es-ES" sz="2000" b="1" dirty="0" err="1">
-                <a:solidFill>
-                  <a:schemeClr val="bg1">
-                    <a:lumMod val="50000"/>
-                  </a:schemeClr>
-                </a:solidFill>
-              </a:rPr>
-              <a:t>Conf</a:t>
-            </a:r>
-            <a:r>
-              <a:rPr lang="es-ES" sz="2000" b="1" dirty="0">
-                <a:solidFill>
-                  <a:schemeClr val="bg1">
-                    <a:lumMod val="50000"/>
-                  </a:schemeClr>
-                </a:solidFill>
-              </a:rPr>
-              <a:t> Manager</a:t>
-            </a:r>
-          </a:p>
-        </p:txBody>
-      </p:sp>
-      <p:pic>
-        <p:nvPicPr>
-          <p:cNvPr id="67" name="Imagen 66">
-            <a:extLst>
-              <a:ext uri="{FF2B5EF4-FFF2-40B4-BE49-F238E27FC236}">
-                <a16:creationId xmlns:a16="http://schemas.microsoft.com/office/drawing/2014/main" id="{EA94E876-144D-46D2-90FC-0C7361ABEB8F}"/>
-              </a:ext>
-            </a:extLst>
-          </p:cNvPr>
-          <p:cNvPicPr>
-            <a:picLocks noChangeAspect="1"/>
-          </p:cNvPicPr>
-          <p:nvPr/>
-        </p:nvPicPr>
-        <p:blipFill rotWithShape="1">
-          <a:blip r:embed="rId5"/>
-          <a:srcRect l="9030" t="7855" r="8425" b="12938"/>
-          <a:stretch/>
-        </p:blipFill>
-        <p:spPr>
-          <a:xfrm>
-            <a:off x="8794043" y="5158546"/>
-            <a:ext cx="581025" cy="557529"/>
-          </a:xfrm>
-          <a:prstGeom prst="rect">
-            <a:avLst/>
-          </a:prstGeom>
-        </p:spPr>
-      </p:pic>
-      <p:cxnSp>
-        <p:nvCxnSpPr>
-          <p:cNvPr id="76" name="Conector recto de flecha 75">
-            <a:extLst>
-              <a:ext uri="{FF2B5EF4-FFF2-40B4-BE49-F238E27FC236}">
-                <a16:creationId xmlns:a16="http://schemas.microsoft.com/office/drawing/2014/main" id="{AC44AEC5-341B-4FA9-8EBB-889CFA8DD90B}"/>
-              </a:ext>
-            </a:extLst>
-          </p:cNvPr>
-          <p:cNvCxnSpPr>
-            <a:cxnSpLocks/>
-            <a:stCxn id="45" idx="2"/>
-            <a:endCxn id="66" idx="0"/>
-          </p:cNvCxnSpPr>
-          <p:nvPr/>
-        </p:nvCxnSpPr>
-        <p:spPr>
-          <a:xfrm>
-            <a:off x="8924202" y="4645112"/>
-            <a:ext cx="545702" cy="500523"/>
-          </a:xfrm>
-          <a:prstGeom prst="straightConnector1">
-            <a:avLst/>
-          </a:prstGeom>
-          <a:ln w="50800">
-            <a:solidFill>
-              <a:schemeClr val="accent2"/>
-            </a:solidFill>
-            <a:headEnd type="stealth"/>
-            <a:tailEnd type="stealth"/>
-          </a:ln>
-        </p:spPr>
-        <p:style>
-          <a:lnRef idx="3">
-            <a:schemeClr val="dk1"/>
-          </a:lnRef>
-          <a:fillRef idx="0">
-            <a:schemeClr val="dk1"/>
-          </a:fillRef>
-          <a:effectRef idx="2">
-            <a:schemeClr val="dk1"/>
-          </a:effectRef>
-          <a:fontRef idx="minor">
-            <a:schemeClr val="tx1"/>
-          </a:fontRef>
-        </p:style>
-      </p:cxnSp>
-    </p:spTree>
-    <p:extLst>
-      <p:ext uri="{BB962C8B-B14F-4D97-AF65-F5344CB8AC3E}">
-        <p14:creationId xmlns:p14="http://schemas.microsoft.com/office/powerpoint/2010/main" val="1091851910"/>
-      </p:ext>
-    </p:extLst>
-  </p:cSld>
-  <p:clrMapOvr>
-    <a:masterClrMapping/>
-  </p:clrMapOvr>
-  <mc:AlternateContent xmlns:mc="http://schemas.openxmlformats.org/markup-compatibility/2006" xmlns:p14="http://schemas.microsoft.com/office/powerpoint/2010/main">
-    <mc:Choice Requires="p14">
-      <p:transition spd="med" p14:dur="700">
-        <p:fade/>
-      </p:transition>
-    </mc:Choice>
-    <mc:Fallback xmlns="">
-      <p:transition spd="med">
-        <p:fade/>
-      </p:transition>
-    </mc:Fallback>
-  </mc:AlternateContent>
-</p:sld>
-</file>
-
-<file path=ppt/slides/slide11.xml><?xml version="1.0" encoding="utf-8"?>
 <p:sld xmlns:a="http://schemas.openxmlformats.org/drawingml/2006/main" xmlns:r="http://schemas.openxmlformats.org/officeDocument/2006/relationships" xmlns:p="http://schemas.openxmlformats.org/presentationml/2006/main">
   <p:cSld>
     <p:spTree>
@@ -9080,7 +8117,7 @@
 </p:sld>
 </file>
 
-<file path=ppt/slides/slide12.xml><?xml version="1.0" encoding="utf-8"?>
+<file path=ppt/slides/slide11.xml><?xml version="1.0" encoding="utf-8"?>
 <p:sld xmlns:a="http://schemas.openxmlformats.org/drawingml/2006/main" xmlns:r="http://schemas.openxmlformats.org/officeDocument/2006/relationships" xmlns:p="http://schemas.openxmlformats.org/presentationml/2006/main">
   <p:cSld>
     <p:spTree>
@@ -9179,7 +8216,7 @@
 </p:sld>
 </file>
 
-<file path=ppt/slides/slide13.xml><?xml version="1.0" encoding="utf-8"?>
+<file path=ppt/slides/slide12.xml><?xml version="1.0" encoding="utf-8"?>
 <p:sld xmlns:a="http://schemas.openxmlformats.org/drawingml/2006/main" xmlns:r="http://schemas.openxmlformats.org/officeDocument/2006/relationships" xmlns:p="http://schemas.openxmlformats.org/presentationml/2006/main">
   <p:cSld>
     <p:spTree>
@@ -9277,7 +8314,7 @@
 </p:sld>
 </file>
 
-<file path=ppt/slides/slide14.xml><?xml version="1.0" encoding="utf-8"?>
+<file path=ppt/slides/slide13.xml><?xml version="1.0" encoding="utf-8"?>
 <p:sld xmlns:a="http://schemas.openxmlformats.org/drawingml/2006/main" xmlns:r="http://schemas.openxmlformats.org/officeDocument/2006/relationships" xmlns:p="http://schemas.openxmlformats.org/presentationml/2006/main">
   <p:cSld>
     <p:spTree>
@@ -9375,7 +8412,7 @@
 </p:sld>
 </file>
 
-<file path=ppt/slides/slide15.xml><?xml version="1.0" encoding="utf-8"?>
+<file path=ppt/slides/slide14.xml><?xml version="1.0" encoding="utf-8"?>
 <p:sld xmlns:a="http://schemas.openxmlformats.org/drawingml/2006/main" xmlns:r="http://schemas.openxmlformats.org/officeDocument/2006/relationships" xmlns:p="http://schemas.openxmlformats.org/presentationml/2006/main">
   <p:cSld>
     <p:spTree>
@@ -9535,7 +8572,7 @@
 </p:sld>
 </file>
 
-<file path=ppt/slides/slide16.xml><?xml version="1.0" encoding="utf-8"?>
+<file path=ppt/slides/slide15.xml><?xml version="1.0" encoding="utf-8"?>
 <p:sld xmlns:a="http://schemas.openxmlformats.org/drawingml/2006/main" xmlns:r="http://schemas.openxmlformats.org/officeDocument/2006/relationships" xmlns:p="http://schemas.openxmlformats.org/presentationml/2006/main">
   <p:cSld>
     <p:spTree>
@@ -9633,7 +8670,7 @@
 </p:sld>
 </file>
 
-<file path=ppt/slides/slide17.xml><?xml version="1.0" encoding="utf-8"?>
+<file path=ppt/slides/slide16.xml><?xml version="1.0" encoding="utf-8"?>
 <p:sld xmlns:a="http://schemas.openxmlformats.org/drawingml/2006/main" xmlns:r="http://schemas.openxmlformats.org/officeDocument/2006/relationships" xmlns:p="http://schemas.openxmlformats.org/presentationml/2006/main">
   <p:cSld>
     <p:spTree>
@@ -9732,6 +8769,175 @@
 </p:sld>
 </file>
 
+<file path=ppt/slides/slide17.xml><?xml version="1.0" encoding="utf-8"?>
+<p:sld xmlns:a="http://schemas.openxmlformats.org/drawingml/2006/main" xmlns:r="http://schemas.openxmlformats.org/officeDocument/2006/relationships" xmlns:p="http://schemas.openxmlformats.org/presentationml/2006/main">
+  <p:cSld>
+    <p:spTree>
+      <p:nvGrpSpPr>
+        <p:cNvPr id="1" name=""/>
+        <p:cNvGrpSpPr/>
+        <p:nvPr/>
+      </p:nvGrpSpPr>
+      <p:grpSpPr>
+        <a:xfrm>
+          <a:off x="0" y="0"/>
+          <a:ext cx="0" cy="0"/>
+          <a:chOff x="0" y="0"/>
+          <a:chExt cx="0" cy="0"/>
+        </a:xfrm>
+      </p:grpSpPr>
+      <p:sp>
+        <p:nvSpPr>
+          <p:cNvPr id="2" name="Título 1"/>
+          <p:cNvSpPr>
+            <a:spLocks noGrp="1"/>
+          </p:cNvSpPr>
+          <p:nvPr>
+            <p:ph type="title"/>
+          </p:nvPr>
+        </p:nvSpPr>
+        <p:spPr>
+          <a:xfrm>
+            <a:off x="1295400" y="214190"/>
+            <a:ext cx="9601200" cy="1036850"/>
+          </a:xfrm>
+        </p:spPr>
+        <p:txBody>
+          <a:bodyPr rtlCol="0"/>
+          <a:lstStyle/>
+          <a:p>
+            <a:r>
+              <a:rPr lang="es-ES" dirty="0"/>
+              <a:t>Próximos objetivos</a:t>
+            </a:r>
+          </a:p>
+        </p:txBody>
+      </p:sp>
+      <p:sp>
+        <p:nvSpPr>
+          <p:cNvPr id="3" name="Marcador de contenido 2">
+            <a:extLst>
+              <a:ext uri="{FF2B5EF4-FFF2-40B4-BE49-F238E27FC236}">
+                <a16:creationId xmlns:a16="http://schemas.microsoft.com/office/drawing/2014/main" id="{C7C71764-6AD4-4D24-9042-FFDD92367FD5}"/>
+              </a:ext>
+            </a:extLst>
+          </p:cNvPr>
+          <p:cNvSpPr>
+            <a:spLocks noGrp="1"/>
+          </p:cNvSpPr>
+          <p:nvPr>
+            <p:ph idx="1"/>
+          </p:nvPr>
+        </p:nvSpPr>
+        <p:spPr/>
+        <p:txBody>
+          <a:bodyPr anchor="ctr"/>
+          <a:lstStyle/>
+          <a:p>
+            <a:pPr>
+              <a:lnSpc>
+                <a:spcPct val="150000"/>
+              </a:lnSpc>
+            </a:pPr>
+            <a:r>
+              <a:rPr lang="es-ES" dirty="0"/>
+              <a:t>Traducción completa al inglés</a:t>
+            </a:r>
+          </a:p>
+          <a:p>
+            <a:pPr>
+              <a:lnSpc>
+                <a:spcPct val="150000"/>
+              </a:lnSpc>
+            </a:pPr>
+            <a:r>
+              <a:rPr lang="es-ES" dirty="0"/>
+              <a:t>Soporte multiusuario/uso </a:t>
+            </a:r>
+            <a:r>
+              <a:rPr lang="es-ES" dirty="0" err="1"/>
+              <a:t>squlite</a:t>
+            </a:r>
+            <a:endParaRPr lang="es-ES" dirty="0"/>
+          </a:p>
+          <a:p>
+            <a:pPr>
+              <a:lnSpc>
+                <a:spcPct val="150000"/>
+              </a:lnSpc>
+            </a:pPr>
+            <a:r>
+              <a:rPr lang="es-ES" dirty="0"/>
+              <a:t>Compartirlo en el </a:t>
+            </a:r>
+            <a:r>
+              <a:rPr lang="es-ES" dirty="0" err="1"/>
+              <a:t>github</a:t>
+            </a:r>
+            <a:r>
+              <a:rPr lang="es-ES" dirty="0"/>
+              <a:t> de las </a:t>
+            </a:r>
+            <a:r>
+              <a:rPr lang="es-ES" dirty="0" err="1"/>
+              <a:t>APIs</a:t>
+            </a:r>
+            <a:endParaRPr lang="es-ES" dirty="0"/>
+          </a:p>
+          <a:p>
+            <a:pPr>
+              <a:lnSpc>
+                <a:spcPct val="150000"/>
+              </a:lnSpc>
+            </a:pPr>
+            <a:r>
+              <a:rPr lang="es-ES" dirty="0"/>
+              <a:t>Pulir control de excepciones/filtrar entradas datos</a:t>
+            </a:r>
+          </a:p>
+          <a:p>
+            <a:pPr>
+              <a:lnSpc>
+                <a:spcPct val="150000"/>
+              </a:lnSpc>
+            </a:pPr>
+            <a:r>
+              <a:rPr lang="es-ES" dirty="0"/>
+              <a:t>Mejorar </a:t>
+            </a:r>
+            <a:r>
+              <a:rPr lang="es-ES" dirty="0" err="1"/>
+              <a:t>logging</a:t>
+            </a:r>
+            <a:endParaRPr lang="es-ES" dirty="0"/>
+          </a:p>
+        </p:txBody>
+      </p:sp>
+    </p:spTree>
+    <p:extLst>
+      <p:ext uri="{BB962C8B-B14F-4D97-AF65-F5344CB8AC3E}">
+        <p14:creationId xmlns:p14="http://schemas.microsoft.com/office/powerpoint/2010/main" val="1522249896"/>
+      </p:ext>
+    </p:extLst>
+  </p:cSld>
+  <p:clrMapOvr>
+    <a:masterClrMapping/>
+  </p:clrMapOvr>
+  <mc:AlternateContent xmlns:mc="http://schemas.openxmlformats.org/markup-compatibility/2006" xmlns:p14="http://schemas.microsoft.com/office/powerpoint/2010/main">
+    <mc:Choice Requires="p14">
+      <p:transition spd="med" p14:dur="700">
+        <p:fade/>
+      </p:transition>
+    </mc:Choice>
+    <mc:Fallback xmlns="">
+      <p:transition spd="med">
+        <p:fade/>
+      </p:transition>
+    </mc:Fallback>
+  </mc:AlternateContent>
+</p:sld>
+</file>
+
 <file path=ppt/slides/slide18.xml><?xml version="1.0" encoding="utf-8"?>
 <p:sld xmlns:a="http://schemas.openxmlformats.org/drawingml/2006/main" xmlns:r="http://schemas.openxmlformats.org/officeDocument/2006/relationships" xmlns:p="http://schemas.openxmlformats.org/presentationml/2006/main">
   <p:cSld>
@@ -9771,115 +8977,1442 @@
           <a:p>
             <a:r>
               <a:rPr lang="es-ES" dirty="0"/>
-              <a:t>Próximos objetivos</a:t>
-            </a:r>
-          </a:p>
-        </p:txBody>
-      </p:sp>
-      <p:sp>
-        <p:nvSpPr>
-          <p:cNvPr id="3" name="Marcador de contenido 2">
+              <a:t>Ejemplo codificación básica bot</a:t>
+            </a:r>
+          </a:p>
+        </p:txBody>
+      </p:sp>
+      <p:sp>
+        <p:nvSpPr>
+          <p:cNvPr id="4" name="Rectangle 1">
             <a:extLst>
               <a:ext uri="{FF2B5EF4-FFF2-40B4-BE49-F238E27FC236}">
-                <a16:creationId xmlns:a16="http://schemas.microsoft.com/office/drawing/2014/main" id="{C7C71764-6AD4-4D24-9042-FFDD92367FD5}"/>
+                <a16:creationId xmlns:a16="http://schemas.microsoft.com/office/drawing/2014/main" id="{F455D585-E747-40E2-801A-8AA203123195}"/>
               </a:ext>
             </a:extLst>
           </p:cNvPr>
           <p:cNvSpPr>
-            <a:spLocks noGrp="1"/>
+            <a:spLocks noGrp="1" noChangeArrowheads="1"/>
           </p:cNvSpPr>
           <p:nvPr>
             <p:ph idx="1"/>
           </p:nvPr>
         </p:nvSpPr>
-        <p:spPr/>
-        <p:txBody>
-          <a:bodyPr anchor="ctr"/>
+        <p:spPr bwMode="auto">
+          <a:xfrm>
+            <a:off x="1400098" y="1955823"/>
+            <a:ext cx="9391804" cy="4278094"/>
+          </a:xfrm>
+          <a:prstGeom prst="rect">
+            <a:avLst/>
+          </a:prstGeom>
+          <a:solidFill>
+            <a:srgbClr val="2B2B2B"/>
+          </a:solidFill>
+          <a:ln>
+            <a:noFill/>
+          </a:ln>
+          <a:effectLst/>
+          <a:extLst>
+            <a:ext uri="{91240B29-F687-4F45-9708-019B960494DF}">
+              <a14:hiddenLine xmlns:a14="http://schemas.microsoft.com/office/drawing/2010/main" w="9525">
+                <a:solidFill>
+                  <a:schemeClr val="tx1"/>
+                </a:solidFill>
+                <a:miter lim="800000"/>
+                <a:headEnd/>
+                <a:tailEnd/>
+              </a14:hiddenLine>
+            </a:ext>
+            <a:ext uri="{AF507438-7753-43E0-B8FC-AC1667EBCBE1}">
+              <a14:hiddenEffects xmlns:a14="http://schemas.microsoft.com/office/drawing/2010/main">
+                <a:effectLst>
+                  <a:outerShdw dist="35921" dir="2700000" algn="ctr" rotWithShape="0">
+                    <a:schemeClr val="bg2"/>
+                  </a:outerShdw>
+                </a:effectLst>
+              </a14:hiddenEffects>
+            </a:ext>
+          </a:extLst>
+        </p:spPr>
+        <p:txBody>
+          <a:bodyPr vert="horz" wrap="square" lIns="91440" tIns="45720" rIns="91440" bIns="45720" numCol="1" anchor="ctr" anchorCtr="0" compatLnSpc="1">
+            <a:prstTxWarp prst="textNoShape">
+              <a:avLst/>
+            </a:prstTxWarp>
+            <a:spAutoFit/>
+          </a:bodyPr>
           <a:lstStyle/>
           <a:p>
-            <a:pPr>
+            <a:pPr marL="0" marR="0" lvl="0" indent="0" algn="l" defTabSz="914400" rtl="0" eaLnBrk="0" fontAlgn="base" latinLnBrk="0" hangingPunct="0">
               <a:lnSpc>
-                <a:spcPct val="150000"/>
+                <a:spcPct val="100000"/>
               </a:lnSpc>
+              <a:spcBef>
+                <a:spcPct val="0"/>
+              </a:spcBef>
+              <a:spcAft>
+                <a:spcPct val="0"/>
+              </a:spcAft>
+              <a:buClrTx/>
+              <a:buSzTx/>
+              <a:buFontTx/>
+              <a:buNone/>
+              <a:tabLst/>
             </a:pPr>
             <a:r>
-              <a:rPr lang="es-ES" dirty="0"/>
-              <a:t>Traducción completa al inglés</a:t>
-            </a:r>
-          </a:p>
-          <a:p>
-            <a:pPr>
+              <a:rPr kumimoji="0" lang="es-ES" altLang="es-ES" sz="1600" b="0" i="0" u="none" strike="noStrike" cap="none" normalizeH="0" baseline="0" dirty="0">
+                <a:ln>
+                  <a:noFill/>
+                </a:ln>
+                <a:solidFill>
+                  <a:srgbClr val="BBB529"/>
+                </a:solidFill>
+                <a:effectLst/>
+                <a:latin typeface="Courier New" panose="02070309020205020404" pitchFamily="49" charset="0"/>
+                <a:cs typeface="Courier New" panose="02070309020205020404" pitchFamily="49" charset="0"/>
+              </a:rPr>
+              <a:t>@</a:t>
+            </a:r>
+            <a:r>
+              <a:rPr kumimoji="0" lang="es-ES" altLang="es-ES" sz="1600" b="0" i="0" u="none" strike="noStrike" cap="none" normalizeH="0" baseline="0" dirty="0" err="1">
+                <a:ln>
+                  <a:noFill/>
+                </a:ln>
+                <a:solidFill>
+                  <a:srgbClr val="BBB529"/>
+                </a:solidFill>
+                <a:effectLst/>
+                <a:latin typeface="Courier New" panose="02070309020205020404" pitchFamily="49" charset="0"/>
+                <a:cs typeface="Courier New" panose="02070309020205020404" pitchFamily="49" charset="0"/>
+              </a:rPr>
+              <a:t>bot.message_handler</a:t>
+            </a:r>
+            <a:r>
+              <a:rPr kumimoji="0" lang="es-ES" altLang="es-ES" sz="1600" b="0" i="0" u="none" strike="noStrike" cap="none" normalizeH="0" baseline="0" dirty="0">
+                <a:ln>
+                  <a:noFill/>
+                </a:ln>
+                <a:solidFill>
+                  <a:srgbClr val="A9B7C6"/>
+                </a:solidFill>
+                <a:effectLst/>
+                <a:latin typeface="Courier New" panose="02070309020205020404" pitchFamily="49" charset="0"/>
+                <a:cs typeface="Courier New" panose="02070309020205020404" pitchFamily="49" charset="0"/>
+              </a:rPr>
+              <a:t>(</a:t>
+            </a:r>
+            <a:r>
+              <a:rPr kumimoji="0" lang="es-ES" altLang="es-ES" sz="1600" b="0" i="0" u="none" strike="noStrike" cap="none" normalizeH="0" baseline="0" dirty="0" err="1">
+                <a:ln>
+                  <a:noFill/>
+                </a:ln>
+                <a:solidFill>
+                  <a:srgbClr val="AA4926"/>
+                </a:solidFill>
+                <a:effectLst/>
+                <a:latin typeface="Courier New" panose="02070309020205020404" pitchFamily="49" charset="0"/>
+                <a:cs typeface="Courier New" panose="02070309020205020404" pitchFamily="49" charset="0"/>
+              </a:rPr>
+              <a:t>commands</a:t>
+            </a:r>
+            <a:r>
+              <a:rPr kumimoji="0" lang="es-ES" altLang="es-ES" sz="1600" b="0" i="0" u="none" strike="noStrike" cap="none" normalizeH="0" baseline="0" dirty="0">
+                <a:ln>
+                  <a:noFill/>
+                </a:ln>
+                <a:solidFill>
+                  <a:srgbClr val="A9B7C6"/>
+                </a:solidFill>
+                <a:effectLst/>
+                <a:latin typeface="Courier New" panose="02070309020205020404" pitchFamily="49" charset="0"/>
+                <a:cs typeface="Courier New" panose="02070309020205020404" pitchFamily="49" charset="0"/>
+              </a:rPr>
+              <a:t>=[</a:t>
+            </a:r>
+            <a:r>
+              <a:rPr kumimoji="0" lang="es-ES" altLang="es-ES" sz="1600" b="0" i="0" u="none" strike="noStrike" cap="none" normalizeH="0" baseline="0" dirty="0">
+                <a:ln>
+                  <a:noFill/>
+                </a:ln>
+                <a:solidFill>
+                  <a:srgbClr val="6A8759"/>
+                </a:solidFill>
+                <a:effectLst/>
+                <a:latin typeface="Courier New" panose="02070309020205020404" pitchFamily="49" charset="0"/>
+                <a:cs typeface="Courier New" panose="02070309020205020404" pitchFamily="49" charset="0"/>
+              </a:rPr>
+              <a:t>'</a:t>
+            </a:r>
+            <a:r>
+              <a:rPr kumimoji="0" lang="es-ES" altLang="es-ES" sz="1600" b="0" i="0" u="none" strike="noStrike" cap="none" normalizeH="0" baseline="0" dirty="0" err="1">
+                <a:ln>
+                  <a:noFill/>
+                </a:ln>
+                <a:solidFill>
+                  <a:srgbClr val="6A8759"/>
+                </a:solidFill>
+                <a:effectLst/>
+                <a:latin typeface="Courier New" panose="02070309020205020404" pitchFamily="49" charset="0"/>
+                <a:cs typeface="Courier New" panose="02070309020205020404" pitchFamily="49" charset="0"/>
+              </a:rPr>
+              <a:t>add_channel</a:t>
+            </a:r>
+            <a:r>
+              <a:rPr kumimoji="0" lang="es-ES" altLang="es-ES" sz="1600" b="0" i="0" u="none" strike="noStrike" cap="none" normalizeH="0" baseline="0" dirty="0">
+                <a:ln>
+                  <a:noFill/>
+                </a:ln>
+                <a:solidFill>
+                  <a:srgbClr val="6A8759"/>
+                </a:solidFill>
+                <a:effectLst/>
+                <a:latin typeface="Courier New" panose="02070309020205020404" pitchFamily="49" charset="0"/>
+                <a:cs typeface="Courier New" panose="02070309020205020404" pitchFamily="49" charset="0"/>
+              </a:rPr>
+              <a:t>'</a:t>
+            </a:r>
+            <a:r>
+              <a:rPr kumimoji="0" lang="es-ES" altLang="es-ES" sz="1600" b="0" i="0" u="none" strike="noStrike" cap="none" normalizeH="0" baseline="0" dirty="0">
+                <a:ln>
+                  <a:noFill/>
+                </a:ln>
+                <a:solidFill>
+                  <a:srgbClr val="A9B7C6"/>
+                </a:solidFill>
+                <a:effectLst/>
+                <a:latin typeface="Courier New" panose="02070309020205020404" pitchFamily="49" charset="0"/>
+                <a:cs typeface="Courier New" panose="02070309020205020404" pitchFamily="49" charset="0"/>
+              </a:rPr>
+              <a:t>])</a:t>
+            </a:r>
+            <a:br>
+              <a:rPr kumimoji="0" lang="es-ES" altLang="es-ES" sz="1600" b="0" i="0" u="none" strike="noStrike" cap="none" normalizeH="0" baseline="0" dirty="0">
+                <a:ln>
+                  <a:noFill/>
+                </a:ln>
+                <a:solidFill>
+                  <a:srgbClr val="A9B7C6"/>
+                </a:solidFill>
+                <a:effectLst/>
+                <a:latin typeface="Courier New" panose="02070309020205020404" pitchFamily="49" charset="0"/>
+                <a:cs typeface="Courier New" panose="02070309020205020404" pitchFamily="49" charset="0"/>
+              </a:rPr>
+            </a:br>
+            <a:r>
+              <a:rPr kumimoji="0" lang="es-ES" altLang="es-ES" sz="1600" b="0" i="0" u="none" strike="noStrike" cap="none" normalizeH="0" baseline="0" dirty="0" err="1">
+                <a:ln>
+                  <a:noFill/>
+                </a:ln>
+                <a:solidFill>
+                  <a:srgbClr val="CC7832"/>
+                </a:solidFill>
+                <a:effectLst/>
+                <a:latin typeface="Courier New" panose="02070309020205020404" pitchFamily="49" charset="0"/>
+                <a:cs typeface="Courier New" panose="02070309020205020404" pitchFamily="49" charset="0"/>
+              </a:rPr>
+              <a:t>def</a:t>
+            </a:r>
+            <a:r>
+              <a:rPr kumimoji="0" lang="es-ES" altLang="es-ES" sz="1600" b="0" i="0" u="none" strike="noStrike" cap="none" normalizeH="0" baseline="0" dirty="0">
+                <a:ln>
+                  <a:noFill/>
+                </a:ln>
+                <a:solidFill>
+                  <a:srgbClr val="CC7832"/>
+                </a:solidFill>
+                <a:effectLst/>
+                <a:latin typeface="Courier New" panose="02070309020205020404" pitchFamily="49" charset="0"/>
+                <a:cs typeface="Courier New" panose="02070309020205020404" pitchFamily="49" charset="0"/>
+              </a:rPr>
+              <a:t> </a:t>
+            </a:r>
+            <a:r>
+              <a:rPr kumimoji="0" lang="es-ES" altLang="es-ES" sz="1600" b="0" i="0" u="none" strike="noStrike" cap="none" normalizeH="0" baseline="0" dirty="0" err="1">
+                <a:ln>
+                  <a:noFill/>
+                </a:ln>
+                <a:solidFill>
+                  <a:srgbClr val="FFC66D"/>
+                </a:solidFill>
+                <a:effectLst/>
+                <a:latin typeface="Courier New" panose="02070309020205020404" pitchFamily="49" charset="0"/>
+                <a:cs typeface="Courier New" panose="02070309020205020404" pitchFamily="49" charset="0"/>
+              </a:rPr>
+              <a:t>add_channel</a:t>
+            </a:r>
+            <a:r>
+              <a:rPr kumimoji="0" lang="es-ES" altLang="es-ES" sz="1600" b="0" i="0" u="none" strike="noStrike" cap="none" normalizeH="0" baseline="0" dirty="0">
+                <a:ln>
+                  <a:noFill/>
+                </a:ln>
+                <a:solidFill>
+                  <a:srgbClr val="A9B7C6"/>
+                </a:solidFill>
+                <a:effectLst/>
+                <a:latin typeface="Courier New" panose="02070309020205020404" pitchFamily="49" charset="0"/>
+                <a:cs typeface="Courier New" panose="02070309020205020404" pitchFamily="49" charset="0"/>
+              </a:rPr>
+              <a:t>(</a:t>
+            </a:r>
+            <a:r>
+              <a:rPr kumimoji="0" lang="es-ES" altLang="es-ES" sz="1600" b="0" i="0" u="none" strike="noStrike" cap="none" normalizeH="0" baseline="0" dirty="0" err="1">
+                <a:ln>
+                  <a:noFill/>
+                </a:ln>
+                <a:solidFill>
+                  <a:srgbClr val="A9B7C6"/>
+                </a:solidFill>
+                <a:effectLst/>
+                <a:latin typeface="Courier New" panose="02070309020205020404" pitchFamily="49" charset="0"/>
+                <a:cs typeface="Courier New" panose="02070309020205020404" pitchFamily="49" charset="0"/>
+              </a:rPr>
+              <a:t>msg</a:t>
+            </a:r>
+            <a:r>
+              <a:rPr kumimoji="0" lang="es-ES" altLang="es-ES" sz="1600" b="0" i="0" u="none" strike="noStrike" cap="none" normalizeH="0" baseline="0" dirty="0">
+                <a:ln>
+                  <a:noFill/>
+                </a:ln>
+                <a:solidFill>
+                  <a:srgbClr val="A9B7C6"/>
+                </a:solidFill>
+                <a:effectLst/>
+                <a:latin typeface="Courier New" panose="02070309020205020404" pitchFamily="49" charset="0"/>
+                <a:cs typeface="Courier New" panose="02070309020205020404" pitchFamily="49" charset="0"/>
+              </a:rPr>
+              <a:t>):</a:t>
+            </a:r>
+          </a:p>
+          <a:p>
+            <a:pPr marL="0" marR="0" lvl="0" indent="0" algn="l" defTabSz="914400" rtl="0" eaLnBrk="0" fontAlgn="base" latinLnBrk="0" hangingPunct="0">
               <a:lnSpc>
-                <a:spcPct val="150000"/>
+                <a:spcPct val="100000"/>
               </a:lnSpc>
+              <a:spcBef>
+                <a:spcPct val="0"/>
+              </a:spcBef>
+              <a:spcAft>
+                <a:spcPct val="0"/>
+              </a:spcAft>
+              <a:buClrTx/>
+              <a:buSzTx/>
+              <a:buFontTx/>
+              <a:buNone/>
+              <a:tabLst/>
             </a:pPr>
-            <a:r>
-              <a:rPr lang="es-ES" dirty="0"/>
-              <a:t>Soporte multiusuario/uso </a:t>
-            </a:r>
-            <a:r>
-              <a:rPr lang="es-ES" dirty="0" err="1"/>
-              <a:t>squlite</a:t>
-            </a:r>
-            <a:endParaRPr lang="es-ES" dirty="0"/>
-          </a:p>
-          <a:p>
-            <a:pPr>
+            <a:br>
+              <a:rPr kumimoji="0" lang="es-ES" altLang="es-ES" sz="1600" b="0" i="0" u="none" strike="noStrike" cap="none" normalizeH="0" baseline="0" dirty="0">
+                <a:ln>
+                  <a:noFill/>
+                </a:ln>
+                <a:solidFill>
+                  <a:srgbClr val="CC7832"/>
+                </a:solidFill>
+                <a:effectLst/>
+                <a:latin typeface="Courier New" panose="02070309020205020404" pitchFamily="49" charset="0"/>
+                <a:cs typeface="Courier New" panose="02070309020205020404" pitchFamily="49" charset="0"/>
+              </a:rPr>
+            </a:br>
+            <a:r>
+              <a:rPr kumimoji="0" lang="es-ES" altLang="es-ES" sz="1600" b="0" i="0" u="none" strike="noStrike" cap="none" normalizeH="0" baseline="0" dirty="0">
+                <a:ln>
+                  <a:noFill/>
+                </a:ln>
+                <a:solidFill>
+                  <a:srgbClr val="CC7832"/>
+                </a:solidFill>
+                <a:effectLst/>
+                <a:latin typeface="Courier New" panose="02070309020205020404" pitchFamily="49" charset="0"/>
+                <a:cs typeface="Courier New" panose="02070309020205020404" pitchFamily="49" charset="0"/>
+              </a:rPr>
+              <a:t>   </a:t>
+            </a:r>
+            <a:r>
+              <a:rPr kumimoji="0" lang="es-ES" altLang="es-ES" sz="1600" b="0" i="0" u="none" strike="noStrike" cap="none" normalizeH="0" baseline="0" dirty="0" err="1">
+                <a:ln>
+                  <a:noFill/>
+                </a:ln>
+                <a:solidFill>
+                  <a:srgbClr val="A9B7C6"/>
+                </a:solidFill>
+                <a:effectLst/>
+                <a:latin typeface="Courier New" panose="02070309020205020404" pitchFamily="49" charset="0"/>
+                <a:cs typeface="Courier New" panose="02070309020205020404" pitchFamily="49" charset="0"/>
+              </a:rPr>
+              <a:t>markup</a:t>
+            </a:r>
+            <a:r>
+              <a:rPr kumimoji="0" lang="es-ES" altLang="es-ES" sz="1600" b="0" i="0" u="none" strike="noStrike" cap="none" normalizeH="0" baseline="0" dirty="0">
+                <a:ln>
+                  <a:noFill/>
+                </a:ln>
+                <a:solidFill>
+                  <a:srgbClr val="A9B7C6"/>
+                </a:solidFill>
+                <a:effectLst/>
+                <a:latin typeface="Courier New" panose="02070309020205020404" pitchFamily="49" charset="0"/>
+                <a:cs typeface="Courier New" panose="02070309020205020404" pitchFamily="49" charset="0"/>
+              </a:rPr>
+              <a:t> = </a:t>
+            </a:r>
+            <a:r>
+              <a:rPr kumimoji="0" lang="es-ES" altLang="es-ES" sz="1600" b="0" i="0" u="none" strike="noStrike" cap="none" normalizeH="0" baseline="0" dirty="0" err="1">
+                <a:ln>
+                  <a:noFill/>
+                </a:ln>
+                <a:solidFill>
+                  <a:srgbClr val="A9B7C6"/>
+                </a:solidFill>
+                <a:effectLst/>
+                <a:latin typeface="Courier New" panose="02070309020205020404" pitchFamily="49" charset="0"/>
+                <a:cs typeface="Courier New" panose="02070309020205020404" pitchFamily="49" charset="0"/>
+              </a:rPr>
+              <a:t>types.ForceReply</a:t>
+            </a:r>
+            <a:r>
+              <a:rPr kumimoji="0" lang="es-ES" altLang="es-ES" sz="1600" b="0" i="0" u="none" strike="noStrike" cap="none" normalizeH="0" baseline="0" dirty="0">
+                <a:ln>
+                  <a:noFill/>
+                </a:ln>
+                <a:solidFill>
+                  <a:srgbClr val="A9B7C6"/>
+                </a:solidFill>
+                <a:effectLst/>
+                <a:latin typeface="Courier New" panose="02070309020205020404" pitchFamily="49" charset="0"/>
+                <a:cs typeface="Courier New" panose="02070309020205020404" pitchFamily="49" charset="0"/>
+              </a:rPr>
+              <a:t>(</a:t>
+            </a:r>
+            <a:r>
+              <a:rPr kumimoji="0" lang="es-ES" altLang="es-ES" sz="1600" b="0" i="0" u="none" strike="noStrike" cap="none" normalizeH="0" baseline="0" dirty="0" err="1">
+                <a:ln>
+                  <a:noFill/>
+                </a:ln>
+                <a:solidFill>
+                  <a:srgbClr val="AA4926"/>
+                </a:solidFill>
+                <a:effectLst/>
+                <a:latin typeface="Courier New" panose="02070309020205020404" pitchFamily="49" charset="0"/>
+                <a:cs typeface="Courier New" panose="02070309020205020404" pitchFamily="49" charset="0"/>
+              </a:rPr>
+              <a:t>selective</a:t>
+            </a:r>
+            <a:r>
+              <a:rPr kumimoji="0" lang="es-ES" altLang="es-ES" sz="1600" b="0" i="0" u="none" strike="noStrike" cap="none" normalizeH="0" baseline="0" dirty="0">
+                <a:ln>
+                  <a:noFill/>
+                </a:ln>
+                <a:solidFill>
+                  <a:srgbClr val="A9B7C6"/>
+                </a:solidFill>
+                <a:effectLst/>
+                <a:latin typeface="Courier New" panose="02070309020205020404" pitchFamily="49" charset="0"/>
+                <a:cs typeface="Courier New" panose="02070309020205020404" pitchFamily="49" charset="0"/>
+              </a:rPr>
+              <a:t>=</a:t>
+            </a:r>
+            <a:r>
+              <a:rPr kumimoji="0" lang="es-ES" altLang="es-ES" sz="1600" b="0" i="0" u="none" strike="noStrike" cap="none" normalizeH="0" baseline="0" dirty="0">
+                <a:ln>
+                  <a:noFill/>
+                </a:ln>
+                <a:solidFill>
+                  <a:srgbClr val="CC7832"/>
+                </a:solidFill>
+                <a:effectLst/>
+                <a:latin typeface="Courier New" panose="02070309020205020404" pitchFamily="49" charset="0"/>
+                <a:cs typeface="Courier New" panose="02070309020205020404" pitchFamily="49" charset="0"/>
+              </a:rPr>
+              <a:t>False</a:t>
+            </a:r>
+            <a:r>
+              <a:rPr kumimoji="0" lang="es-ES" altLang="es-ES" sz="1600" b="0" i="0" u="none" strike="noStrike" cap="none" normalizeH="0" baseline="0" dirty="0">
+                <a:ln>
+                  <a:noFill/>
+                </a:ln>
+                <a:solidFill>
+                  <a:srgbClr val="A9B7C6"/>
+                </a:solidFill>
+                <a:effectLst/>
+                <a:latin typeface="Courier New" panose="02070309020205020404" pitchFamily="49" charset="0"/>
+                <a:cs typeface="Courier New" panose="02070309020205020404" pitchFamily="49" charset="0"/>
+              </a:rPr>
+              <a:t>)</a:t>
+            </a:r>
+            <a:br>
+              <a:rPr kumimoji="0" lang="es-ES" altLang="es-ES" sz="1600" b="0" i="0" u="none" strike="noStrike" cap="none" normalizeH="0" baseline="0" dirty="0">
+                <a:ln>
+                  <a:noFill/>
+                </a:ln>
+                <a:solidFill>
+                  <a:srgbClr val="A9B7C6"/>
+                </a:solidFill>
+                <a:effectLst/>
+                <a:latin typeface="Courier New" panose="02070309020205020404" pitchFamily="49" charset="0"/>
+                <a:cs typeface="Courier New" panose="02070309020205020404" pitchFamily="49" charset="0"/>
+              </a:rPr>
+            </a:br>
+            <a:r>
+              <a:rPr kumimoji="0" lang="es-ES" altLang="es-ES" sz="1600" b="0" i="0" u="none" strike="noStrike" cap="none" normalizeH="0" baseline="0" dirty="0">
+                <a:ln>
+                  <a:noFill/>
+                </a:ln>
+                <a:solidFill>
+                  <a:srgbClr val="A9B7C6"/>
+                </a:solidFill>
+                <a:effectLst/>
+                <a:latin typeface="Courier New" panose="02070309020205020404" pitchFamily="49" charset="0"/>
+                <a:cs typeface="Courier New" panose="02070309020205020404" pitchFamily="49" charset="0"/>
+              </a:rPr>
+              <a:t>   </a:t>
+            </a:r>
+            <a:r>
+              <a:rPr kumimoji="0" lang="es-ES" altLang="es-ES" sz="1600" b="0" i="0" u="none" strike="noStrike" cap="none" normalizeH="0" baseline="0" dirty="0" err="1">
+                <a:ln>
+                  <a:noFill/>
+                </a:ln>
+                <a:solidFill>
+                  <a:srgbClr val="A9B7C6"/>
+                </a:solidFill>
+                <a:effectLst/>
+                <a:latin typeface="Courier New" panose="02070309020205020404" pitchFamily="49" charset="0"/>
+                <a:cs typeface="Courier New" panose="02070309020205020404" pitchFamily="49" charset="0"/>
+              </a:rPr>
+              <a:t>bot.send_message</a:t>
+            </a:r>
+            <a:r>
+              <a:rPr kumimoji="0" lang="es-ES" altLang="es-ES" sz="1600" b="0" i="0" u="none" strike="noStrike" cap="none" normalizeH="0" baseline="0" dirty="0">
+                <a:ln>
+                  <a:noFill/>
+                </a:ln>
+                <a:solidFill>
+                  <a:srgbClr val="A9B7C6"/>
+                </a:solidFill>
+                <a:effectLst/>
+                <a:latin typeface="Courier New" panose="02070309020205020404" pitchFamily="49" charset="0"/>
+                <a:cs typeface="Courier New" panose="02070309020205020404" pitchFamily="49" charset="0"/>
+              </a:rPr>
+              <a:t>(msg.chat.id</a:t>
+            </a:r>
+            <a:r>
+              <a:rPr kumimoji="0" lang="es-ES" altLang="es-ES" sz="1600" b="0" i="0" u="none" strike="noStrike" cap="none" normalizeH="0" baseline="0" dirty="0">
+                <a:ln>
+                  <a:noFill/>
+                </a:ln>
+                <a:solidFill>
+                  <a:srgbClr val="CC7832"/>
+                </a:solidFill>
+                <a:effectLst/>
+                <a:latin typeface="Courier New" panose="02070309020205020404" pitchFamily="49" charset="0"/>
+                <a:cs typeface="Courier New" panose="02070309020205020404" pitchFamily="49" charset="0"/>
+              </a:rPr>
+              <a:t>, </a:t>
+            </a:r>
+            <a:r>
+              <a:rPr kumimoji="0" lang="es-ES" altLang="es-ES" sz="1600" b="0" i="0" u="none" strike="noStrike" cap="none" normalizeH="0" baseline="0" dirty="0">
+                <a:ln>
+                  <a:noFill/>
+                </a:ln>
+                <a:solidFill>
+                  <a:srgbClr val="6A8759"/>
+                </a:solidFill>
+                <a:effectLst/>
+                <a:latin typeface="Courier New" panose="02070309020205020404" pitchFamily="49" charset="0"/>
+                <a:cs typeface="Courier New" panose="02070309020205020404" pitchFamily="49" charset="0"/>
+              </a:rPr>
+              <a:t>"Para añadir un canal, introduce su id"</a:t>
+            </a:r>
+            <a:r>
+              <a:rPr kumimoji="0" lang="es-ES" altLang="es-ES" sz="1600" b="0" i="0" u="none" strike="noStrike" cap="none" normalizeH="0" baseline="0" dirty="0">
+                <a:ln>
+                  <a:noFill/>
+                </a:ln>
+                <a:solidFill>
+                  <a:srgbClr val="CC7832"/>
+                </a:solidFill>
+                <a:effectLst/>
+                <a:latin typeface="Courier New" panose="02070309020205020404" pitchFamily="49" charset="0"/>
+                <a:cs typeface="Courier New" panose="02070309020205020404" pitchFamily="49" charset="0"/>
+              </a:rPr>
+              <a:t>, 		</a:t>
+            </a:r>
+            <a:r>
+              <a:rPr kumimoji="0" lang="es-ES" altLang="es-ES" sz="1600" b="0" i="0" u="none" strike="noStrike" cap="none" normalizeH="0" baseline="0" dirty="0" err="1">
+                <a:ln>
+                  <a:noFill/>
+                </a:ln>
+                <a:solidFill>
+                  <a:srgbClr val="AA4926"/>
+                </a:solidFill>
+                <a:effectLst/>
+                <a:latin typeface="Courier New" panose="02070309020205020404" pitchFamily="49" charset="0"/>
+                <a:cs typeface="Courier New" panose="02070309020205020404" pitchFamily="49" charset="0"/>
+              </a:rPr>
+              <a:t>reply_markup</a:t>
+            </a:r>
+            <a:r>
+              <a:rPr kumimoji="0" lang="es-ES" altLang="es-ES" sz="1600" b="0" i="0" u="none" strike="noStrike" cap="none" normalizeH="0" baseline="0" dirty="0">
+                <a:ln>
+                  <a:noFill/>
+                </a:ln>
+                <a:solidFill>
+                  <a:srgbClr val="A9B7C6"/>
+                </a:solidFill>
+                <a:effectLst/>
+                <a:latin typeface="Courier New" panose="02070309020205020404" pitchFamily="49" charset="0"/>
+                <a:cs typeface="Courier New" panose="02070309020205020404" pitchFamily="49" charset="0"/>
+              </a:rPr>
+              <a:t>=</a:t>
+            </a:r>
+            <a:r>
+              <a:rPr kumimoji="0" lang="es-ES" altLang="es-ES" sz="1600" b="0" i="0" u="none" strike="noStrike" cap="none" normalizeH="0" baseline="0" dirty="0" err="1">
+                <a:ln>
+                  <a:noFill/>
+                </a:ln>
+                <a:solidFill>
+                  <a:srgbClr val="A9B7C6"/>
+                </a:solidFill>
+                <a:effectLst/>
+                <a:latin typeface="Courier New" panose="02070309020205020404" pitchFamily="49" charset="0"/>
+                <a:cs typeface="Courier New" panose="02070309020205020404" pitchFamily="49" charset="0"/>
+              </a:rPr>
+              <a:t>markup</a:t>
+            </a:r>
+            <a:r>
+              <a:rPr kumimoji="0" lang="es-ES" altLang="es-ES" sz="1600" b="0" i="0" u="none" strike="noStrike" cap="none" normalizeH="0" baseline="0" dirty="0">
+                <a:ln>
+                  <a:noFill/>
+                </a:ln>
+                <a:solidFill>
+                  <a:srgbClr val="A9B7C6"/>
+                </a:solidFill>
+                <a:effectLst/>
+                <a:latin typeface="Courier New" panose="02070309020205020404" pitchFamily="49" charset="0"/>
+                <a:cs typeface="Courier New" panose="02070309020205020404" pitchFamily="49" charset="0"/>
+              </a:rPr>
+              <a:t>)</a:t>
+            </a:r>
+            <a:br>
+              <a:rPr kumimoji="0" lang="es-ES" altLang="es-ES" sz="1600" b="0" i="0" u="none" strike="noStrike" cap="none" normalizeH="0" baseline="0" dirty="0">
+                <a:ln>
+                  <a:noFill/>
+                </a:ln>
+                <a:solidFill>
+                  <a:srgbClr val="A9B7C6"/>
+                </a:solidFill>
+                <a:effectLst/>
+                <a:latin typeface="Courier New" panose="02070309020205020404" pitchFamily="49" charset="0"/>
+                <a:cs typeface="Courier New" panose="02070309020205020404" pitchFamily="49" charset="0"/>
+              </a:rPr>
+            </a:br>
+            <a:r>
+              <a:rPr kumimoji="0" lang="es-ES" altLang="es-ES" sz="1600" b="0" i="0" u="none" strike="noStrike" cap="none" normalizeH="0" baseline="0" dirty="0">
+                <a:ln>
+                  <a:noFill/>
+                </a:ln>
+                <a:solidFill>
+                  <a:srgbClr val="A9B7C6"/>
+                </a:solidFill>
+                <a:effectLst/>
+                <a:latin typeface="Courier New" panose="02070309020205020404" pitchFamily="49" charset="0"/>
+                <a:cs typeface="Courier New" panose="02070309020205020404" pitchFamily="49" charset="0"/>
+              </a:rPr>
+              <a:t>   </a:t>
+            </a:r>
+            <a:r>
+              <a:rPr kumimoji="0" lang="es-ES" altLang="es-ES" sz="1600" b="0" i="0" u="none" strike="noStrike" cap="none" normalizeH="0" baseline="0" dirty="0" err="1">
+                <a:ln>
+                  <a:noFill/>
+                </a:ln>
+                <a:solidFill>
+                  <a:srgbClr val="A9B7C6"/>
+                </a:solidFill>
+                <a:effectLst/>
+                <a:latin typeface="Courier New" panose="02070309020205020404" pitchFamily="49" charset="0"/>
+                <a:cs typeface="Courier New" panose="02070309020205020404" pitchFamily="49" charset="0"/>
+              </a:rPr>
+              <a:t>bot.register_next_step_handler</a:t>
+            </a:r>
+            <a:r>
+              <a:rPr kumimoji="0" lang="es-ES" altLang="es-ES" sz="1600" b="0" i="0" u="none" strike="noStrike" cap="none" normalizeH="0" baseline="0" dirty="0">
+                <a:ln>
+                  <a:noFill/>
+                </a:ln>
+                <a:solidFill>
+                  <a:srgbClr val="A9B7C6"/>
+                </a:solidFill>
+                <a:effectLst/>
+                <a:latin typeface="Courier New" panose="02070309020205020404" pitchFamily="49" charset="0"/>
+                <a:cs typeface="Courier New" panose="02070309020205020404" pitchFamily="49" charset="0"/>
+              </a:rPr>
+              <a:t>(</a:t>
+            </a:r>
+            <a:r>
+              <a:rPr kumimoji="0" lang="es-ES" altLang="es-ES" sz="1600" b="0" i="0" u="none" strike="noStrike" cap="none" normalizeH="0" baseline="0" dirty="0" err="1">
+                <a:ln>
+                  <a:noFill/>
+                </a:ln>
+                <a:solidFill>
+                  <a:srgbClr val="A9B7C6"/>
+                </a:solidFill>
+                <a:effectLst/>
+                <a:latin typeface="Courier New" panose="02070309020205020404" pitchFamily="49" charset="0"/>
+                <a:cs typeface="Courier New" panose="02070309020205020404" pitchFamily="49" charset="0"/>
+              </a:rPr>
+              <a:t>msg</a:t>
+            </a:r>
+            <a:r>
+              <a:rPr kumimoji="0" lang="es-ES" altLang="es-ES" sz="1600" b="0" i="0" u="none" strike="noStrike" cap="none" normalizeH="0" baseline="0" dirty="0">
+                <a:ln>
+                  <a:noFill/>
+                </a:ln>
+                <a:solidFill>
+                  <a:srgbClr val="CC7832"/>
+                </a:solidFill>
+                <a:effectLst/>
+                <a:latin typeface="Courier New" panose="02070309020205020404" pitchFamily="49" charset="0"/>
+                <a:cs typeface="Courier New" panose="02070309020205020404" pitchFamily="49" charset="0"/>
+              </a:rPr>
+              <a:t>, </a:t>
+            </a:r>
+            <a:r>
+              <a:rPr kumimoji="0" lang="es-ES" altLang="es-ES" sz="1600" b="0" i="0" u="none" strike="noStrike" cap="none" normalizeH="0" baseline="0" dirty="0" err="1">
+                <a:ln>
+                  <a:noFill/>
+                </a:ln>
+                <a:solidFill>
+                  <a:srgbClr val="A9B7C6"/>
+                </a:solidFill>
+                <a:effectLst/>
+                <a:latin typeface="Courier New" panose="02070309020205020404" pitchFamily="49" charset="0"/>
+                <a:cs typeface="Courier New" panose="02070309020205020404" pitchFamily="49" charset="0"/>
+              </a:rPr>
+              <a:t>process_add_channel_id</a:t>
+            </a:r>
+            <a:r>
+              <a:rPr kumimoji="0" lang="es-ES" altLang="es-ES" sz="1600" b="0" i="0" u="none" strike="noStrike" cap="none" normalizeH="0" baseline="0" dirty="0">
+                <a:ln>
+                  <a:noFill/>
+                </a:ln>
+                <a:solidFill>
+                  <a:srgbClr val="A9B7C6"/>
+                </a:solidFill>
+                <a:effectLst/>
+                <a:latin typeface="Courier New" panose="02070309020205020404" pitchFamily="49" charset="0"/>
+                <a:cs typeface="Courier New" panose="02070309020205020404" pitchFamily="49" charset="0"/>
+              </a:rPr>
+              <a:t>)</a:t>
+            </a:r>
+            <a:br>
+              <a:rPr kumimoji="0" lang="es-ES" altLang="es-ES" sz="1600" b="0" i="0" u="none" strike="noStrike" cap="none" normalizeH="0" baseline="0" dirty="0">
+                <a:ln>
+                  <a:noFill/>
+                </a:ln>
+                <a:solidFill>
+                  <a:srgbClr val="A9B7C6"/>
+                </a:solidFill>
+                <a:effectLst/>
+                <a:latin typeface="Courier New" panose="02070309020205020404" pitchFamily="49" charset="0"/>
+                <a:cs typeface="Courier New" panose="02070309020205020404" pitchFamily="49" charset="0"/>
+              </a:rPr>
+            </a:br>
+            <a:endParaRPr kumimoji="0" lang="es-ES" altLang="es-ES" sz="1600" b="0" i="0" u="none" strike="noStrike" cap="none" normalizeH="0" baseline="0" dirty="0">
+              <a:ln>
+                <a:noFill/>
+              </a:ln>
+              <a:solidFill>
+                <a:srgbClr val="A9B7C6"/>
+              </a:solidFill>
+              <a:effectLst/>
+              <a:latin typeface="Courier New" panose="02070309020205020404" pitchFamily="49" charset="0"/>
+              <a:cs typeface="Courier New" panose="02070309020205020404" pitchFamily="49" charset="0"/>
+            </a:endParaRPr>
+          </a:p>
+          <a:p>
+            <a:pPr marL="0" marR="0" lvl="0" indent="0" algn="l" defTabSz="914400" rtl="0" eaLnBrk="0" fontAlgn="base" latinLnBrk="0" hangingPunct="0">
               <a:lnSpc>
-                <a:spcPct val="150000"/>
+                <a:spcPct val="100000"/>
               </a:lnSpc>
+              <a:spcBef>
+                <a:spcPct val="0"/>
+              </a:spcBef>
+              <a:spcAft>
+                <a:spcPct val="0"/>
+              </a:spcAft>
+              <a:buClrTx/>
+              <a:buSzTx/>
+              <a:buFontTx/>
+              <a:buNone/>
+              <a:tabLst/>
             </a:pPr>
-            <a:r>
-              <a:rPr lang="es-ES" dirty="0"/>
-              <a:t>Compartirlo en el </a:t>
-            </a:r>
-            <a:r>
-              <a:rPr lang="es-ES" dirty="0" err="1"/>
-              <a:t>github</a:t>
-            </a:r>
-            <a:r>
-              <a:rPr lang="es-ES" dirty="0"/>
-              <a:t> de las </a:t>
-            </a:r>
-            <a:r>
-              <a:rPr lang="es-ES" dirty="0" err="1"/>
-              <a:t>APIs</a:t>
-            </a:r>
-            <a:endParaRPr lang="es-ES" dirty="0"/>
-          </a:p>
-          <a:p>
-            <a:pPr>
-              <a:lnSpc>
-                <a:spcPct val="150000"/>
-              </a:lnSpc>
-            </a:pPr>
-            <a:r>
-              <a:rPr lang="es-ES" dirty="0"/>
-              <a:t>Pulir control de excepciones/filtrar entradas datos</a:t>
-            </a:r>
-          </a:p>
-          <a:p>
-            <a:pPr>
-              <a:lnSpc>
-                <a:spcPct val="150000"/>
-              </a:lnSpc>
-            </a:pPr>
-            <a:r>
-              <a:rPr lang="es-ES" dirty="0"/>
-              <a:t>Mejorar </a:t>
-            </a:r>
-            <a:r>
-              <a:rPr lang="es-ES" dirty="0" err="1"/>
-              <a:t>logging</a:t>
-            </a:r>
-            <a:endParaRPr lang="es-ES" dirty="0"/>
+            <a:br>
+              <a:rPr kumimoji="0" lang="es-ES" altLang="es-ES" sz="1600" b="0" i="0" u="none" strike="noStrike" cap="none" normalizeH="0" baseline="0" dirty="0">
+                <a:ln>
+                  <a:noFill/>
+                </a:ln>
+                <a:solidFill>
+                  <a:srgbClr val="A9B7C6"/>
+                </a:solidFill>
+                <a:effectLst/>
+                <a:latin typeface="Courier New" panose="02070309020205020404" pitchFamily="49" charset="0"/>
+                <a:cs typeface="Courier New" panose="02070309020205020404" pitchFamily="49" charset="0"/>
+              </a:rPr>
+            </a:br>
+            <a:r>
+              <a:rPr kumimoji="0" lang="es-ES" altLang="es-ES" sz="1600" b="0" i="0" u="none" strike="noStrike" cap="none" normalizeH="0" baseline="0" dirty="0" err="1">
+                <a:ln>
+                  <a:noFill/>
+                </a:ln>
+                <a:solidFill>
+                  <a:srgbClr val="CC7832"/>
+                </a:solidFill>
+                <a:effectLst/>
+                <a:latin typeface="Courier New" panose="02070309020205020404" pitchFamily="49" charset="0"/>
+                <a:cs typeface="Courier New" panose="02070309020205020404" pitchFamily="49" charset="0"/>
+              </a:rPr>
+              <a:t>def</a:t>
+            </a:r>
+            <a:r>
+              <a:rPr kumimoji="0" lang="es-ES" altLang="es-ES" sz="1600" b="0" i="0" u="none" strike="noStrike" cap="none" normalizeH="0" baseline="0" dirty="0">
+                <a:ln>
+                  <a:noFill/>
+                </a:ln>
+                <a:solidFill>
+                  <a:srgbClr val="CC7832"/>
+                </a:solidFill>
+                <a:effectLst/>
+                <a:latin typeface="Courier New" panose="02070309020205020404" pitchFamily="49" charset="0"/>
+                <a:cs typeface="Courier New" panose="02070309020205020404" pitchFamily="49" charset="0"/>
+              </a:rPr>
+              <a:t> </a:t>
+            </a:r>
+            <a:r>
+              <a:rPr kumimoji="0" lang="es-ES" altLang="es-ES" sz="1600" b="0" i="0" u="none" strike="noStrike" cap="none" normalizeH="0" baseline="0" dirty="0" err="1">
+                <a:ln>
+                  <a:noFill/>
+                </a:ln>
+                <a:solidFill>
+                  <a:srgbClr val="FFC66D"/>
+                </a:solidFill>
+                <a:effectLst/>
+                <a:latin typeface="Courier New" panose="02070309020205020404" pitchFamily="49" charset="0"/>
+                <a:cs typeface="Courier New" panose="02070309020205020404" pitchFamily="49" charset="0"/>
+              </a:rPr>
+              <a:t>process_add_channel_id</a:t>
+            </a:r>
+            <a:r>
+              <a:rPr kumimoji="0" lang="es-ES" altLang="es-ES" sz="1600" b="0" i="0" u="none" strike="noStrike" cap="none" normalizeH="0" baseline="0" dirty="0">
+                <a:ln>
+                  <a:noFill/>
+                </a:ln>
+                <a:solidFill>
+                  <a:srgbClr val="A9B7C6"/>
+                </a:solidFill>
+                <a:effectLst/>
+                <a:latin typeface="Courier New" panose="02070309020205020404" pitchFamily="49" charset="0"/>
+                <a:cs typeface="Courier New" panose="02070309020205020404" pitchFamily="49" charset="0"/>
+              </a:rPr>
+              <a:t>(</a:t>
+            </a:r>
+            <a:r>
+              <a:rPr kumimoji="0" lang="es-ES" altLang="es-ES" sz="1600" b="0" i="0" u="none" strike="noStrike" cap="none" normalizeH="0" baseline="0" dirty="0" err="1">
+                <a:ln>
+                  <a:noFill/>
+                </a:ln>
+                <a:solidFill>
+                  <a:srgbClr val="A9B7C6"/>
+                </a:solidFill>
+                <a:effectLst/>
+                <a:latin typeface="Courier New" panose="02070309020205020404" pitchFamily="49" charset="0"/>
+                <a:cs typeface="Courier New" panose="02070309020205020404" pitchFamily="49" charset="0"/>
+              </a:rPr>
+              <a:t>msg</a:t>
+            </a:r>
+            <a:r>
+              <a:rPr kumimoji="0" lang="es-ES" altLang="es-ES" sz="1600" b="0" i="0" u="none" strike="noStrike" cap="none" normalizeH="0" baseline="0" dirty="0">
+                <a:ln>
+                  <a:noFill/>
+                </a:ln>
+                <a:solidFill>
+                  <a:srgbClr val="A9B7C6"/>
+                </a:solidFill>
+                <a:effectLst/>
+                <a:latin typeface="Courier New" panose="02070309020205020404" pitchFamily="49" charset="0"/>
+                <a:cs typeface="Courier New" panose="02070309020205020404" pitchFamily="49" charset="0"/>
+              </a:rPr>
+              <a:t>):</a:t>
+            </a:r>
+            <a:br>
+              <a:rPr kumimoji="0" lang="es-ES" altLang="es-ES" sz="1600" b="0" i="0" u="none" strike="noStrike" cap="none" normalizeH="0" baseline="0" dirty="0">
+                <a:ln>
+                  <a:noFill/>
+                </a:ln>
+                <a:solidFill>
+                  <a:srgbClr val="A9B7C6"/>
+                </a:solidFill>
+                <a:effectLst/>
+                <a:latin typeface="Courier New" panose="02070309020205020404" pitchFamily="49" charset="0"/>
+                <a:cs typeface="Courier New" panose="02070309020205020404" pitchFamily="49" charset="0"/>
+              </a:rPr>
+            </a:br>
+            <a:r>
+              <a:rPr kumimoji="0" lang="es-ES" altLang="es-ES" sz="1600" b="0" i="0" u="none" strike="noStrike" cap="none" normalizeH="0" baseline="0" dirty="0">
+                <a:ln>
+                  <a:noFill/>
+                </a:ln>
+                <a:solidFill>
+                  <a:srgbClr val="A9B7C6"/>
+                </a:solidFill>
+                <a:effectLst/>
+                <a:latin typeface="Courier New" panose="02070309020205020404" pitchFamily="49" charset="0"/>
+                <a:cs typeface="Courier New" panose="02070309020205020404" pitchFamily="49" charset="0"/>
+              </a:rPr>
+              <a:t>   </a:t>
+            </a:r>
+            <a:r>
+              <a:rPr kumimoji="0" lang="es-ES" altLang="es-ES" sz="1600" b="0" i="0" u="none" strike="noStrike" cap="none" normalizeH="0" baseline="0" dirty="0" err="1">
+                <a:ln>
+                  <a:noFill/>
+                </a:ln>
+                <a:solidFill>
+                  <a:srgbClr val="A9B7C6"/>
+                </a:solidFill>
+                <a:effectLst/>
+                <a:latin typeface="Courier New" panose="02070309020205020404" pitchFamily="49" charset="0"/>
+                <a:cs typeface="Courier New" panose="02070309020205020404" pitchFamily="49" charset="0"/>
+              </a:rPr>
+              <a:t>id_channel</a:t>
+            </a:r>
+            <a:r>
+              <a:rPr kumimoji="0" lang="es-ES" altLang="es-ES" sz="1600" b="0" i="0" u="none" strike="noStrike" cap="none" normalizeH="0" baseline="0" dirty="0">
+                <a:ln>
+                  <a:noFill/>
+                </a:ln>
+                <a:solidFill>
+                  <a:srgbClr val="A9B7C6"/>
+                </a:solidFill>
+                <a:effectLst/>
+                <a:latin typeface="Courier New" panose="02070309020205020404" pitchFamily="49" charset="0"/>
+                <a:cs typeface="Courier New" panose="02070309020205020404" pitchFamily="49" charset="0"/>
+              </a:rPr>
+              <a:t> = </a:t>
+            </a:r>
+            <a:r>
+              <a:rPr kumimoji="0" lang="es-ES" altLang="es-ES" sz="1600" b="0" i="0" u="none" strike="noStrike" cap="none" normalizeH="0" baseline="0" dirty="0" err="1">
+                <a:ln>
+                  <a:noFill/>
+                </a:ln>
+                <a:solidFill>
+                  <a:srgbClr val="A9B7C6"/>
+                </a:solidFill>
+                <a:effectLst/>
+                <a:latin typeface="Courier New" panose="02070309020205020404" pitchFamily="49" charset="0"/>
+                <a:cs typeface="Courier New" panose="02070309020205020404" pitchFamily="49" charset="0"/>
+              </a:rPr>
+              <a:t>msg.text</a:t>
+            </a:r>
+            <a:br>
+              <a:rPr kumimoji="0" lang="es-ES" altLang="es-ES" sz="1600" b="0" i="0" u="none" strike="noStrike" cap="none" normalizeH="0" baseline="0" dirty="0">
+                <a:ln>
+                  <a:noFill/>
+                </a:ln>
+                <a:solidFill>
+                  <a:srgbClr val="A9B7C6"/>
+                </a:solidFill>
+                <a:effectLst/>
+                <a:latin typeface="Courier New" panose="02070309020205020404" pitchFamily="49" charset="0"/>
+                <a:cs typeface="Courier New" panose="02070309020205020404" pitchFamily="49" charset="0"/>
+              </a:rPr>
+            </a:br>
+            <a:r>
+              <a:rPr kumimoji="0" lang="es-ES" altLang="es-ES" sz="1600" b="0" i="0" u="none" strike="noStrike" cap="none" normalizeH="0" baseline="0" dirty="0">
+                <a:ln>
+                  <a:noFill/>
+                </a:ln>
+                <a:solidFill>
+                  <a:srgbClr val="A9B7C6"/>
+                </a:solidFill>
+                <a:effectLst/>
+                <a:latin typeface="Courier New" panose="02070309020205020404" pitchFamily="49" charset="0"/>
+                <a:cs typeface="Courier New" panose="02070309020205020404" pitchFamily="49" charset="0"/>
+              </a:rPr>
+              <a:t>   </a:t>
+            </a:r>
+            <a:r>
+              <a:rPr kumimoji="0" lang="es-ES" altLang="es-ES" sz="1600" b="0" i="0" u="none" strike="noStrike" cap="none" normalizeH="0" baseline="0" dirty="0">
+                <a:ln>
+                  <a:noFill/>
+                </a:ln>
+                <a:solidFill>
+                  <a:srgbClr val="CC7832"/>
+                </a:solidFill>
+                <a:effectLst/>
+                <a:latin typeface="Courier New" panose="02070309020205020404" pitchFamily="49" charset="0"/>
+                <a:cs typeface="Courier New" panose="02070309020205020404" pitchFamily="49" charset="0"/>
+              </a:rPr>
+              <a:t>try</a:t>
+            </a:r>
+            <a:r>
+              <a:rPr kumimoji="0" lang="es-ES" altLang="es-ES" sz="1600" b="0" i="0" u="none" strike="noStrike" cap="none" normalizeH="0" baseline="0" dirty="0">
+                <a:ln>
+                  <a:noFill/>
+                </a:ln>
+                <a:solidFill>
+                  <a:srgbClr val="A9B7C6"/>
+                </a:solidFill>
+                <a:effectLst/>
+                <a:latin typeface="Courier New" panose="02070309020205020404" pitchFamily="49" charset="0"/>
+                <a:cs typeface="Courier New" panose="02070309020205020404" pitchFamily="49" charset="0"/>
+              </a:rPr>
+              <a:t>:</a:t>
+            </a:r>
+            <a:br>
+              <a:rPr kumimoji="0" lang="es-ES" altLang="es-ES" sz="1600" b="0" i="0" u="none" strike="noStrike" cap="none" normalizeH="0" baseline="0" dirty="0">
+                <a:ln>
+                  <a:noFill/>
+                </a:ln>
+                <a:solidFill>
+                  <a:srgbClr val="A9B7C6"/>
+                </a:solidFill>
+                <a:effectLst/>
+                <a:latin typeface="Courier New" panose="02070309020205020404" pitchFamily="49" charset="0"/>
+                <a:cs typeface="Courier New" panose="02070309020205020404" pitchFamily="49" charset="0"/>
+              </a:rPr>
+            </a:br>
+            <a:r>
+              <a:rPr kumimoji="0" lang="es-ES" altLang="es-ES" sz="1600" b="0" i="0" u="none" strike="noStrike" cap="none" normalizeH="0" baseline="0" dirty="0">
+                <a:ln>
+                  <a:noFill/>
+                </a:ln>
+                <a:solidFill>
+                  <a:srgbClr val="A9B7C6"/>
+                </a:solidFill>
+                <a:effectLst/>
+                <a:latin typeface="Courier New" panose="02070309020205020404" pitchFamily="49" charset="0"/>
+                <a:cs typeface="Courier New" panose="02070309020205020404" pitchFamily="49" charset="0"/>
+              </a:rPr>
+              <a:t>      </a:t>
+            </a:r>
+            <a:r>
+              <a:rPr kumimoji="0" lang="es-ES" altLang="es-ES" sz="1600" b="0" i="0" u="none" strike="noStrike" cap="none" normalizeH="0" baseline="0" dirty="0" err="1">
+                <a:ln>
+                  <a:noFill/>
+                </a:ln>
+                <a:solidFill>
+                  <a:srgbClr val="A9B7C6"/>
+                </a:solidFill>
+                <a:effectLst/>
+                <a:latin typeface="Courier New" panose="02070309020205020404" pitchFamily="49" charset="0"/>
+                <a:cs typeface="Courier New" panose="02070309020205020404" pitchFamily="49" charset="0"/>
+              </a:rPr>
+              <a:t>request</a:t>
+            </a:r>
+            <a:r>
+              <a:rPr kumimoji="0" lang="es-ES" altLang="es-ES" sz="1600" b="0" i="0" u="none" strike="noStrike" cap="none" normalizeH="0" baseline="0" dirty="0">
+                <a:ln>
+                  <a:noFill/>
+                </a:ln>
+                <a:solidFill>
+                  <a:srgbClr val="A9B7C6"/>
+                </a:solidFill>
+                <a:effectLst/>
+                <a:latin typeface="Courier New" panose="02070309020205020404" pitchFamily="49" charset="0"/>
+                <a:cs typeface="Courier New" panose="02070309020205020404" pitchFamily="49" charset="0"/>
+              </a:rPr>
+              <a:t> = </a:t>
+            </a:r>
+            <a:r>
+              <a:rPr kumimoji="0" lang="es-ES" altLang="es-ES" sz="1600" b="0" i="0" u="none" strike="noStrike" cap="none" normalizeH="0" baseline="0" dirty="0" err="1">
+                <a:ln>
+                  <a:noFill/>
+                </a:ln>
+                <a:solidFill>
+                  <a:srgbClr val="A9B7C6"/>
+                </a:solidFill>
+                <a:effectLst/>
+                <a:latin typeface="Courier New" panose="02070309020205020404" pitchFamily="49" charset="0"/>
+                <a:cs typeface="Courier New" panose="02070309020205020404" pitchFamily="49" charset="0"/>
+              </a:rPr>
+              <a:t>Packet</a:t>
+            </a:r>
+            <a:r>
+              <a:rPr kumimoji="0" lang="es-ES" altLang="es-ES" sz="1600" b="0" i="0" u="none" strike="noStrike" cap="none" normalizeH="0" baseline="0" dirty="0">
+                <a:ln>
+                  <a:noFill/>
+                </a:ln>
+                <a:solidFill>
+                  <a:srgbClr val="A9B7C6"/>
+                </a:solidFill>
+                <a:effectLst/>
+                <a:latin typeface="Courier New" panose="02070309020205020404" pitchFamily="49" charset="0"/>
+                <a:cs typeface="Courier New" panose="02070309020205020404" pitchFamily="49" charset="0"/>
+              </a:rPr>
+              <a:t>(</a:t>
+            </a:r>
+            <a:r>
+              <a:rPr kumimoji="0" lang="es-ES" altLang="es-ES" sz="1600" b="0" i="0" u="none" strike="noStrike" cap="none" normalizeH="0" baseline="0" dirty="0" err="1">
+                <a:ln>
+                  <a:noFill/>
+                </a:ln>
+                <a:solidFill>
+                  <a:srgbClr val="A9B7C6"/>
+                </a:solidFill>
+                <a:effectLst/>
+                <a:latin typeface="Courier New" panose="02070309020205020404" pitchFamily="49" charset="0"/>
+                <a:cs typeface="Courier New" panose="02070309020205020404" pitchFamily="49" charset="0"/>
+              </a:rPr>
+              <a:t>cons.ADD_CHANNEL</a:t>
+            </a:r>
+            <a:r>
+              <a:rPr kumimoji="0" lang="es-ES" altLang="es-ES" sz="1600" b="0" i="0" u="none" strike="noStrike" cap="none" normalizeH="0" baseline="0" dirty="0">
+                <a:ln>
+                  <a:noFill/>
+                </a:ln>
+                <a:solidFill>
+                  <a:srgbClr val="CC7832"/>
+                </a:solidFill>
+                <a:effectLst/>
+                <a:latin typeface="Courier New" panose="02070309020205020404" pitchFamily="49" charset="0"/>
+                <a:cs typeface="Courier New" panose="02070309020205020404" pitchFamily="49" charset="0"/>
+              </a:rPr>
+              <a:t>, </a:t>
+            </a:r>
+            <a:r>
+              <a:rPr kumimoji="0" lang="es-ES" altLang="es-ES" sz="1600" b="0" i="0" u="none" strike="noStrike" cap="none" normalizeH="0" baseline="0" dirty="0" err="1">
+                <a:ln>
+                  <a:noFill/>
+                </a:ln>
+                <a:solidFill>
+                  <a:srgbClr val="A9B7C6"/>
+                </a:solidFill>
+                <a:effectLst/>
+                <a:latin typeface="Courier New" panose="02070309020205020404" pitchFamily="49" charset="0"/>
+                <a:cs typeface="Courier New" panose="02070309020205020404" pitchFamily="49" charset="0"/>
+              </a:rPr>
+              <a:t>id_channel</a:t>
+            </a:r>
+            <a:r>
+              <a:rPr kumimoji="0" lang="es-ES" altLang="es-ES" sz="1600" b="0" i="0" u="none" strike="noStrike" cap="none" normalizeH="0" baseline="0" dirty="0">
+                <a:ln>
+                  <a:noFill/>
+                </a:ln>
+                <a:solidFill>
+                  <a:srgbClr val="A9B7C6"/>
+                </a:solidFill>
+                <a:effectLst/>
+                <a:latin typeface="Courier New" panose="02070309020205020404" pitchFamily="49" charset="0"/>
+                <a:cs typeface="Courier New" panose="02070309020205020404" pitchFamily="49" charset="0"/>
+              </a:rPr>
+              <a:t>)</a:t>
+            </a:r>
+            <a:br>
+              <a:rPr kumimoji="0" lang="es-ES" altLang="es-ES" sz="1600" b="0" i="0" u="none" strike="noStrike" cap="none" normalizeH="0" baseline="0" dirty="0">
+                <a:ln>
+                  <a:noFill/>
+                </a:ln>
+                <a:solidFill>
+                  <a:srgbClr val="A9B7C6"/>
+                </a:solidFill>
+                <a:effectLst/>
+                <a:latin typeface="Courier New" panose="02070309020205020404" pitchFamily="49" charset="0"/>
+                <a:cs typeface="Courier New" panose="02070309020205020404" pitchFamily="49" charset="0"/>
+              </a:rPr>
+            </a:br>
+            <a:r>
+              <a:rPr kumimoji="0" lang="es-ES" altLang="es-ES" sz="1600" b="0" i="0" u="none" strike="noStrike" cap="none" normalizeH="0" baseline="0" dirty="0">
+                <a:ln>
+                  <a:noFill/>
+                </a:ln>
+                <a:solidFill>
+                  <a:srgbClr val="A9B7C6"/>
+                </a:solidFill>
+                <a:effectLst/>
+                <a:latin typeface="Courier New" panose="02070309020205020404" pitchFamily="49" charset="0"/>
+                <a:cs typeface="Courier New" panose="02070309020205020404" pitchFamily="49" charset="0"/>
+              </a:rPr>
+              <a:t>      </a:t>
+            </a:r>
+            <a:r>
+              <a:rPr kumimoji="0" lang="es-ES" altLang="es-ES" sz="1600" b="0" i="0" u="none" strike="noStrike" cap="none" normalizeH="0" baseline="0" dirty="0" err="1">
+                <a:ln>
+                  <a:noFill/>
+                </a:ln>
+                <a:solidFill>
+                  <a:srgbClr val="A9B7C6"/>
+                </a:solidFill>
+                <a:effectLst/>
+                <a:latin typeface="Courier New" panose="02070309020205020404" pitchFamily="49" charset="0"/>
+                <a:cs typeface="Courier New" panose="02070309020205020404" pitchFamily="49" charset="0"/>
+              </a:rPr>
+              <a:t>self.queue_to_cli.put</a:t>
+            </a:r>
+            <a:r>
+              <a:rPr kumimoji="0" lang="es-ES" altLang="es-ES" sz="1600" b="0" i="0" u="none" strike="noStrike" cap="none" normalizeH="0" baseline="0" dirty="0">
+                <a:ln>
+                  <a:noFill/>
+                </a:ln>
+                <a:solidFill>
+                  <a:srgbClr val="A9B7C6"/>
+                </a:solidFill>
+                <a:effectLst/>
+                <a:latin typeface="Courier New" panose="02070309020205020404" pitchFamily="49" charset="0"/>
+                <a:cs typeface="Courier New" panose="02070309020205020404" pitchFamily="49" charset="0"/>
+              </a:rPr>
+              <a:t>(</a:t>
+            </a:r>
+            <a:r>
+              <a:rPr kumimoji="0" lang="es-ES" altLang="es-ES" sz="1600" b="0" i="0" u="none" strike="noStrike" cap="none" normalizeH="0" baseline="0" dirty="0" err="1">
+                <a:ln>
+                  <a:noFill/>
+                </a:ln>
+                <a:solidFill>
+                  <a:srgbClr val="A9B7C6"/>
+                </a:solidFill>
+                <a:effectLst/>
+                <a:latin typeface="Courier New" panose="02070309020205020404" pitchFamily="49" charset="0"/>
+                <a:cs typeface="Courier New" panose="02070309020205020404" pitchFamily="49" charset="0"/>
+              </a:rPr>
+              <a:t>request</a:t>
+            </a:r>
+            <a:r>
+              <a:rPr kumimoji="0" lang="es-ES" altLang="es-ES" sz="1600" b="0" i="0" u="none" strike="noStrike" cap="none" normalizeH="0" baseline="0" dirty="0">
+                <a:ln>
+                  <a:noFill/>
+                </a:ln>
+                <a:solidFill>
+                  <a:srgbClr val="A9B7C6"/>
+                </a:solidFill>
+                <a:effectLst/>
+                <a:latin typeface="Courier New" panose="02070309020205020404" pitchFamily="49" charset="0"/>
+                <a:cs typeface="Courier New" panose="02070309020205020404" pitchFamily="49" charset="0"/>
+              </a:rPr>
+              <a:t>)</a:t>
+            </a:r>
+            <a:br>
+              <a:rPr kumimoji="0" lang="es-ES" altLang="es-ES" sz="1600" b="0" i="0" u="none" strike="noStrike" cap="none" normalizeH="0" baseline="0" dirty="0">
+                <a:ln>
+                  <a:noFill/>
+                </a:ln>
+                <a:solidFill>
+                  <a:srgbClr val="A9B7C6"/>
+                </a:solidFill>
+                <a:effectLst/>
+                <a:latin typeface="Courier New" panose="02070309020205020404" pitchFamily="49" charset="0"/>
+                <a:cs typeface="Courier New" panose="02070309020205020404" pitchFamily="49" charset="0"/>
+              </a:rPr>
+            </a:br>
+            <a:br>
+              <a:rPr kumimoji="0" lang="es-ES" altLang="es-ES" sz="1600" b="0" i="0" u="none" strike="noStrike" cap="none" normalizeH="0" baseline="0" dirty="0">
+                <a:ln>
+                  <a:noFill/>
+                </a:ln>
+                <a:solidFill>
+                  <a:srgbClr val="A9B7C6"/>
+                </a:solidFill>
+                <a:effectLst/>
+                <a:latin typeface="Courier New" panose="02070309020205020404" pitchFamily="49" charset="0"/>
+                <a:cs typeface="Courier New" panose="02070309020205020404" pitchFamily="49" charset="0"/>
+              </a:rPr>
+            </a:br>
+            <a:r>
+              <a:rPr kumimoji="0" lang="es-ES" altLang="es-ES" sz="1600" b="0" i="0" u="none" strike="noStrike" cap="none" normalizeH="0" baseline="0" dirty="0">
+                <a:ln>
+                  <a:noFill/>
+                </a:ln>
+                <a:solidFill>
+                  <a:srgbClr val="A9B7C6"/>
+                </a:solidFill>
+                <a:effectLst/>
+                <a:latin typeface="Courier New" panose="02070309020205020404" pitchFamily="49" charset="0"/>
+                <a:cs typeface="Courier New" panose="02070309020205020404" pitchFamily="49" charset="0"/>
+              </a:rPr>
+              <a:t>   </a:t>
+            </a:r>
+            <a:r>
+              <a:rPr kumimoji="0" lang="es-ES" altLang="es-ES" sz="1600" b="0" i="0" u="none" strike="noStrike" cap="none" normalizeH="0" baseline="0" dirty="0" err="1">
+                <a:ln>
+                  <a:noFill/>
+                </a:ln>
+                <a:solidFill>
+                  <a:srgbClr val="CC7832"/>
+                </a:solidFill>
+                <a:effectLst/>
+                <a:latin typeface="Courier New" panose="02070309020205020404" pitchFamily="49" charset="0"/>
+                <a:cs typeface="Courier New" panose="02070309020205020404" pitchFamily="49" charset="0"/>
+              </a:rPr>
+              <a:t>except</a:t>
+            </a:r>
+            <a:r>
+              <a:rPr kumimoji="0" lang="es-ES" altLang="es-ES" sz="1600" b="0" i="0" u="none" strike="noStrike" cap="none" normalizeH="0" baseline="0" dirty="0">
+                <a:ln>
+                  <a:noFill/>
+                </a:ln>
+                <a:solidFill>
+                  <a:srgbClr val="CC7832"/>
+                </a:solidFill>
+                <a:effectLst/>
+                <a:latin typeface="Courier New" panose="02070309020205020404" pitchFamily="49" charset="0"/>
+                <a:cs typeface="Courier New" panose="02070309020205020404" pitchFamily="49" charset="0"/>
+              </a:rPr>
+              <a:t> </a:t>
+            </a:r>
+            <a:r>
+              <a:rPr kumimoji="0" lang="es-ES" altLang="es-ES" sz="1600" b="0" i="0" u="none" strike="noStrike" cap="none" normalizeH="0" baseline="0" dirty="0" err="1">
+                <a:ln>
+                  <a:noFill/>
+                </a:ln>
+                <a:solidFill>
+                  <a:srgbClr val="8888C6"/>
+                </a:solidFill>
+                <a:effectLst/>
+                <a:latin typeface="Courier New" panose="02070309020205020404" pitchFamily="49" charset="0"/>
+                <a:cs typeface="Courier New" panose="02070309020205020404" pitchFamily="49" charset="0"/>
+              </a:rPr>
+              <a:t>Exception</a:t>
+            </a:r>
+            <a:r>
+              <a:rPr kumimoji="0" lang="es-ES" altLang="es-ES" sz="1600" b="0" i="0" u="none" strike="noStrike" cap="none" normalizeH="0" baseline="0" dirty="0">
+                <a:ln>
+                  <a:noFill/>
+                </a:ln>
+                <a:solidFill>
+                  <a:srgbClr val="8888C6"/>
+                </a:solidFill>
+                <a:effectLst/>
+                <a:latin typeface="Courier New" panose="02070309020205020404" pitchFamily="49" charset="0"/>
+                <a:cs typeface="Courier New" panose="02070309020205020404" pitchFamily="49" charset="0"/>
+              </a:rPr>
+              <a:t> </a:t>
+            </a:r>
+            <a:r>
+              <a:rPr kumimoji="0" lang="es-ES" altLang="es-ES" sz="1600" b="0" i="0" u="none" strike="noStrike" cap="none" normalizeH="0" baseline="0" dirty="0">
+                <a:ln>
+                  <a:noFill/>
+                </a:ln>
+                <a:solidFill>
+                  <a:srgbClr val="CC7832"/>
+                </a:solidFill>
+                <a:effectLst/>
+                <a:latin typeface="Courier New" panose="02070309020205020404" pitchFamily="49" charset="0"/>
+                <a:cs typeface="Courier New" panose="02070309020205020404" pitchFamily="49" charset="0"/>
+              </a:rPr>
+              <a:t>as </a:t>
+            </a:r>
+            <a:r>
+              <a:rPr kumimoji="0" lang="es-ES" altLang="es-ES" sz="1600" b="0" i="0" u="none" strike="noStrike" cap="none" normalizeH="0" baseline="0" dirty="0">
+                <a:ln>
+                  <a:noFill/>
+                </a:ln>
+                <a:solidFill>
+                  <a:srgbClr val="A9B7C6"/>
+                </a:solidFill>
+                <a:effectLst/>
+                <a:latin typeface="Courier New" panose="02070309020205020404" pitchFamily="49" charset="0"/>
+                <a:cs typeface="Courier New" panose="02070309020205020404" pitchFamily="49" charset="0"/>
+              </a:rPr>
+              <a:t>e:</a:t>
+            </a:r>
+            <a:br>
+              <a:rPr kumimoji="0" lang="es-ES" altLang="es-ES" sz="1600" b="0" i="0" u="none" strike="noStrike" cap="none" normalizeH="0" baseline="0" dirty="0">
+                <a:ln>
+                  <a:noFill/>
+                </a:ln>
+                <a:solidFill>
+                  <a:srgbClr val="A9B7C6"/>
+                </a:solidFill>
+                <a:effectLst/>
+                <a:latin typeface="Courier New" panose="02070309020205020404" pitchFamily="49" charset="0"/>
+                <a:cs typeface="Courier New" panose="02070309020205020404" pitchFamily="49" charset="0"/>
+              </a:rPr>
+            </a:br>
+            <a:r>
+              <a:rPr kumimoji="0" lang="es-ES" altLang="es-ES" sz="1600" b="0" i="0" u="none" strike="noStrike" cap="none" normalizeH="0" baseline="0" dirty="0">
+                <a:ln>
+                  <a:noFill/>
+                </a:ln>
+                <a:solidFill>
+                  <a:srgbClr val="A9B7C6"/>
+                </a:solidFill>
+                <a:effectLst/>
+                <a:latin typeface="Courier New" panose="02070309020205020404" pitchFamily="49" charset="0"/>
+                <a:cs typeface="Courier New" panose="02070309020205020404" pitchFamily="49" charset="0"/>
+              </a:rPr>
+              <a:t>      </a:t>
+            </a:r>
+            <a:r>
+              <a:rPr kumimoji="0" lang="es-ES" altLang="es-ES" sz="1600" b="0" i="0" u="none" strike="noStrike" cap="none" normalizeH="0" baseline="0" dirty="0" err="1">
+                <a:ln>
+                  <a:noFill/>
+                </a:ln>
+                <a:solidFill>
+                  <a:srgbClr val="8888C6"/>
+                </a:solidFill>
+                <a:effectLst/>
+                <a:latin typeface="Courier New" panose="02070309020205020404" pitchFamily="49" charset="0"/>
+                <a:cs typeface="Courier New" panose="02070309020205020404" pitchFamily="49" charset="0"/>
+              </a:rPr>
+              <a:t>print</a:t>
+            </a:r>
+            <a:r>
+              <a:rPr kumimoji="0" lang="es-ES" altLang="es-ES" sz="1600" b="0" i="0" u="none" strike="noStrike" cap="none" normalizeH="0" baseline="0" dirty="0">
+                <a:ln>
+                  <a:noFill/>
+                </a:ln>
+                <a:solidFill>
+                  <a:srgbClr val="A9B7C6"/>
+                </a:solidFill>
+                <a:effectLst/>
+                <a:latin typeface="Courier New" panose="02070309020205020404" pitchFamily="49" charset="0"/>
+                <a:cs typeface="Courier New" panose="02070309020205020404" pitchFamily="49" charset="0"/>
+              </a:rPr>
+              <a:t>(</a:t>
+            </a:r>
+            <a:r>
+              <a:rPr kumimoji="0" lang="es-ES" altLang="es-ES" sz="1600" b="0" i="0" u="none" strike="noStrike" cap="none" normalizeH="0" baseline="0" dirty="0" err="1">
+                <a:ln>
+                  <a:noFill/>
+                </a:ln>
+                <a:solidFill>
+                  <a:srgbClr val="A9B7C6"/>
+                </a:solidFill>
+                <a:effectLst/>
+                <a:latin typeface="Courier New" panose="02070309020205020404" pitchFamily="49" charset="0"/>
+                <a:cs typeface="Courier New" panose="02070309020205020404" pitchFamily="49" charset="0"/>
+              </a:rPr>
+              <a:t>traceback.format_exc</a:t>
+            </a:r>
+            <a:r>
+              <a:rPr kumimoji="0" lang="es-ES" altLang="es-ES" sz="1600" b="0" i="0" u="none" strike="noStrike" cap="none" normalizeH="0" baseline="0" dirty="0">
+                <a:ln>
+                  <a:noFill/>
+                </a:ln>
+                <a:solidFill>
+                  <a:srgbClr val="A9B7C6"/>
+                </a:solidFill>
+                <a:effectLst/>
+                <a:latin typeface="Courier New" panose="02070309020205020404" pitchFamily="49" charset="0"/>
+                <a:cs typeface="Courier New" panose="02070309020205020404" pitchFamily="49" charset="0"/>
+              </a:rPr>
+              <a:t>())</a:t>
+            </a:r>
+            <a:endParaRPr kumimoji="0" lang="es-ES" altLang="es-ES" sz="3600" b="0" i="0" u="none" strike="noStrike" cap="none" normalizeH="0" baseline="0" dirty="0">
+              <a:ln>
+                <a:noFill/>
+              </a:ln>
+              <a:solidFill>
+                <a:schemeClr val="tx1"/>
+              </a:solidFill>
+              <a:effectLst/>
+              <a:latin typeface="Arial" panose="020B0604020202020204" pitchFamily="34" charset="0"/>
+            </a:endParaRPr>
           </a:p>
         </p:txBody>
       </p:sp>
     </p:spTree>
     <p:extLst>
       <p:ext uri="{BB962C8B-B14F-4D97-AF65-F5344CB8AC3E}">
-        <p14:creationId xmlns:p14="http://schemas.microsoft.com/office/powerpoint/2010/main" val="1522249896"/>
+        <p14:creationId xmlns:p14="http://schemas.microsoft.com/office/powerpoint/2010/main" val="2891953511"/>
       </p:ext>
     </p:extLst>
   </p:cSld>
@@ -9947,10 +10480,10 @@
       </p:sp>
       <p:sp>
         <p:nvSpPr>
-          <p:cNvPr id="4" name="Rectangle 1">
+          <p:cNvPr id="6" name="Rectangle 1">
             <a:extLst>
               <a:ext uri="{FF2B5EF4-FFF2-40B4-BE49-F238E27FC236}">
-                <a16:creationId xmlns:a16="http://schemas.microsoft.com/office/drawing/2014/main" id="{F455D585-E747-40E2-801A-8AA203123195}"/>
+                <a16:creationId xmlns:a16="http://schemas.microsoft.com/office/drawing/2014/main" id="{8EB076A6-15C9-4E68-AC87-FDF958EB17F9}"/>
               </a:ext>
             </a:extLst>
           </p:cNvPr>
@@ -9963,8 +10496,8 @@
         </p:nvSpPr>
         <p:spPr bwMode="auto">
           <a:xfrm>
-            <a:off x="1400098" y="1955823"/>
-            <a:ext cx="9391804" cy="4278094"/>
+            <a:off x="942987" y="2634329"/>
+            <a:ext cx="10306026" cy="2554545"/>
           </a:xfrm>
           <a:prstGeom prst="rect">
             <a:avLst/>
@@ -9999,7 +10532,7 @@
           </a:extLst>
         </p:spPr>
         <p:txBody>
-          <a:bodyPr vert="horz" wrap="square" lIns="91440" tIns="45720" rIns="91440" bIns="45720" numCol="1" anchor="ctr" anchorCtr="0" compatLnSpc="1">
+          <a:bodyPr vert="horz" wrap="none" lIns="91440" tIns="45720" rIns="91440" bIns="45720" numCol="1" anchor="ctr" anchorCtr="0" compatLnSpc="1">
             <a:prstTxWarp prst="textNoShape">
               <a:avLst/>
             </a:prstTxWarp>
@@ -10119,7 +10652,7 @@
                 <a:latin typeface="Courier New" panose="02070309020205020404" pitchFamily="49" charset="0"/>
                 <a:cs typeface="Courier New" panose="02070309020205020404" pitchFamily="49" charset="0"/>
               </a:rPr>
-              <a:t>add_channel</a:t>
+              <a:t>delete_keyword</a:t>
             </a:r>
             <a:r>
               <a:rPr kumimoji="0" lang="es-ES" altLang="es-ES" sz="1600" b="0" i="0" u="none" strike="noStrike" cap="none" normalizeH="0" baseline="0" dirty="0">
@@ -10202,7 +10735,7 @@
                 <a:latin typeface="Courier New" panose="02070309020205020404" pitchFamily="49" charset="0"/>
                 <a:cs typeface="Courier New" panose="02070309020205020404" pitchFamily="49" charset="0"/>
               </a:rPr>
-              <a:t>add_channel</a:t>
+              <a:t>delete_keyword</a:t>
             </a:r>
             <a:r>
               <a:rPr kumimoji="0" lang="es-ES" altLang="es-ES" sz="1600" b="0" i="0" u="none" strike="noStrike" cap="none" normalizeH="0" baseline="0" dirty="0">
@@ -10245,6 +10778,102 @@
                 <a:cs typeface="Courier New" panose="02070309020205020404" pitchFamily="49" charset="0"/>
               </a:rPr>
               <a:t>):</a:t>
+            </a:r>
+            <a:br>
+              <a:rPr kumimoji="0" lang="es-ES" altLang="es-ES" sz="1600" b="0" i="0" u="none" strike="noStrike" cap="none" normalizeH="0" baseline="0" dirty="0">
+                <a:ln>
+                  <a:noFill/>
+                </a:ln>
+                <a:solidFill>
+                  <a:srgbClr val="CC7832"/>
+                </a:solidFill>
+                <a:effectLst/>
+                <a:latin typeface="Courier New" panose="02070309020205020404" pitchFamily="49" charset="0"/>
+                <a:cs typeface="Courier New" panose="02070309020205020404" pitchFamily="49" charset="0"/>
+              </a:rPr>
+            </a:br>
+            <a:br>
+              <a:rPr kumimoji="0" lang="es-ES" altLang="es-ES" sz="1600" b="0" i="0" u="none" strike="noStrike" cap="none" normalizeH="0" baseline="0" dirty="0">
+                <a:ln>
+                  <a:noFill/>
+                </a:ln>
+                <a:solidFill>
+                  <a:srgbClr val="CC7832"/>
+                </a:solidFill>
+                <a:effectLst/>
+                <a:latin typeface="Courier New" panose="02070309020205020404" pitchFamily="49" charset="0"/>
+                <a:cs typeface="Courier New" panose="02070309020205020404" pitchFamily="49" charset="0"/>
+              </a:rPr>
+            </a:br>
+            <a:r>
+              <a:rPr kumimoji="0" lang="es-ES" altLang="es-ES" sz="1600" b="0" i="0" u="none" strike="noStrike" cap="none" normalizeH="0" baseline="0" dirty="0">
+                <a:ln>
+                  <a:noFill/>
+                </a:ln>
+                <a:solidFill>
+                  <a:srgbClr val="CC7832"/>
+                </a:solidFill>
+                <a:effectLst/>
+                <a:latin typeface="Courier New" panose="02070309020205020404" pitchFamily="49" charset="0"/>
+                <a:cs typeface="Courier New" panose="02070309020205020404" pitchFamily="49" charset="0"/>
+              </a:rPr>
+              <a:t>   </a:t>
+            </a:r>
+            <a:r>
+              <a:rPr kumimoji="0" lang="es-ES" altLang="es-ES" sz="1600" b="0" i="0" u="none" strike="noStrike" cap="none" normalizeH="0" baseline="0" dirty="0" err="1">
+                <a:ln>
+                  <a:noFill/>
+                </a:ln>
+                <a:solidFill>
+                  <a:srgbClr val="A9B7C6"/>
+                </a:solidFill>
+                <a:effectLst/>
+                <a:latin typeface="Courier New" panose="02070309020205020404" pitchFamily="49" charset="0"/>
+                <a:cs typeface="Courier New" panose="02070309020205020404" pitchFamily="49" charset="0"/>
+              </a:rPr>
+              <a:t>markup</a:t>
+            </a:r>
+            <a:r>
+              <a:rPr kumimoji="0" lang="es-ES" altLang="es-ES" sz="1600" b="0" i="0" u="none" strike="noStrike" cap="none" normalizeH="0" baseline="0" dirty="0">
+                <a:ln>
+                  <a:noFill/>
+                </a:ln>
+                <a:solidFill>
+                  <a:srgbClr val="A9B7C6"/>
+                </a:solidFill>
+                <a:effectLst/>
+                <a:latin typeface="Courier New" panose="02070309020205020404" pitchFamily="49" charset="0"/>
+                <a:cs typeface="Courier New" panose="02070309020205020404" pitchFamily="49" charset="0"/>
+              </a:rPr>
+              <a:t> = </a:t>
+            </a:r>
+            <a:r>
+              <a:rPr kumimoji="0" lang="es-ES" altLang="es-ES" sz="1600" b="0" i="0" u="none" strike="noStrike" cap="none" normalizeH="0" baseline="0" dirty="0" err="1">
+                <a:ln>
+                  <a:noFill/>
+                </a:ln>
+                <a:solidFill>
+                  <a:srgbClr val="A9B7C6"/>
+                </a:solidFill>
+                <a:effectLst/>
+                <a:latin typeface="Courier New" panose="02070309020205020404" pitchFamily="49" charset="0"/>
+                <a:cs typeface="Courier New" panose="02070309020205020404" pitchFamily="49" charset="0"/>
+              </a:rPr>
+              <a:t>InlineKeyboardMarkup</a:t>
+            </a:r>
+            <a:r>
+              <a:rPr kumimoji="0" lang="es-ES" altLang="es-ES" sz="1600" b="0" i="0" u="none" strike="noStrike" cap="none" normalizeH="0" baseline="0" dirty="0">
+                <a:ln>
+                  <a:noFill/>
+                </a:ln>
+                <a:solidFill>
+                  <a:srgbClr val="A9B7C6"/>
+                </a:solidFill>
+                <a:effectLst/>
+                <a:latin typeface="Courier New" panose="02070309020205020404" pitchFamily="49" charset="0"/>
+                <a:cs typeface="Courier New" panose="02070309020205020404" pitchFamily="49" charset="0"/>
+              </a:rPr>
+              <a:t>()</a:t>
             </a:r>
           </a:p>
           <a:p>
@@ -10270,12 +10899,137 @@
                   <a:noFill/>
                 </a:ln>
                 <a:solidFill>
+                  <a:srgbClr val="A9B7C6"/>
+                </a:solidFill>
+                <a:effectLst/>
+                <a:latin typeface="Courier New" panose="02070309020205020404" pitchFamily="49" charset="0"/>
+                <a:cs typeface="Courier New" panose="02070309020205020404" pitchFamily="49" charset="0"/>
+              </a:rPr>
+            </a:br>
+            <a:r>
+              <a:rPr kumimoji="0" lang="es-ES" altLang="es-ES" sz="1600" b="0" i="0" u="none" strike="noStrike" cap="none" normalizeH="0" baseline="0" dirty="0">
+                <a:ln>
+                  <a:noFill/>
+                </a:ln>
+                <a:solidFill>
+                  <a:srgbClr val="A9B7C6"/>
+                </a:solidFill>
+                <a:effectLst/>
+                <a:latin typeface="Courier New" panose="02070309020205020404" pitchFamily="49" charset="0"/>
+                <a:cs typeface="Courier New" panose="02070309020205020404" pitchFamily="49" charset="0"/>
+              </a:rPr>
+              <a:t>   </a:t>
+            </a:r>
+            <a:r>
+              <a:rPr kumimoji="0" lang="es-ES" altLang="es-ES" sz="1600" b="0" i="0" u="none" strike="noStrike" cap="none" normalizeH="0" baseline="0" dirty="0" err="1">
+                <a:ln>
+                  <a:noFill/>
+                </a:ln>
+                <a:solidFill>
                   <a:srgbClr val="CC7832"/>
                 </a:solidFill>
                 <a:effectLst/>
                 <a:latin typeface="Courier New" panose="02070309020205020404" pitchFamily="49" charset="0"/>
                 <a:cs typeface="Courier New" panose="02070309020205020404" pitchFamily="49" charset="0"/>
               </a:rPr>
+              <a:t>for</a:t>
+            </a:r>
+            <a:r>
+              <a:rPr kumimoji="0" lang="es-ES" altLang="es-ES" sz="1600" b="0" i="0" u="none" strike="noStrike" cap="none" normalizeH="0" baseline="0" dirty="0">
+                <a:ln>
+                  <a:noFill/>
+                </a:ln>
+                <a:solidFill>
+                  <a:srgbClr val="CC7832"/>
+                </a:solidFill>
+                <a:effectLst/>
+                <a:latin typeface="Courier New" panose="02070309020205020404" pitchFamily="49" charset="0"/>
+                <a:cs typeface="Courier New" panose="02070309020205020404" pitchFamily="49" charset="0"/>
+              </a:rPr>
+              <a:t> </a:t>
+            </a:r>
+            <a:r>
+              <a:rPr kumimoji="0" lang="es-ES" altLang="es-ES" sz="1600" b="0" i="0" u="none" strike="noStrike" cap="none" normalizeH="0" baseline="0" dirty="0" err="1">
+                <a:ln>
+                  <a:noFill/>
+                </a:ln>
+                <a:solidFill>
+                  <a:srgbClr val="A9B7C6"/>
+                </a:solidFill>
+                <a:effectLst/>
+                <a:latin typeface="Courier New" panose="02070309020205020404" pitchFamily="49" charset="0"/>
+                <a:cs typeface="Courier New" panose="02070309020205020404" pitchFamily="49" charset="0"/>
+              </a:rPr>
+              <a:t>key</a:t>
+            </a:r>
+            <a:r>
+              <a:rPr kumimoji="0" lang="es-ES" altLang="es-ES" sz="1600" b="0" i="0" u="none" strike="noStrike" cap="none" normalizeH="0" baseline="0" dirty="0">
+                <a:ln>
+                  <a:noFill/>
+                </a:ln>
+                <a:solidFill>
+                  <a:srgbClr val="A9B7C6"/>
+                </a:solidFill>
+                <a:effectLst/>
+                <a:latin typeface="Courier New" panose="02070309020205020404" pitchFamily="49" charset="0"/>
+                <a:cs typeface="Courier New" panose="02070309020205020404" pitchFamily="49" charset="0"/>
+              </a:rPr>
+              <a:t> </a:t>
+            </a:r>
+            <a:r>
+              <a:rPr kumimoji="0" lang="es-ES" altLang="es-ES" sz="1600" b="0" i="0" u="none" strike="noStrike" cap="none" normalizeH="0" baseline="0" dirty="0">
+                <a:ln>
+                  <a:noFill/>
+                </a:ln>
+                <a:solidFill>
+                  <a:srgbClr val="CC7832"/>
+                </a:solidFill>
+                <a:effectLst/>
+                <a:latin typeface="Courier New" panose="02070309020205020404" pitchFamily="49" charset="0"/>
+                <a:cs typeface="Courier New" panose="02070309020205020404" pitchFamily="49" charset="0"/>
+              </a:rPr>
+              <a:t>in </a:t>
+            </a:r>
+            <a:r>
+              <a:rPr kumimoji="0" lang="es-ES" altLang="es-ES" sz="1600" b="0" i="0" u="none" strike="noStrike" cap="none" normalizeH="0" baseline="0" dirty="0" err="1">
+                <a:ln>
+                  <a:noFill/>
+                </a:ln>
+                <a:solidFill>
+                  <a:srgbClr val="A9B7C6"/>
+                </a:solidFill>
+                <a:effectLst/>
+                <a:latin typeface="Courier New" panose="02070309020205020404" pitchFamily="49" charset="0"/>
+                <a:cs typeface="Courier New" panose="02070309020205020404" pitchFamily="49" charset="0"/>
+              </a:rPr>
+              <a:t>self.keywords</a:t>
+            </a:r>
+            <a:r>
+              <a:rPr kumimoji="0" lang="es-ES" altLang="es-ES" sz="1600" b="0" i="0" u="none" strike="noStrike" cap="none" normalizeH="0" baseline="0" dirty="0">
+                <a:ln>
+                  <a:noFill/>
+                </a:ln>
+                <a:solidFill>
+                  <a:srgbClr val="A9B7C6"/>
+                </a:solidFill>
+                <a:effectLst/>
+                <a:latin typeface="Courier New" panose="02070309020205020404" pitchFamily="49" charset="0"/>
+                <a:cs typeface="Courier New" panose="02070309020205020404" pitchFamily="49" charset="0"/>
+              </a:rPr>
+              <a:t>:</a:t>
+            </a:r>
+            <a:br>
+              <a:rPr kumimoji="0" lang="es-ES" altLang="es-ES" sz="1600" b="0" i="0" u="none" strike="noStrike" cap="none" normalizeH="0" baseline="0" dirty="0">
+                <a:ln>
+                  <a:noFill/>
+                </a:ln>
+                <a:solidFill>
+                  <a:srgbClr val="A9B7C6"/>
+                </a:solidFill>
+                <a:effectLst/>
+                <a:latin typeface="Courier New" panose="02070309020205020404" pitchFamily="49" charset="0"/>
+                <a:cs typeface="Courier New" panose="02070309020205020404" pitchFamily="49" charset="0"/>
+              </a:rPr>
             </a:br>
             <a:r>
               <a:rPr kumimoji="0" lang="es-ES" altLang="es-ES" sz="1600" b="0" i="0" u="none" strike="noStrike" cap="none" normalizeH="0" baseline="0" dirty="0">
@@ -10283,13 +11037,97 @@
                   <a:noFill/>
                 </a:ln>
                 <a:solidFill>
+                  <a:srgbClr val="A9B7C6"/>
+                </a:solidFill>
+                <a:effectLst/>
+                <a:latin typeface="Courier New" panose="02070309020205020404" pitchFamily="49" charset="0"/>
+                <a:cs typeface="Courier New" panose="02070309020205020404" pitchFamily="49" charset="0"/>
+              </a:rPr>
+              <a:t>      </a:t>
+            </a:r>
+            <a:r>
+              <a:rPr kumimoji="0" lang="es-ES" altLang="es-ES" sz="1600" b="0" i="0" u="none" strike="noStrike" cap="none" normalizeH="0" baseline="0" dirty="0" err="1">
+                <a:ln>
+                  <a:noFill/>
+                </a:ln>
+                <a:solidFill>
+                  <a:srgbClr val="A9B7C6"/>
+                </a:solidFill>
+                <a:effectLst/>
+                <a:latin typeface="Courier New" panose="02070309020205020404" pitchFamily="49" charset="0"/>
+                <a:cs typeface="Courier New" panose="02070309020205020404" pitchFamily="49" charset="0"/>
+              </a:rPr>
+              <a:t>markup.add</a:t>
+            </a:r>
+            <a:r>
+              <a:rPr kumimoji="0" lang="es-ES" altLang="es-ES" sz="1600" b="0" i="0" u="none" strike="noStrike" cap="none" normalizeH="0" baseline="0" dirty="0">
+                <a:ln>
+                  <a:noFill/>
+                </a:ln>
+                <a:solidFill>
+                  <a:srgbClr val="A9B7C6"/>
+                </a:solidFill>
+                <a:effectLst/>
+                <a:latin typeface="Courier New" panose="02070309020205020404" pitchFamily="49" charset="0"/>
+                <a:cs typeface="Courier New" panose="02070309020205020404" pitchFamily="49" charset="0"/>
+              </a:rPr>
+              <a:t>(</a:t>
+            </a:r>
+            <a:r>
+              <a:rPr kumimoji="0" lang="es-ES" altLang="es-ES" sz="1600" b="0" i="0" u="none" strike="noStrike" cap="none" normalizeH="0" baseline="0" dirty="0" err="1">
+                <a:ln>
+                  <a:noFill/>
+                </a:ln>
+                <a:solidFill>
+                  <a:srgbClr val="A9B7C6"/>
+                </a:solidFill>
+                <a:effectLst/>
+                <a:latin typeface="Courier New" panose="02070309020205020404" pitchFamily="49" charset="0"/>
+                <a:cs typeface="Courier New" panose="02070309020205020404" pitchFamily="49" charset="0"/>
+              </a:rPr>
+              <a:t>InlineKeyboardButton</a:t>
+            </a:r>
+            <a:r>
+              <a:rPr kumimoji="0" lang="es-ES" altLang="es-ES" sz="1600" b="0" i="0" u="none" strike="noStrike" cap="none" normalizeH="0" baseline="0" dirty="0">
+                <a:ln>
+                  <a:noFill/>
+                </a:ln>
+                <a:solidFill>
+                  <a:srgbClr val="A9B7C6"/>
+                </a:solidFill>
+                <a:effectLst/>
+                <a:latin typeface="Courier New" panose="02070309020205020404" pitchFamily="49" charset="0"/>
+                <a:cs typeface="Courier New" panose="02070309020205020404" pitchFamily="49" charset="0"/>
+              </a:rPr>
+              <a:t>(</a:t>
+            </a:r>
+            <a:r>
+              <a:rPr kumimoji="0" lang="es-ES" altLang="es-ES" sz="1600" b="0" i="0" u="none" strike="noStrike" cap="none" normalizeH="0" baseline="0" dirty="0" err="1">
+                <a:ln>
+                  <a:noFill/>
+                </a:ln>
+                <a:solidFill>
+                  <a:srgbClr val="A9B7C6"/>
+                </a:solidFill>
+                <a:effectLst/>
+                <a:latin typeface="Courier New" panose="02070309020205020404" pitchFamily="49" charset="0"/>
+                <a:cs typeface="Courier New" panose="02070309020205020404" pitchFamily="49" charset="0"/>
+              </a:rPr>
+              <a:t>key</a:t>
+            </a:r>
+            <a:r>
+              <a:rPr kumimoji="0" lang="es-ES" altLang="es-ES" sz="1600" b="0" i="0" u="none" strike="noStrike" cap="none" normalizeH="0" baseline="0" dirty="0">
+                <a:ln>
+                  <a:noFill/>
+                </a:ln>
+                <a:solidFill>
                   <a:srgbClr val="CC7832"/>
                 </a:solidFill>
                 <a:effectLst/>
                 <a:latin typeface="Courier New" panose="02070309020205020404" pitchFamily="49" charset="0"/>
                 <a:cs typeface="Courier New" panose="02070309020205020404" pitchFamily="49" charset="0"/>
               </a:rPr>
-              <a:t>   </a:t>
+              <a:t>, </a:t>
             </a:r>
             <a:r>
               <a:rPr kumimoji="0" lang="es-ES" altLang="es-ES" sz="1600" b="0" i="0" u="none" strike="noStrike" cap="none" normalizeH="0" baseline="0" dirty="0" err="1">
@@ -10297,27 +11135,27 @@
                   <a:noFill/>
                 </a:ln>
                 <a:solidFill>
-                  <a:srgbClr val="A9B7C6"/>
-                </a:solidFill>
-                <a:effectLst/>
-                <a:latin typeface="Courier New" panose="02070309020205020404" pitchFamily="49" charset="0"/>
-                <a:cs typeface="Courier New" panose="02070309020205020404" pitchFamily="49" charset="0"/>
-              </a:rPr>
-              <a:t>markup</a:t>
-            </a:r>
-            <a:r>
-              <a:rPr kumimoji="0" lang="es-ES" altLang="es-ES" sz="1600" b="0" i="0" u="none" strike="noStrike" cap="none" normalizeH="0" baseline="0" dirty="0">
-                <a:ln>
-                  <a:noFill/>
-                </a:ln>
-                <a:solidFill>
-                  <a:srgbClr val="A9B7C6"/>
-                </a:solidFill>
-                <a:effectLst/>
-                <a:latin typeface="Courier New" panose="02070309020205020404" pitchFamily="49" charset="0"/>
-                <a:cs typeface="Courier New" panose="02070309020205020404" pitchFamily="49" charset="0"/>
-              </a:rPr>
-              <a:t> = </a:t>
+                  <a:srgbClr val="AA4926"/>
+                </a:solidFill>
+                <a:effectLst/>
+                <a:latin typeface="Courier New" panose="02070309020205020404" pitchFamily="49" charset="0"/>
+                <a:cs typeface="Courier New" panose="02070309020205020404" pitchFamily="49" charset="0"/>
+              </a:rPr>
+              <a:t>callback_data</a:t>
+            </a:r>
+            <a:r>
+              <a:rPr kumimoji="0" lang="es-ES" altLang="es-ES" sz="1600" b="0" i="0" u="none" strike="noStrike" cap="none" normalizeH="0" baseline="0" dirty="0">
+                <a:ln>
+                  <a:noFill/>
+                </a:ln>
+                <a:solidFill>
+                  <a:srgbClr val="A9B7C6"/>
+                </a:solidFill>
+                <a:effectLst/>
+                <a:latin typeface="Courier New" panose="02070309020205020404" pitchFamily="49" charset="0"/>
+                <a:cs typeface="Courier New" panose="02070309020205020404" pitchFamily="49" charset="0"/>
+              </a:rPr>
+              <a:t>=</a:t>
             </a:r>
             <a:r>
               <a:rPr kumimoji="0" lang="es-ES" altLang="es-ES" sz="1600" b="0" i="0" u="none" strike="noStrike" cap="none" normalizeH="0" baseline="0" dirty="0" err="1">
@@ -10325,27 +11163,54 @@
                   <a:noFill/>
                 </a:ln>
                 <a:solidFill>
-                  <a:srgbClr val="A9B7C6"/>
-                </a:solidFill>
-                <a:effectLst/>
-                <a:latin typeface="Courier New" panose="02070309020205020404" pitchFamily="49" charset="0"/>
-                <a:cs typeface="Courier New" panose="02070309020205020404" pitchFamily="49" charset="0"/>
-              </a:rPr>
-              <a:t>types.ForceReply</a:t>
-            </a:r>
-            <a:r>
-              <a:rPr kumimoji="0" lang="es-ES" altLang="es-ES" sz="1600" b="0" i="0" u="none" strike="noStrike" cap="none" normalizeH="0" baseline="0" dirty="0">
-                <a:ln>
-                  <a:noFill/>
-                </a:ln>
-                <a:solidFill>
-                  <a:srgbClr val="A9B7C6"/>
-                </a:solidFill>
-                <a:effectLst/>
-                <a:latin typeface="Courier New" panose="02070309020205020404" pitchFamily="49" charset="0"/>
-                <a:cs typeface="Courier New" panose="02070309020205020404" pitchFamily="49" charset="0"/>
-              </a:rPr>
-              <a:t>(</a:t>
+                  <a:srgbClr val="8888C6"/>
+                </a:solidFill>
+                <a:effectLst/>
+                <a:latin typeface="Courier New" panose="02070309020205020404" pitchFamily="49" charset="0"/>
+                <a:cs typeface="Courier New" panose="02070309020205020404" pitchFamily="49" charset="0"/>
+              </a:rPr>
+              <a:t>str</a:t>
+            </a:r>
+            <a:r>
+              <a:rPr kumimoji="0" lang="es-ES" altLang="es-ES" sz="1600" b="0" i="0" u="none" strike="noStrike" cap="none" normalizeH="0" baseline="0" dirty="0">
+                <a:ln>
+                  <a:noFill/>
+                </a:ln>
+                <a:solidFill>
+                  <a:srgbClr val="A9B7C6"/>
+                </a:solidFill>
+                <a:effectLst/>
+                <a:latin typeface="Courier New" panose="02070309020205020404" pitchFamily="49" charset="0"/>
+                <a:cs typeface="Courier New" panose="02070309020205020404" pitchFamily="49" charset="0"/>
+              </a:rPr>
+              <a:t>((</a:t>
+            </a:r>
+            <a:br>
+              <a:rPr kumimoji="0" lang="es-ES" altLang="es-ES" sz="1600" b="0" i="0" u="none" strike="noStrike" cap="none" normalizeH="0" baseline="0" dirty="0">
+                <a:ln>
+                  <a:noFill/>
+                </a:ln>
+                <a:solidFill>
+                  <a:srgbClr val="A9B7C6"/>
+                </a:solidFill>
+                <a:effectLst/>
+                <a:latin typeface="Courier New" panose="02070309020205020404" pitchFamily="49" charset="0"/>
+                <a:cs typeface="Courier New" panose="02070309020205020404" pitchFamily="49" charset="0"/>
+              </a:rPr>
+            </a:br>
+            <a:r>
+              <a:rPr kumimoji="0" lang="es-ES" altLang="es-ES" sz="1600" b="0" i="0" u="none" strike="noStrike" cap="none" normalizeH="0" baseline="0" dirty="0">
+                <a:ln>
+                  <a:noFill/>
+                </a:ln>
+                <a:solidFill>
+                  <a:srgbClr val="A9B7C6"/>
+                </a:solidFill>
+                <a:effectLst/>
+                <a:latin typeface="Courier New" panose="02070309020205020404" pitchFamily="49" charset="0"/>
+                <a:cs typeface="Courier New" panose="02070309020205020404" pitchFamily="49" charset="0"/>
+              </a:rPr>
+              <a:t>         </a:t>
             </a:r>
             <a:r>
               <a:rPr kumimoji="0" lang="es-ES" altLang="es-ES" sz="1600" b="0" i="0" u="none" strike="noStrike" cap="none" normalizeH="0" baseline="0" dirty="0" err="1">
@@ -10353,27 +11218,13 @@
                   <a:noFill/>
                 </a:ln>
                 <a:solidFill>
-                  <a:srgbClr val="AA4926"/>
-                </a:solidFill>
-                <a:effectLst/>
-                <a:latin typeface="Courier New" panose="02070309020205020404" pitchFamily="49" charset="0"/>
-                <a:cs typeface="Courier New" panose="02070309020205020404" pitchFamily="49" charset="0"/>
-              </a:rPr>
-              <a:t>selective</a:t>
-            </a:r>
-            <a:r>
-              <a:rPr kumimoji="0" lang="es-ES" altLang="es-ES" sz="1600" b="0" i="0" u="none" strike="noStrike" cap="none" normalizeH="0" baseline="0" dirty="0">
-                <a:ln>
-                  <a:noFill/>
-                </a:ln>
-                <a:solidFill>
-                  <a:srgbClr val="A9B7C6"/>
-                </a:solidFill>
-                <a:effectLst/>
-                <a:latin typeface="Courier New" panose="02070309020205020404" pitchFamily="49" charset="0"/>
-                <a:cs typeface="Courier New" panose="02070309020205020404" pitchFamily="49" charset="0"/>
-              </a:rPr>
-              <a:t>=</a:t>
+                  <a:srgbClr val="A9B7C6"/>
+                </a:solidFill>
+                <a:effectLst/>
+                <a:latin typeface="Courier New" panose="02070309020205020404" pitchFamily="49" charset="0"/>
+                <a:cs typeface="Courier New" panose="02070309020205020404" pitchFamily="49" charset="0"/>
+              </a:rPr>
+              <a:t>cons.DELETE_KEYWORD</a:t>
             </a:r>
             <a:r>
               <a:rPr kumimoji="0" lang="es-ES" altLang="es-ES" sz="1600" b="0" i="0" u="none" strike="noStrike" cap="none" normalizeH="0" baseline="0" dirty="0">
@@ -10387,48 +11238,7 @@
                 <a:latin typeface="Courier New" panose="02070309020205020404" pitchFamily="49" charset="0"/>
                 <a:cs typeface="Courier New" panose="02070309020205020404" pitchFamily="49" charset="0"/>
               </a:rPr>
-              <a:t>False</a:t>
-            </a:r>
-            <a:r>
-              <a:rPr kumimoji="0" lang="es-ES" altLang="es-ES" sz="1600" b="0" i="0" u="none" strike="noStrike" cap="none" normalizeH="0" baseline="0" dirty="0">
-                <a:ln>
-                  <a:noFill/>
-                </a:ln>
-                <a:solidFill>
-                  <a:srgbClr val="A9B7C6"/>
-                </a:solidFill>
-                <a:effectLst/>
-                <a:latin typeface="Courier New" panose="02070309020205020404" pitchFamily="49" charset="0"/>
-                <a:cs typeface="Courier New" panose="02070309020205020404" pitchFamily="49" charset="0"/>
-              </a:rPr>
-              <a:t>)</a:t>
-            </a:r>
-            <a:br>
-              <a:rPr kumimoji="0" lang="es-ES" altLang="es-ES" sz="1600" b="0" i="0" u="none" strike="noStrike" cap="none" normalizeH="0" baseline="0" dirty="0">
-                <a:ln>
-                  <a:noFill/>
-                </a:ln>
-                <a:solidFill>
-                  <a:srgbClr val="A9B7C6"/>
-                </a:solidFill>
-                <a:effectLst/>
-                <a:latin typeface="Courier New" panose="02070309020205020404" pitchFamily="49" charset="0"/>
-                <a:cs typeface="Courier New" panose="02070309020205020404" pitchFamily="49" charset="0"/>
-              </a:rPr>
-            </a:br>
-            <a:r>
-              <a:rPr kumimoji="0" lang="es-ES" altLang="es-ES" sz="1600" b="0" i="0" u="none" strike="noStrike" cap="none" normalizeH="0" baseline="0" dirty="0">
-                <a:ln>
-                  <a:noFill/>
-                </a:ln>
-                <a:solidFill>
-                  <a:srgbClr val="A9B7C6"/>
-                </a:solidFill>
-                <a:effectLst/>
-                <a:latin typeface="Courier New" panose="02070309020205020404" pitchFamily="49" charset="0"/>
-                <a:cs typeface="Courier New" panose="02070309020205020404" pitchFamily="49" charset="0"/>
-              </a:rPr>
-              <a:t>   </a:t>
+              <a:t>, </a:t>
             </a:r>
             <a:r>
               <a:rPr kumimoji="0" lang="es-ES" altLang="es-ES" sz="1600" b="0" i="0" u="none" strike="noStrike" cap="none" normalizeH="0" baseline="0" dirty="0" err="1">
@@ -10442,715 +11252,21 @@
                 <a:latin typeface="Courier New" panose="02070309020205020404" pitchFamily="49" charset="0"/>
                 <a:cs typeface="Courier New" panose="02070309020205020404" pitchFamily="49" charset="0"/>
               </a:rPr>
-              <a:t>bot.send_message</a:t>
-            </a:r>
-            <a:r>
-              <a:rPr kumimoji="0" lang="es-ES" altLang="es-ES" sz="1600" b="0" i="0" u="none" strike="noStrike" cap="none" normalizeH="0" baseline="0" dirty="0">
-                <a:ln>
-                  <a:noFill/>
-                </a:ln>
-                <a:solidFill>
-                  <a:srgbClr val="A9B7C6"/>
-                </a:solidFill>
-                <a:effectLst/>
-                <a:latin typeface="Courier New" panose="02070309020205020404" pitchFamily="49" charset="0"/>
-                <a:cs typeface="Courier New" panose="02070309020205020404" pitchFamily="49" charset="0"/>
-              </a:rPr>
-              <a:t>(msg.chat.id</a:t>
-            </a:r>
-            <a:r>
-              <a:rPr kumimoji="0" lang="es-ES" altLang="es-ES" sz="1600" b="0" i="0" u="none" strike="noStrike" cap="none" normalizeH="0" baseline="0" dirty="0">
-                <a:ln>
-                  <a:noFill/>
-                </a:ln>
-                <a:solidFill>
-                  <a:srgbClr val="CC7832"/>
-                </a:solidFill>
-                <a:effectLst/>
-                <a:latin typeface="Courier New" panose="02070309020205020404" pitchFamily="49" charset="0"/>
-                <a:cs typeface="Courier New" panose="02070309020205020404" pitchFamily="49" charset="0"/>
-              </a:rPr>
-              <a:t>, </a:t>
-            </a:r>
-            <a:r>
-              <a:rPr kumimoji="0" lang="es-ES" altLang="es-ES" sz="1600" b="0" i="0" u="none" strike="noStrike" cap="none" normalizeH="0" baseline="0" dirty="0">
-                <a:ln>
-                  <a:noFill/>
-                </a:ln>
-                <a:solidFill>
-                  <a:srgbClr val="6A8759"/>
-                </a:solidFill>
-                <a:effectLst/>
-                <a:latin typeface="Courier New" panose="02070309020205020404" pitchFamily="49" charset="0"/>
-                <a:cs typeface="Courier New" panose="02070309020205020404" pitchFamily="49" charset="0"/>
-              </a:rPr>
-              <a:t>"Para añadir un canal, introduce su id"</a:t>
-            </a:r>
-            <a:r>
-              <a:rPr kumimoji="0" lang="es-ES" altLang="es-ES" sz="1600" b="0" i="0" u="none" strike="noStrike" cap="none" normalizeH="0" baseline="0" dirty="0">
-                <a:ln>
-                  <a:noFill/>
-                </a:ln>
-                <a:solidFill>
-                  <a:srgbClr val="CC7832"/>
-                </a:solidFill>
-                <a:effectLst/>
-                <a:latin typeface="Courier New" panose="02070309020205020404" pitchFamily="49" charset="0"/>
-                <a:cs typeface="Courier New" panose="02070309020205020404" pitchFamily="49" charset="0"/>
-              </a:rPr>
-              <a:t>, 		</a:t>
-            </a:r>
-            <a:r>
-              <a:rPr kumimoji="0" lang="es-ES" altLang="es-ES" sz="1600" b="0" i="0" u="none" strike="noStrike" cap="none" normalizeH="0" baseline="0" dirty="0" err="1">
-                <a:ln>
-                  <a:noFill/>
-                </a:ln>
-                <a:solidFill>
-                  <a:srgbClr val="AA4926"/>
-                </a:solidFill>
-                <a:effectLst/>
-                <a:latin typeface="Courier New" panose="02070309020205020404" pitchFamily="49" charset="0"/>
-                <a:cs typeface="Courier New" panose="02070309020205020404" pitchFamily="49" charset="0"/>
-              </a:rPr>
-              <a:t>reply_markup</a:t>
-            </a:r>
-            <a:r>
-              <a:rPr kumimoji="0" lang="es-ES" altLang="es-ES" sz="1600" b="0" i="0" u="none" strike="noStrike" cap="none" normalizeH="0" baseline="0" dirty="0">
-                <a:ln>
-                  <a:noFill/>
-                </a:ln>
-                <a:solidFill>
-                  <a:srgbClr val="A9B7C6"/>
-                </a:solidFill>
-                <a:effectLst/>
-                <a:latin typeface="Courier New" panose="02070309020205020404" pitchFamily="49" charset="0"/>
-                <a:cs typeface="Courier New" panose="02070309020205020404" pitchFamily="49" charset="0"/>
-              </a:rPr>
-              <a:t>=</a:t>
-            </a:r>
-            <a:r>
-              <a:rPr kumimoji="0" lang="es-ES" altLang="es-ES" sz="1600" b="0" i="0" u="none" strike="noStrike" cap="none" normalizeH="0" baseline="0" dirty="0" err="1">
-                <a:ln>
-                  <a:noFill/>
-                </a:ln>
-                <a:solidFill>
-                  <a:srgbClr val="A9B7C6"/>
-                </a:solidFill>
-                <a:effectLst/>
-                <a:latin typeface="Courier New" panose="02070309020205020404" pitchFamily="49" charset="0"/>
-                <a:cs typeface="Courier New" panose="02070309020205020404" pitchFamily="49" charset="0"/>
-              </a:rPr>
-              <a:t>markup</a:t>
-            </a:r>
-            <a:r>
-              <a:rPr kumimoji="0" lang="es-ES" altLang="es-ES" sz="1600" b="0" i="0" u="none" strike="noStrike" cap="none" normalizeH="0" baseline="0" dirty="0">
-                <a:ln>
-                  <a:noFill/>
-                </a:ln>
-                <a:solidFill>
-                  <a:srgbClr val="A9B7C6"/>
-                </a:solidFill>
-                <a:effectLst/>
-                <a:latin typeface="Courier New" panose="02070309020205020404" pitchFamily="49" charset="0"/>
-                <a:cs typeface="Courier New" panose="02070309020205020404" pitchFamily="49" charset="0"/>
-              </a:rPr>
-              <a:t>)</a:t>
-            </a:r>
-            <a:br>
-              <a:rPr kumimoji="0" lang="es-ES" altLang="es-ES" sz="1600" b="0" i="0" u="none" strike="noStrike" cap="none" normalizeH="0" baseline="0" dirty="0">
-                <a:ln>
-                  <a:noFill/>
-                </a:ln>
-                <a:solidFill>
-                  <a:srgbClr val="A9B7C6"/>
-                </a:solidFill>
-                <a:effectLst/>
-                <a:latin typeface="Courier New" panose="02070309020205020404" pitchFamily="49" charset="0"/>
-                <a:cs typeface="Courier New" panose="02070309020205020404" pitchFamily="49" charset="0"/>
-              </a:rPr>
-            </a:br>
-            <a:r>
-              <a:rPr kumimoji="0" lang="es-ES" altLang="es-ES" sz="1600" b="0" i="0" u="none" strike="noStrike" cap="none" normalizeH="0" baseline="0" dirty="0">
-                <a:ln>
-                  <a:noFill/>
-                </a:ln>
-                <a:solidFill>
-                  <a:srgbClr val="A9B7C6"/>
-                </a:solidFill>
-                <a:effectLst/>
-                <a:latin typeface="Courier New" panose="02070309020205020404" pitchFamily="49" charset="0"/>
-                <a:cs typeface="Courier New" panose="02070309020205020404" pitchFamily="49" charset="0"/>
-              </a:rPr>
-              <a:t>   </a:t>
-            </a:r>
-            <a:r>
-              <a:rPr kumimoji="0" lang="es-ES" altLang="es-ES" sz="1600" b="0" i="0" u="none" strike="noStrike" cap="none" normalizeH="0" baseline="0" dirty="0" err="1">
-                <a:ln>
-                  <a:noFill/>
-                </a:ln>
-                <a:solidFill>
-                  <a:srgbClr val="A9B7C6"/>
-                </a:solidFill>
-                <a:effectLst/>
-                <a:latin typeface="Courier New" panose="02070309020205020404" pitchFamily="49" charset="0"/>
-                <a:cs typeface="Courier New" panose="02070309020205020404" pitchFamily="49" charset="0"/>
-              </a:rPr>
-              <a:t>bot.register_next_step_handler</a:t>
-            </a:r>
-            <a:r>
-              <a:rPr kumimoji="0" lang="es-ES" altLang="es-ES" sz="1600" b="0" i="0" u="none" strike="noStrike" cap="none" normalizeH="0" baseline="0" dirty="0">
-                <a:ln>
-                  <a:noFill/>
-                </a:ln>
-                <a:solidFill>
-                  <a:srgbClr val="A9B7C6"/>
-                </a:solidFill>
-                <a:effectLst/>
-                <a:latin typeface="Courier New" panose="02070309020205020404" pitchFamily="49" charset="0"/>
-                <a:cs typeface="Courier New" panose="02070309020205020404" pitchFamily="49" charset="0"/>
-              </a:rPr>
-              <a:t>(</a:t>
-            </a:r>
-            <a:r>
-              <a:rPr kumimoji="0" lang="es-ES" altLang="es-ES" sz="1600" b="0" i="0" u="none" strike="noStrike" cap="none" normalizeH="0" baseline="0" dirty="0" err="1">
-                <a:ln>
-                  <a:noFill/>
-                </a:ln>
-                <a:solidFill>
-                  <a:srgbClr val="A9B7C6"/>
-                </a:solidFill>
-                <a:effectLst/>
-                <a:latin typeface="Courier New" panose="02070309020205020404" pitchFamily="49" charset="0"/>
-                <a:cs typeface="Courier New" panose="02070309020205020404" pitchFamily="49" charset="0"/>
-              </a:rPr>
-              <a:t>msg</a:t>
-            </a:r>
-            <a:r>
-              <a:rPr kumimoji="0" lang="es-ES" altLang="es-ES" sz="1600" b="0" i="0" u="none" strike="noStrike" cap="none" normalizeH="0" baseline="0" dirty="0">
-                <a:ln>
-                  <a:noFill/>
-                </a:ln>
-                <a:solidFill>
-                  <a:srgbClr val="CC7832"/>
-                </a:solidFill>
-                <a:effectLst/>
-                <a:latin typeface="Courier New" panose="02070309020205020404" pitchFamily="49" charset="0"/>
-                <a:cs typeface="Courier New" panose="02070309020205020404" pitchFamily="49" charset="0"/>
-              </a:rPr>
-              <a:t>, </a:t>
-            </a:r>
-            <a:r>
-              <a:rPr kumimoji="0" lang="es-ES" altLang="es-ES" sz="1600" b="0" i="0" u="none" strike="noStrike" cap="none" normalizeH="0" baseline="0" dirty="0" err="1">
-                <a:ln>
-                  <a:noFill/>
-                </a:ln>
-                <a:solidFill>
-                  <a:srgbClr val="A9B7C6"/>
-                </a:solidFill>
-                <a:effectLst/>
-                <a:latin typeface="Courier New" panose="02070309020205020404" pitchFamily="49" charset="0"/>
-                <a:cs typeface="Courier New" panose="02070309020205020404" pitchFamily="49" charset="0"/>
-              </a:rPr>
-              <a:t>process_add_channel_id</a:t>
-            </a:r>
-            <a:r>
-              <a:rPr kumimoji="0" lang="es-ES" altLang="es-ES" sz="1600" b="0" i="0" u="none" strike="noStrike" cap="none" normalizeH="0" baseline="0" dirty="0">
-                <a:ln>
-                  <a:noFill/>
-                </a:ln>
-                <a:solidFill>
-                  <a:srgbClr val="A9B7C6"/>
-                </a:solidFill>
-                <a:effectLst/>
-                <a:latin typeface="Courier New" panose="02070309020205020404" pitchFamily="49" charset="0"/>
-                <a:cs typeface="Courier New" panose="02070309020205020404" pitchFamily="49" charset="0"/>
-              </a:rPr>
-              <a:t>)</a:t>
-            </a:r>
-            <a:br>
-              <a:rPr kumimoji="0" lang="es-ES" altLang="es-ES" sz="1600" b="0" i="0" u="none" strike="noStrike" cap="none" normalizeH="0" baseline="0" dirty="0">
-                <a:ln>
-                  <a:noFill/>
-                </a:ln>
-                <a:solidFill>
-                  <a:srgbClr val="A9B7C6"/>
-                </a:solidFill>
-                <a:effectLst/>
-                <a:latin typeface="Courier New" panose="02070309020205020404" pitchFamily="49" charset="0"/>
-                <a:cs typeface="Courier New" panose="02070309020205020404" pitchFamily="49" charset="0"/>
-              </a:rPr>
-            </a:br>
-            <a:endParaRPr kumimoji="0" lang="es-ES" altLang="es-ES" sz="1600" b="0" i="0" u="none" strike="noStrike" cap="none" normalizeH="0" baseline="0" dirty="0">
-              <a:ln>
-                <a:noFill/>
-              </a:ln>
-              <a:solidFill>
-                <a:srgbClr val="A9B7C6"/>
-              </a:solidFill>
-              <a:effectLst/>
-              <a:latin typeface="Courier New" panose="02070309020205020404" pitchFamily="49" charset="0"/>
-              <a:cs typeface="Courier New" panose="02070309020205020404" pitchFamily="49" charset="0"/>
-            </a:endParaRPr>
-          </a:p>
-          <a:p>
-            <a:pPr marL="0" marR="0" lvl="0" indent="0" algn="l" defTabSz="914400" rtl="0" eaLnBrk="0" fontAlgn="base" latinLnBrk="0" hangingPunct="0">
-              <a:lnSpc>
-                <a:spcPct val="100000"/>
-              </a:lnSpc>
-              <a:spcBef>
-                <a:spcPct val="0"/>
-              </a:spcBef>
-              <a:spcAft>
-                <a:spcPct val="0"/>
-              </a:spcAft>
-              <a:buClrTx/>
-              <a:buSzTx/>
-              <a:buFontTx/>
-              <a:buNone/>
-              <a:tabLst/>
-            </a:pPr>
-            <a:br>
-              <a:rPr kumimoji="0" lang="es-ES" altLang="es-ES" sz="1600" b="0" i="0" u="none" strike="noStrike" cap="none" normalizeH="0" baseline="0" dirty="0">
-                <a:ln>
-                  <a:noFill/>
-                </a:ln>
-                <a:solidFill>
-                  <a:srgbClr val="A9B7C6"/>
-                </a:solidFill>
-                <a:effectLst/>
-                <a:latin typeface="Courier New" panose="02070309020205020404" pitchFamily="49" charset="0"/>
-                <a:cs typeface="Courier New" panose="02070309020205020404" pitchFamily="49" charset="0"/>
-              </a:rPr>
-            </a:br>
-            <a:r>
-              <a:rPr kumimoji="0" lang="es-ES" altLang="es-ES" sz="1600" b="0" i="0" u="none" strike="noStrike" cap="none" normalizeH="0" baseline="0" dirty="0" err="1">
-                <a:ln>
-                  <a:noFill/>
-                </a:ln>
-                <a:solidFill>
-                  <a:srgbClr val="CC7832"/>
-                </a:solidFill>
-                <a:effectLst/>
-                <a:latin typeface="Courier New" panose="02070309020205020404" pitchFamily="49" charset="0"/>
-                <a:cs typeface="Courier New" panose="02070309020205020404" pitchFamily="49" charset="0"/>
-              </a:rPr>
-              <a:t>def</a:t>
-            </a:r>
-            <a:r>
-              <a:rPr kumimoji="0" lang="es-ES" altLang="es-ES" sz="1600" b="0" i="0" u="none" strike="noStrike" cap="none" normalizeH="0" baseline="0" dirty="0">
-                <a:ln>
-                  <a:noFill/>
-                </a:ln>
-                <a:solidFill>
-                  <a:srgbClr val="CC7832"/>
-                </a:solidFill>
-                <a:effectLst/>
-                <a:latin typeface="Courier New" panose="02070309020205020404" pitchFamily="49" charset="0"/>
-                <a:cs typeface="Courier New" panose="02070309020205020404" pitchFamily="49" charset="0"/>
-              </a:rPr>
-              <a:t> </a:t>
-            </a:r>
-            <a:r>
-              <a:rPr kumimoji="0" lang="es-ES" altLang="es-ES" sz="1600" b="0" i="0" u="none" strike="noStrike" cap="none" normalizeH="0" baseline="0" dirty="0" err="1">
-                <a:ln>
-                  <a:noFill/>
-                </a:ln>
-                <a:solidFill>
-                  <a:srgbClr val="FFC66D"/>
-                </a:solidFill>
-                <a:effectLst/>
-                <a:latin typeface="Courier New" panose="02070309020205020404" pitchFamily="49" charset="0"/>
-                <a:cs typeface="Courier New" panose="02070309020205020404" pitchFamily="49" charset="0"/>
-              </a:rPr>
-              <a:t>process_add_channel_id</a:t>
-            </a:r>
-            <a:r>
-              <a:rPr kumimoji="0" lang="es-ES" altLang="es-ES" sz="1600" b="0" i="0" u="none" strike="noStrike" cap="none" normalizeH="0" baseline="0" dirty="0">
-                <a:ln>
-                  <a:noFill/>
-                </a:ln>
-                <a:solidFill>
-                  <a:srgbClr val="A9B7C6"/>
-                </a:solidFill>
-                <a:effectLst/>
-                <a:latin typeface="Courier New" panose="02070309020205020404" pitchFamily="49" charset="0"/>
-                <a:cs typeface="Courier New" panose="02070309020205020404" pitchFamily="49" charset="0"/>
-              </a:rPr>
-              <a:t>(</a:t>
-            </a:r>
-            <a:r>
-              <a:rPr kumimoji="0" lang="es-ES" altLang="es-ES" sz="1600" b="0" i="0" u="none" strike="noStrike" cap="none" normalizeH="0" baseline="0" dirty="0" err="1">
-                <a:ln>
-                  <a:noFill/>
-                </a:ln>
-                <a:solidFill>
-                  <a:srgbClr val="A9B7C6"/>
-                </a:solidFill>
-                <a:effectLst/>
-                <a:latin typeface="Courier New" panose="02070309020205020404" pitchFamily="49" charset="0"/>
-                <a:cs typeface="Courier New" panose="02070309020205020404" pitchFamily="49" charset="0"/>
-              </a:rPr>
-              <a:t>msg</a:t>
-            </a:r>
-            <a:r>
-              <a:rPr kumimoji="0" lang="es-ES" altLang="es-ES" sz="1600" b="0" i="0" u="none" strike="noStrike" cap="none" normalizeH="0" baseline="0" dirty="0">
-                <a:ln>
-                  <a:noFill/>
-                </a:ln>
-                <a:solidFill>
-                  <a:srgbClr val="A9B7C6"/>
-                </a:solidFill>
-                <a:effectLst/>
-                <a:latin typeface="Courier New" panose="02070309020205020404" pitchFamily="49" charset="0"/>
-                <a:cs typeface="Courier New" panose="02070309020205020404" pitchFamily="49" charset="0"/>
-              </a:rPr>
-              <a:t>):</a:t>
-            </a:r>
-            <a:br>
-              <a:rPr kumimoji="0" lang="es-ES" altLang="es-ES" sz="1600" b="0" i="0" u="none" strike="noStrike" cap="none" normalizeH="0" baseline="0" dirty="0">
-                <a:ln>
-                  <a:noFill/>
-                </a:ln>
-                <a:solidFill>
-                  <a:srgbClr val="A9B7C6"/>
-                </a:solidFill>
-                <a:effectLst/>
-                <a:latin typeface="Courier New" panose="02070309020205020404" pitchFamily="49" charset="0"/>
-                <a:cs typeface="Courier New" panose="02070309020205020404" pitchFamily="49" charset="0"/>
-              </a:rPr>
-            </a:br>
-            <a:r>
-              <a:rPr kumimoji="0" lang="es-ES" altLang="es-ES" sz="1600" b="0" i="0" u="none" strike="noStrike" cap="none" normalizeH="0" baseline="0" dirty="0">
-                <a:ln>
-                  <a:noFill/>
-                </a:ln>
-                <a:solidFill>
-                  <a:srgbClr val="A9B7C6"/>
-                </a:solidFill>
-                <a:effectLst/>
-                <a:latin typeface="Courier New" panose="02070309020205020404" pitchFamily="49" charset="0"/>
-                <a:cs typeface="Courier New" panose="02070309020205020404" pitchFamily="49" charset="0"/>
-              </a:rPr>
-              <a:t>   </a:t>
-            </a:r>
-            <a:r>
-              <a:rPr kumimoji="0" lang="es-ES" altLang="es-ES" sz="1600" b="0" i="0" u="none" strike="noStrike" cap="none" normalizeH="0" baseline="0" dirty="0" err="1">
-                <a:ln>
-                  <a:noFill/>
-                </a:ln>
-                <a:solidFill>
-                  <a:srgbClr val="A9B7C6"/>
-                </a:solidFill>
-                <a:effectLst/>
-                <a:latin typeface="Courier New" panose="02070309020205020404" pitchFamily="49" charset="0"/>
-                <a:cs typeface="Courier New" panose="02070309020205020404" pitchFamily="49" charset="0"/>
-              </a:rPr>
-              <a:t>id_channel</a:t>
-            </a:r>
-            <a:r>
-              <a:rPr kumimoji="0" lang="es-ES" altLang="es-ES" sz="1600" b="0" i="0" u="none" strike="noStrike" cap="none" normalizeH="0" baseline="0" dirty="0">
-                <a:ln>
-                  <a:noFill/>
-                </a:ln>
-                <a:solidFill>
-                  <a:srgbClr val="A9B7C6"/>
-                </a:solidFill>
-                <a:effectLst/>
-                <a:latin typeface="Courier New" panose="02070309020205020404" pitchFamily="49" charset="0"/>
-                <a:cs typeface="Courier New" panose="02070309020205020404" pitchFamily="49" charset="0"/>
-              </a:rPr>
-              <a:t> = </a:t>
-            </a:r>
-            <a:r>
-              <a:rPr kumimoji="0" lang="es-ES" altLang="es-ES" sz="1600" b="0" i="0" u="none" strike="noStrike" cap="none" normalizeH="0" baseline="0" dirty="0" err="1">
-                <a:ln>
-                  <a:noFill/>
-                </a:ln>
-                <a:solidFill>
-                  <a:srgbClr val="A9B7C6"/>
-                </a:solidFill>
-                <a:effectLst/>
-                <a:latin typeface="Courier New" panose="02070309020205020404" pitchFamily="49" charset="0"/>
-                <a:cs typeface="Courier New" panose="02070309020205020404" pitchFamily="49" charset="0"/>
-              </a:rPr>
-              <a:t>msg.text</a:t>
-            </a:r>
-            <a:br>
-              <a:rPr kumimoji="0" lang="es-ES" altLang="es-ES" sz="1600" b="0" i="0" u="none" strike="noStrike" cap="none" normalizeH="0" baseline="0" dirty="0">
-                <a:ln>
-                  <a:noFill/>
-                </a:ln>
-                <a:solidFill>
-                  <a:srgbClr val="A9B7C6"/>
-                </a:solidFill>
-                <a:effectLst/>
-                <a:latin typeface="Courier New" panose="02070309020205020404" pitchFamily="49" charset="0"/>
-                <a:cs typeface="Courier New" panose="02070309020205020404" pitchFamily="49" charset="0"/>
-              </a:rPr>
-            </a:br>
-            <a:r>
-              <a:rPr kumimoji="0" lang="es-ES" altLang="es-ES" sz="1600" b="0" i="0" u="none" strike="noStrike" cap="none" normalizeH="0" baseline="0" dirty="0">
-                <a:ln>
-                  <a:noFill/>
-                </a:ln>
-                <a:solidFill>
-                  <a:srgbClr val="A9B7C6"/>
-                </a:solidFill>
-                <a:effectLst/>
-                <a:latin typeface="Courier New" panose="02070309020205020404" pitchFamily="49" charset="0"/>
-                <a:cs typeface="Courier New" panose="02070309020205020404" pitchFamily="49" charset="0"/>
-              </a:rPr>
-              <a:t>   </a:t>
-            </a:r>
-            <a:r>
-              <a:rPr kumimoji="0" lang="es-ES" altLang="es-ES" sz="1600" b="0" i="0" u="none" strike="noStrike" cap="none" normalizeH="0" baseline="0" dirty="0">
-                <a:ln>
-                  <a:noFill/>
-                </a:ln>
-                <a:solidFill>
-                  <a:srgbClr val="CC7832"/>
-                </a:solidFill>
-                <a:effectLst/>
-                <a:latin typeface="Courier New" panose="02070309020205020404" pitchFamily="49" charset="0"/>
-                <a:cs typeface="Courier New" panose="02070309020205020404" pitchFamily="49" charset="0"/>
-              </a:rPr>
-              <a:t>try</a:t>
-            </a:r>
-            <a:r>
-              <a:rPr kumimoji="0" lang="es-ES" altLang="es-ES" sz="1600" b="0" i="0" u="none" strike="noStrike" cap="none" normalizeH="0" baseline="0" dirty="0">
-                <a:ln>
-                  <a:noFill/>
-                </a:ln>
-                <a:solidFill>
-                  <a:srgbClr val="A9B7C6"/>
-                </a:solidFill>
-                <a:effectLst/>
-                <a:latin typeface="Courier New" panose="02070309020205020404" pitchFamily="49" charset="0"/>
-                <a:cs typeface="Courier New" panose="02070309020205020404" pitchFamily="49" charset="0"/>
-              </a:rPr>
-              <a:t>:</a:t>
-            </a:r>
-            <a:br>
-              <a:rPr kumimoji="0" lang="es-ES" altLang="es-ES" sz="1600" b="0" i="0" u="none" strike="noStrike" cap="none" normalizeH="0" baseline="0" dirty="0">
-                <a:ln>
-                  <a:noFill/>
-                </a:ln>
-                <a:solidFill>
-                  <a:srgbClr val="A9B7C6"/>
-                </a:solidFill>
-                <a:effectLst/>
-                <a:latin typeface="Courier New" panose="02070309020205020404" pitchFamily="49" charset="0"/>
-                <a:cs typeface="Courier New" panose="02070309020205020404" pitchFamily="49" charset="0"/>
-              </a:rPr>
-            </a:br>
-            <a:r>
-              <a:rPr kumimoji="0" lang="es-ES" altLang="es-ES" sz="1600" b="0" i="0" u="none" strike="noStrike" cap="none" normalizeH="0" baseline="0" dirty="0">
-                <a:ln>
-                  <a:noFill/>
-                </a:ln>
-                <a:solidFill>
-                  <a:srgbClr val="A9B7C6"/>
-                </a:solidFill>
-                <a:effectLst/>
-                <a:latin typeface="Courier New" panose="02070309020205020404" pitchFamily="49" charset="0"/>
-                <a:cs typeface="Courier New" panose="02070309020205020404" pitchFamily="49" charset="0"/>
-              </a:rPr>
-              <a:t>      </a:t>
-            </a:r>
-            <a:r>
-              <a:rPr kumimoji="0" lang="es-ES" altLang="es-ES" sz="1600" b="0" i="0" u="none" strike="noStrike" cap="none" normalizeH="0" baseline="0" dirty="0" err="1">
-                <a:ln>
-                  <a:noFill/>
-                </a:ln>
-                <a:solidFill>
-                  <a:srgbClr val="A9B7C6"/>
-                </a:solidFill>
-                <a:effectLst/>
-                <a:latin typeface="Courier New" panose="02070309020205020404" pitchFamily="49" charset="0"/>
-                <a:cs typeface="Courier New" panose="02070309020205020404" pitchFamily="49" charset="0"/>
-              </a:rPr>
-              <a:t>request</a:t>
-            </a:r>
-            <a:r>
-              <a:rPr kumimoji="0" lang="es-ES" altLang="es-ES" sz="1600" b="0" i="0" u="none" strike="noStrike" cap="none" normalizeH="0" baseline="0" dirty="0">
-                <a:ln>
-                  <a:noFill/>
-                </a:ln>
-                <a:solidFill>
-                  <a:srgbClr val="A9B7C6"/>
-                </a:solidFill>
-                <a:effectLst/>
-                <a:latin typeface="Courier New" panose="02070309020205020404" pitchFamily="49" charset="0"/>
-                <a:cs typeface="Courier New" panose="02070309020205020404" pitchFamily="49" charset="0"/>
-              </a:rPr>
-              <a:t> = </a:t>
-            </a:r>
-            <a:r>
-              <a:rPr kumimoji="0" lang="es-ES" altLang="es-ES" sz="1600" b="0" i="0" u="none" strike="noStrike" cap="none" normalizeH="0" baseline="0" dirty="0" err="1">
-                <a:ln>
-                  <a:noFill/>
-                </a:ln>
-                <a:solidFill>
-                  <a:srgbClr val="A9B7C6"/>
-                </a:solidFill>
-                <a:effectLst/>
-                <a:latin typeface="Courier New" panose="02070309020205020404" pitchFamily="49" charset="0"/>
-                <a:cs typeface="Courier New" panose="02070309020205020404" pitchFamily="49" charset="0"/>
-              </a:rPr>
-              <a:t>Packet</a:t>
-            </a:r>
-            <a:r>
-              <a:rPr kumimoji="0" lang="es-ES" altLang="es-ES" sz="1600" b="0" i="0" u="none" strike="noStrike" cap="none" normalizeH="0" baseline="0" dirty="0">
-                <a:ln>
-                  <a:noFill/>
-                </a:ln>
-                <a:solidFill>
-                  <a:srgbClr val="A9B7C6"/>
-                </a:solidFill>
-                <a:effectLst/>
-                <a:latin typeface="Courier New" panose="02070309020205020404" pitchFamily="49" charset="0"/>
-                <a:cs typeface="Courier New" panose="02070309020205020404" pitchFamily="49" charset="0"/>
-              </a:rPr>
-              <a:t>(</a:t>
-            </a:r>
-            <a:r>
-              <a:rPr kumimoji="0" lang="es-ES" altLang="es-ES" sz="1600" b="0" i="0" u="none" strike="noStrike" cap="none" normalizeH="0" baseline="0" dirty="0" err="1">
-                <a:ln>
-                  <a:noFill/>
-                </a:ln>
-                <a:solidFill>
-                  <a:srgbClr val="A9B7C6"/>
-                </a:solidFill>
-                <a:effectLst/>
-                <a:latin typeface="Courier New" panose="02070309020205020404" pitchFamily="49" charset="0"/>
-                <a:cs typeface="Courier New" panose="02070309020205020404" pitchFamily="49" charset="0"/>
-              </a:rPr>
-              <a:t>cons.ADD_CHANNEL</a:t>
-            </a:r>
-            <a:r>
-              <a:rPr kumimoji="0" lang="es-ES" altLang="es-ES" sz="1600" b="0" i="0" u="none" strike="noStrike" cap="none" normalizeH="0" baseline="0" dirty="0">
-                <a:ln>
-                  <a:noFill/>
-                </a:ln>
-                <a:solidFill>
-                  <a:srgbClr val="CC7832"/>
-                </a:solidFill>
-                <a:effectLst/>
-                <a:latin typeface="Courier New" panose="02070309020205020404" pitchFamily="49" charset="0"/>
-                <a:cs typeface="Courier New" panose="02070309020205020404" pitchFamily="49" charset="0"/>
-              </a:rPr>
-              <a:t>, </a:t>
-            </a:r>
-            <a:r>
-              <a:rPr kumimoji="0" lang="es-ES" altLang="es-ES" sz="1600" b="0" i="0" u="none" strike="noStrike" cap="none" normalizeH="0" baseline="0" dirty="0" err="1">
-                <a:ln>
-                  <a:noFill/>
-                </a:ln>
-                <a:solidFill>
-                  <a:srgbClr val="A9B7C6"/>
-                </a:solidFill>
-                <a:effectLst/>
-                <a:latin typeface="Courier New" panose="02070309020205020404" pitchFamily="49" charset="0"/>
-                <a:cs typeface="Courier New" panose="02070309020205020404" pitchFamily="49" charset="0"/>
-              </a:rPr>
-              <a:t>id_channel</a:t>
-            </a:r>
-            <a:r>
-              <a:rPr kumimoji="0" lang="es-ES" altLang="es-ES" sz="1600" b="0" i="0" u="none" strike="noStrike" cap="none" normalizeH="0" baseline="0" dirty="0">
-                <a:ln>
-                  <a:noFill/>
-                </a:ln>
-                <a:solidFill>
-                  <a:srgbClr val="A9B7C6"/>
-                </a:solidFill>
-                <a:effectLst/>
-                <a:latin typeface="Courier New" panose="02070309020205020404" pitchFamily="49" charset="0"/>
-                <a:cs typeface="Courier New" panose="02070309020205020404" pitchFamily="49" charset="0"/>
-              </a:rPr>
-              <a:t>)</a:t>
-            </a:r>
-            <a:br>
-              <a:rPr kumimoji="0" lang="es-ES" altLang="es-ES" sz="1600" b="0" i="0" u="none" strike="noStrike" cap="none" normalizeH="0" baseline="0" dirty="0">
-                <a:ln>
-                  <a:noFill/>
-                </a:ln>
-                <a:solidFill>
-                  <a:srgbClr val="A9B7C6"/>
-                </a:solidFill>
-                <a:effectLst/>
-                <a:latin typeface="Courier New" panose="02070309020205020404" pitchFamily="49" charset="0"/>
-                <a:cs typeface="Courier New" panose="02070309020205020404" pitchFamily="49" charset="0"/>
-              </a:rPr>
-            </a:br>
-            <a:r>
-              <a:rPr kumimoji="0" lang="es-ES" altLang="es-ES" sz="1600" b="0" i="0" u="none" strike="noStrike" cap="none" normalizeH="0" baseline="0" dirty="0">
-                <a:ln>
-                  <a:noFill/>
-                </a:ln>
-                <a:solidFill>
-                  <a:srgbClr val="A9B7C6"/>
-                </a:solidFill>
-                <a:effectLst/>
-                <a:latin typeface="Courier New" panose="02070309020205020404" pitchFamily="49" charset="0"/>
-                <a:cs typeface="Courier New" panose="02070309020205020404" pitchFamily="49" charset="0"/>
-              </a:rPr>
-              <a:t>      </a:t>
-            </a:r>
-            <a:r>
-              <a:rPr kumimoji="0" lang="es-ES" altLang="es-ES" sz="1600" b="0" i="0" u="none" strike="noStrike" cap="none" normalizeH="0" baseline="0" dirty="0" err="1">
-                <a:ln>
-                  <a:noFill/>
-                </a:ln>
-                <a:solidFill>
-                  <a:srgbClr val="A9B7C6"/>
-                </a:solidFill>
-                <a:effectLst/>
-                <a:latin typeface="Courier New" panose="02070309020205020404" pitchFamily="49" charset="0"/>
-                <a:cs typeface="Courier New" panose="02070309020205020404" pitchFamily="49" charset="0"/>
-              </a:rPr>
-              <a:t>self.queue_to_cli.put</a:t>
-            </a:r>
-            <a:r>
-              <a:rPr kumimoji="0" lang="es-ES" altLang="es-ES" sz="1600" b="0" i="0" u="none" strike="noStrike" cap="none" normalizeH="0" baseline="0" dirty="0">
-                <a:ln>
-                  <a:noFill/>
-                </a:ln>
-                <a:solidFill>
-                  <a:srgbClr val="A9B7C6"/>
-                </a:solidFill>
-                <a:effectLst/>
-                <a:latin typeface="Courier New" panose="02070309020205020404" pitchFamily="49" charset="0"/>
-                <a:cs typeface="Courier New" panose="02070309020205020404" pitchFamily="49" charset="0"/>
-              </a:rPr>
-              <a:t>(</a:t>
-            </a:r>
-            <a:r>
-              <a:rPr kumimoji="0" lang="es-ES" altLang="es-ES" sz="1600" b="0" i="0" u="none" strike="noStrike" cap="none" normalizeH="0" baseline="0" dirty="0" err="1">
-                <a:ln>
-                  <a:noFill/>
-                </a:ln>
-                <a:solidFill>
-                  <a:srgbClr val="A9B7C6"/>
-                </a:solidFill>
-                <a:effectLst/>
-                <a:latin typeface="Courier New" panose="02070309020205020404" pitchFamily="49" charset="0"/>
-                <a:cs typeface="Courier New" panose="02070309020205020404" pitchFamily="49" charset="0"/>
-              </a:rPr>
-              <a:t>request</a:t>
-            </a:r>
-            <a:r>
-              <a:rPr kumimoji="0" lang="es-ES" altLang="es-ES" sz="1600" b="0" i="0" u="none" strike="noStrike" cap="none" normalizeH="0" baseline="0" dirty="0">
-                <a:ln>
-                  <a:noFill/>
-                </a:ln>
-                <a:solidFill>
-                  <a:srgbClr val="A9B7C6"/>
-                </a:solidFill>
-                <a:effectLst/>
-                <a:latin typeface="Courier New" panose="02070309020205020404" pitchFamily="49" charset="0"/>
-                <a:cs typeface="Courier New" panose="02070309020205020404" pitchFamily="49" charset="0"/>
-              </a:rPr>
-              <a:t>)</a:t>
+              <a:t>key</a:t>
+            </a:r>
+            <a:r>
+              <a:rPr kumimoji="0" lang="es-ES" altLang="es-ES" sz="1600" b="0" i="0" u="none" strike="noStrike" cap="none" normalizeH="0" baseline="0" dirty="0">
+                <a:ln>
+                  <a:noFill/>
+                </a:ln>
+                <a:solidFill>
+                  <a:srgbClr val="A9B7C6"/>
+                </a:solidFill>
+                <a:effectLst/>
+                <a:latin typeface="Courier New" panose="02070309020205020404" pitchFamily="49" charset="0"/>
+                <a:cs typeface="Courier New" panose="02070309020205020404" pitchFamily="49" charset="0"/>
+              </a:rPr>
+              <a:t>))))</a:t>
             </a:r>
             <a:br>
               <a:rPr kumimoji="0" lang="es-ES" altLang="es-ES" sz="1600" b="0" i="0" u="none" strike="noStrike" cap="none" normalizeH="0" baseline="0" dirty="0">
@@ -11198,13 +11314,55 @@
                   <a:noFill/>
                 </a:ln>
                 <a:solidFill>
+                  <a:srgbClr val="A9B7C6"/>
+                </a:solidFill>
+                <a:effectLst/>
+                <a:latin typeface="Courier New" panose="02070309020205020404" pitchFamily="49" charset="0"/>
+                <a:cs typeface="Courier New" panose="02070309020205020404" pitchFamily="49" charset="0"/>
+              </a:rPr>
+              <a:t>bot.send_message</a:t>
+            </a:r>
+            <a:r>
+              <a:rPr kumimoji="0" lang="es-ES" altLang="es-ES" sz="1600" b="0" i="0" u="none" strike="noStrike" cap="none" normalizeH="0" baseline="0" dirty="0">
+                <a:ln>
+                  <a:noFill/>
+                </a:ln>
+                <a:solidFill>
+                  <a:srgbClr val="A9B7C6"/>
+                </a:solidFill>
+                <a:effectLst/>
+                <a:latin typeface="Courier New" panose="02070309020205020404" pitchFamily="49" charset="0"/>
+                <a:cs typeface="Courier New" panose="02070309020205020404" pitchFamily="49" charset="0"/>
+              </a:rPr>
+              <a:t>(msg.chat.id</a:t>
+            </a:r>
+            <a:r>
+              <a:rPr kumimoji="0" lang="es-ES" altLang="es-ES" sz="1600" b="0" i="0" u="none" strike="noStrike" cap="none" normalizeH="0" baseline="0" dirty="0">
+                <a:ln>
+                  <a:noFill/>
+                </a:ln>
+                <a:solidFill>
                   <a:srgbClr val="CC7832"/>
                 </a:solidFill>
                 <a:effectLst/>
                 <a:latin typeface="Courier New" panose="02070309020205020404" pitchFamily="49" charset="0"/>
                 <a:cs typeface="Courier New" panose="02070309020205020404" pitchFamily="49" charset="0"/>
               </a:rPr>
-              <a:t>except</a:t>
+              <a:t>, </a:t>
+            </a:r>
+            <a:r>
+              <a:rPr kumimoji="0" lang="es-ES" altLang="es-ES" sz="1600" b="0" i="0" u="none" strike="noStrike" cap="none" normalizeH="0" baseline="0" dirty="0">
+                <a:ln>
+                  <a:noFill/>
+                </a:ln>
+                <a:solidFill>
+                  <a:srgbClr val="6A8759"/>
+                </a:solidFill>
+                <a:effectLst/>
+                <a:latin typeface="Courier New" panose="02070309020205020404" pitchFamily="49" charset="0"/>
+                <a:cs typeface="Courier New" panose="02070309020205020404" pitchFamily="49" charset="0"/>
+              </a:rPr>
+              <a:t>"Elige la palabra a borrar"</a:t>
             </a:r>
             <a:r>
               <a:rPr kumimoji="0" lang="es-ES" altLang="es-ES" sz="1600" b="0" i="0" u="none" strike="noStrike" cap="none" normalizeH="0" baseline="0" dirty="0">
@@ -11218,7 +11376,7 @@
                 <a:latin typeface="Courier New" panose="02070309020205020404" pitchFamily="49" charset="0"/>
                 <a:cs typeface="Courier New" panose="02070309020205020404" pitchFamily="49" charset="0"/>
               </a:rPr>
-              <a:t> </a:t>
+              <a:t>, </a:t>
             </a:r>
             <a:r>
               <a:rPr kumimoji="0" lang="es-ES" altLang="es-ES" sz="1600" b="0" i="0" u="none" strike="noStrike" cap="none" normalizeH="0" baseline="0" dirty="0" err="1">
@@ -11226,82 +11384,27 @@
                   <a:noFill/>
                 </a:ln>
                 <a:solidFill>
-                  <a:srgbClr val="8888C6"/>
-                </a:solidFill>
-                <a:effectLst/>
-                <a:latin typeface="Courier New" panose="02070309020205020404" pitchFamily="49" charset="0"/>
-                <a:cs typeface="Courier New" panose="02070309020205020404" pitchFamily="49" charset="0"/>
-              </a:rPr>
-              <a:t>Exception</a:t>
-            </a:r>
-            <a:r>
-              <a:rPr kumimoji="0" lang="es-ES" altLang="es-ES" sz="1600" b="0" i="0" u="none" strike="noStrike" cap="none" normalizeH="0" baseline="0" dirty="0">
-                <a:ln>
-                  <a:noFill/>
-                </a:ln>
-                <a:solidFill>
-                  <a:srgbClr val="8888C6"/>
-                </a:solidFill>
-                <a:effectLst/>
-                <a:latin typeface="Courier New" panose="02070309020205020404" pitchFamily="49" charset="0"/>
-                <a:cs typeface="Courier New" panose="02070309020205020404" pitchFamily="49" charset="0"/>
-              </a:rPr>
-              <a:t> </a:t>
-            </a:r>
-            <a:r>
-              <a:rPr kumimoji="0" lang="es-ES" altLang="es-ES" sz="1600" b="0" i="0" u="none" strike="noStrike" cap="none" normalizeH="0" baseline="0" dirty="0">
-                <a:ln>
-                  <a:noFill/>
-                </a:ln>
-                <a:solidFill>
-                  <a:srgbClr val="CC7832"/>
-                </a:solidFill>
-                <a:effectLst/>
-                <a:latin typeface="Courier New" panose="02070309020205020404" pitchFamily="49" charset="0"/>
-                <a:cs typeface="Courier New" panose="02070309020205020404" pitchFamily="49" charset="0"/>
-              </a:rPr>
-              <a:t>as </a:t>
-            </a:r>
-            <a:r>
-              <a:rPr kumimoji="0" lang="es-ES" altLang="es-ES" sz="1600" b="0" i="0" u="none" strike="noStrike" cap="none" normalizeH="0" baseline="0" dirty="0">
-                <a:ln>
-                  <a:noFill/>
-                </a:ln>
-                <a:solidFill>
-                  <a:srgbClr val="A9B7C6"/>
-                </a:solidFill>
-                <a:effectLst/>
-                <a:latin typeface="Courier New" panose="02070309020205020404" pitchFamily="49" charset="0"/>
-                <a:cs typeface="Courier New" panose="02070309020205020404" pitchFamily="49" charset="0"/>
-              </a:rPr>
-              <a:t>e:</a:t>
-            </a:r>
-            <a:br>
-              <a:rPr kumimoji="0" lang="es-ES" altLang="es-ES" sz="1600" b="0" i="0" u="none" strike="noStrike" cap="none" normalizeH="0" baseline="0" dirty="0">
-                <a:ln>
-                  <a:noFill/>
-                </a:ln>
-                <a:solidFill>
-                  <a:srgbClr val="A9B7C6"/>
-                </a:solidFill>
-                <a:effectLst/>
-                <a:latin typeface="Courier New" panose="02070309020205020404" pitchFamily="49" charset="0"/>
-                <a:cs typeface="Courier New" panose="02070309020205020404" pitchFamily="49" charset="0"/>
-              </a:rPr>
-            </a:br>
-            <a:r>
-              <a:rPr kumimoji="0" lang="es-ES" altLang="es-ES" sz="1600" b="0" i="0" u="none" strike="noStrike" cap="none" normalizeH="0" baseline="0" dirty="0">
-                <a:ln>
-                  <a:noFill/>
-                </a:ln>
-                <a:solidFill>
-                  <a:srgbClr val="A9B7C6"/>
-                </a:solidFill>
-                <a:effectLst/>
-                <a:latin typeface="Courier New" panose="02070309020205020404" pitchFamily="49" charset="0"/>
-                <a:cs typeface="Courier New" panose="02070309020205020404" pitchFamily="49" charset="0"/>
-              </a:rPr>
-              <a:t>      </a:t>
+                  <a:srgbClr val="AA4926"/>
+                </a:solidFill>
+                <a:effectLst/>
+                <a:latin typeface="Courier New" panose="02070309020205020404" pitchFamily="49" charset="0"/>
+                <a:cs typeface="Courier New" panose="02070309020205020404" pitchFamily="49" charset="0"/>
+              </a:rPr>
+              <a:t>reply_markup</a:t>
+            </a:r>
+            <a:r>
+              <a:rPr kumimoji="0" lang="es-ES" altLang="es-ES" sz="1600" b="0" i="0" u="none" strike="noStrike" cap="none" normalizeH="0" baseline="0" dirty="0">
+                <a:ln>
+                  <a:noFill/>
+                </a:ln>
+                <a:solidFill>
+                  <a:srgbClr val="A9B7C6"/>
+                </a:solidFill>
+                <a:effectLst/>
+                <a:latin typeface="Courier New" panose="02070309020205020404" pitchFamily="49" charset="0"/>
+                <a:cs typeface="Courier New" panose="02070309020205020404" pitchFamily="49" charset="0"/>
+              </a:rPr>
+              <a:t>=</a:t>
             </a:r>
             <a:r>
               <a:rPr kumimoji="0" lang="es-ES" altLang="es-ES" sz="1600" b="0" i="0" u="none" strike="noStrike" cap="none" normalizeH="0" baseline="0" dirty="0" err="1">
@@ -11309,55 +11412,27 @@
                   <a:noFill/>
                 </a:ln>
                 <a:solidFill>
-                  <a:srgbClr val="8888C6"/>
-                </a:solidFill>
-                <a:effectLst/>
-                <a:latin typeface="Courier New" panose="02070309020205020404" pitchFamily="49" charset="0"/>
-                <a:cs typeface="Courier New" panose="02070309020205020404" pitchFamily="49" charset="0"/>
-              </a:rPr>
-              <a:t>print</a:t>
-            </a:r>
-            <a:r>
-              <a:rPr kumimoji="0" lang="es-ES" altLang="es-ES" sz="1600" b="0" i="0" u="none" strike="noStrike" cap="none" normalizeH="0" baseline="0" dirty="0">
-                <a:ln>
-                  <a:noFill/>
-                </a:ln>
-                <a:solidFill>
-                  <a:srgbClr val="A9B7C6"/>
-                </a:solidFill>
-                <a:effectLst/>
-                <a:latin typeface="Courier New" panose="02070309020205020404" pitchFamily="49" charset="0"/>
-                <a:cs typeface="Courier New" panose="02070309020205020404" pitchFamily="49" charset="0"/>
-              </a:rPr>
-              <a:t>(</a:t>
-            </a:r>
-            <a:r>
-              <a:rPr kumimoji="0" lang="es-ES" altLang="es-ES" sz="1600" b="0" i="0" u="none" strike="noStrike" cap="none" normalizeH="0" baseline="0" dirty="0" err="1">
-                <a:ln>
-                  <a:noFill/>
-                </a:ln>
-                <a:solidFill>
-                  <a:srgbClr val="A9B7C6"/>
-                </a:solidFill>
-                <a:effectLst/>
-                <a:latin typeface="Courier New" panose="02070309020205020404" pitchFamily="49" charset="0"/>
-                <a:cs typeface="Courier New" panose="02070309020205020404" pitchFamily="49" charset="0"/>
-              </a:rPr>
-              <a:t>traceback.format_exc</a:t>
-            </a:r>
-            <a:r>
-              <a:rPr kumimoji="0" lang="es-ES" altLang="es-ES" sz="1600" b="0" i="0" u="none" strike="noStrike" cap="none" normalizeH="0" baseline="0" dirty="0">
-                <a:ln>
-                  <a:noFill/>
-                </a:ln>
-                <a:solidFill>
-                  <a:srgbClr val="A9B7C6"/>
-                </a:solidFill>
-                <a:effectLst/>
-                <a:latin typeface="Courier New" panose="02070309020205020404" pitchFamily="49" charset="0"/>
-                <a:cs typeface="Courier New" panose="02070309020205020404" pitchFamily="49" charset="0"/>
-              </a:rPr>
-              <a:t>())</a:t>
+                  <a:srgbClr val="A9B7C6"/>
+                </a:solidFill>
+                <a:effectLst/>
+                <a:latin typeface="Courier New" panose="02070309020205020404" pitchFamily="49" charset="0"/>
+                <a:cs typeface="Courier New" panose="02070309020205020404" pitchFamily="49" charset="0"/>
+              </a:rPr>
+              <a:t>markup</a:t>
+            </a:r>
+            <a:r>
+              <a:rPr kumimoji="0" lang="es-ES" altLang="es-ES" sz="1600" b="0" i="0" u="none" strike="noStrike" cap="none" normalizeH="0" baseline="0" dirty="0">
+                <a:ln>
+                  <a:noFill/>
+                </a:ln>
+                <a:solidFill>
+                  <a:srgbClr val="A9B7C6"/>
+                </a:solidFill>
+                <a:effectLst/>
+                <a:latin typeface="Courier New" panose="02070309020205020404" pitchFamily="49" charset="0"/>
+                <a:cs typeface="Courier New" panose="02070309020205020404" pitchFamily="49" charset="0"/>
+              </a:rPr>
+              <a:t>)</a:t>
             </a:r>
             <a:endParaRPr kumimoji="0" lang="es-ES" altLang="es-ES" sz="3600" b="0" i="0" u="none" strike="noStrike" cap="none" normalizeH="0" baseline="0" dirty="0">
               <a:ln>
@@ -11375,7 +11450,7 @@
     </p:spTree>
     <p:extLst>
       <p:ext uri="{BB962C8B-B14F-4D97-AF65-F5344CB8AC3E}">
-        <p14:creationId xmlns:p14="http://schemas.microsoft.com/office/powerpoint/2010/main" val="2891953511"/>
+        <p14:creationId xmlns:p14="http://schemas.microsoft.com/office/powerpoint/2010/main" val="3929098842"/>
       </p:ext>
     </p:extLst>
   </p:cSld>
@@ -11562,1044 +11637,6 @@
       </p:sp>
       <p:sp>
         <p:nvSpPr>
-          <p:cNvPr id="6" name="Rectangle 1">
-            <a:extLst>
-              <a:ext uri="{FF2B5EF4-FFF2-40B4-BE49-F238E27FC236}">
-                <a16:creationId xmlns:a16="http://schemas.microsoft.com/office/drawing/2014/main" id="{8EB076A6-15C9-4E68-AC87-FDF958EB17F9}"/>
-              </a:ext>
-            </a:extLst>
-          </p:cNvPr>
-          <p:cNvSpPr>
-            <a:spLocks noGrp="1" noChangeArrowheads="1"/>
-          </p:cNvSpPr>
-          <p:nvPr>
-            <p:ph idx="1"/>
-          </p:nvPr>
-        </p:nvSpPr>
-        <p:spPr bwMode="auto">
-          <a:xfrm>
-            <a:off x="942987" y="2634329"/>
-            <a:ext cx="10306026" cy="2554545"/>
-          </a:xfrm>
-          <a:prstGeom prst="rect">
-            <a:avLst/>
-          </a:prstGeom>
-          <a:solidFill>
-            <a:srgbClr val="2B2B2B"/>
-          </a:solidFill>
-          <a:ln>
-            <a:noFill/>
-          </a:ln>
-          <a:effectLst/>
-          <a:extLst>
-            <a:ext uri="{91240B29-F687-4F45-9708-019B960494DF}">
-              <a14:hiddenLine xmlns:a14="http://schemas.microsoft.com/office/drawing/2010/main" w="9525">
-                <a:solidFill>
-                  <a:schemeClr val="tx1"/>
-                </a:solidFill>
-                <a:miter lim="800000"/>
-                <a:headEnd/>
-                <a:tailEnd/>
-              </a14:hiddenLine>
-            </a:ext>
-            <a:ext uri="{AF507438-7753-43E0-B8FC-AC1667EBCBE1}">
-              <a14:hiddenEffects xmlns:a14="http://schemas.microsoft.com/office/drawing/2010/main">
-                <a:effectLst>
-                  <a:outerShdw dist="35921" dir="2700000" algn="ctr" rotWithShape="0">
-                    <a:schemeClr val="bg2"/>
-                  </a:outerShdw>
-                </a:effectLst>
-              </a14:hiddenEffects>
-            </a:ext>
-          </a:extLst>
-        </p:spPr>
-        <p:txBody>
-          <a:bodyPr vert="horz" wrap="none" lIns="91440" tIns="45720" rIns="91440" bIns="45720" numCol="1" anchor="ctr" anchorCtr="0" compatLnSpc="1">
-            <a:prstTxWarp prst="textNoShape">
-              <a:avLst/>
-            </a:prstTxWarp>
-            <a:spAutoFit/>
-          </a:bodyPr>
-          <a:lstStyle/>
-          <a:p>
-            <a:pPr marL="0" marR="0" lvl="0" indent="0" algn="l" defTabSz="914400" rtl="0" eaLnBrk="0" fontAlgn="base" latinLnBrk="0" hangingPunct="0">
-              <a:lnSpc>
-                <a:spcPct val="100000"/>
-              </a:lnSpc>
-              <a:spcBef>
-                <a:spcPct val="0"/>
-              </a:spcBef>
-              <a:spcAft>
-                <a:spcPct val="0"/>
-              </a:spcAft>
-              <a:buClrTx/>
-              <a:buSzTx/>
-              <a:buFontTx/>
-              <a:buNone/>
-              <a:tabLst/>
-            </a:pPr>
-            <a:r>
-              <a:rPr kumimoji="0" lang="es-ES" altLang="es-ES" sz="1600" b="0" i="0" u="none" strike="noStrike" cap="none" normalizeH="0" baseline="0" dirty="0">
-                <a:ln>
-                  <a:noFill/>
-                </a:ln>
-                <a:solidFill>
-                  <a:srgbClr val="BBB529"/>
-                </a:solidFill>
-                <a:effectLst/>
-                <a:latin typeface="Courier New" panose="02070309020205020404" pitchFamily="49" charset="0"/>
-                <a:cs typeface="Courier New" panose="02070309020205020404" pitchFamily="49" charset="0"/>
-              </a:rPr>
-              <a:t>@</a:t>
-            </a:r>
-            <a:r>
-              <a:rPr kumimoji="0" lang="es-ES" altLang="es-ES" sz="1600" b="0" i="0" u="none" strike="noStrike" cap="none" normalizeH="0" baseline="0" dirty="0" err="1">
-                <a:ln>
-                  <a:noFill/>
-                </a:ln>
-                <a:solidFill>
-                  <a:srgbClr val="BBB529"/>
-                </a:solidFill>
-                <a:effectLst/>
-                <a:latin typeface="Courier New" panose="02070309020205020404" pitchFamily="49" charset="0"/>
-                <a:cs typeface="Courier New" panose="02070309020205020404" pitchFamily="49" charset="0"/>
-              </a:rPr>
-              <a:t>bot.message_handler</a:t>
-            </a:r>
-            <a:r>
-              <a:rPr kumimoji="0" lang="es-ES" altLang="es-ES" sz="1600" b="0" i="0" u="none" strike="noStrike" cap="none" normalizeH="0" baseline="0" dirty="0">
-                <a:ln>
-                  <a:noFill/>
-                </a:ln>
-                <a:solidFill>
-                  <a:srgbClr val="A9B7C6"/>
-                </a:solidFill>
-                <a:effectLst/>
-                <a:latin typeface="Courier New" panose="02070309020205020404" pitchFamily="49" charset="0"/>
-                <a:cs typeface="Courier New" panose="02070309020205020404" pitchFamily="49" charset="0"/>
-              </a:rPr>
-              <a:t>(</a:t>
-            </a:r>
-            <a:r>
-              <a:rPr kumimoji="0" lang="es-ES" altLang="es-ES" sz="1600" b="0" i="0" u="none" strike="noStrike" cap="none" normalizeH="0" baseline="0" dirty="0" err="1">
-                <a:ln>
-                  <a:noFill/>
-                </a:ln>
-                <a:solidFill>
-                  <a:srgbClr val="AA4926"/>
-                </a:solidFill>
-                <a:effectLst/>
-                <a:latin typeface="Courier New" panose="02070309020205020404" pitchFamily="49" charset="0"/>
-                <a:cs typeface="Courier New" panose="02070309020205020404" pitchFamily="49" charset="0"/>
-              </a:rPr>
-              <a:t>commands</a:t>
-            </a:r>
-            <a:r>
-              <a:rPr kumimoji="0" lang="es-ES" altLang="es-ES" sz="1600" b="0" i="0" u="none" strike="noStrike" cap="none" normalizeH="0" baseline="0" dirty="0">
-                <a:ln>
-                  <a:noFill/>
-                </a:ln>
-                <a:solidFill>
-                  <a:srgbClr val="A9B7C6"/>
-                </a:solidFill>
-                <a:effectLst/>
-                <a:latin typeface="Courier New" panose="02070309020205020404" pitchFamily="49" charset="0"/>
-                <a:cs typeface="Courier New" panose="02070309020205020404" pitchFamily="49" charset="0"/>
-              </a:rPr>
-              <a:t>=[</a:t>
-            </a:r>
-            <a:r>
-              <a:rPr kumimoji="0" lang="es-ES" altLang="es-ES" sz="1600" b="0" i="0" u="none" strike="noStrike" cap="none" normalizeH="0" baseline="0" dirty="0">
-                <a:ln>
-                  <a:noFill/>
-                </a:ln>
-                <a:solidFill>
-                  <a:srgbClr val="6A8759"/>
-                </a:solidFill>
-                <a:effectLst/>
-                <a:latin typeface="Courier New" panose="02070309020205020404" pitchFamily="49" charset="0"/>
-                <a:cs typeface="Courier New" panose="02070309020205020404" pitchFamily="49" charset="0"/>
-              </a:rPr>
-              <a:t>'</a:t>
-            </a:r>
-            <a:r>
-              <a:rPr kumimoji="0" lang="es-ES" altLang="es-ES" sz="1600" b="0" i="0" u="none" strike="noStrike" cap="none" normalizeH="0" baseline="0" dirty="0" err="1">
-                <a:ln>
-                  <a:noFill/>
-                </a:ln>
-                <a:solidFill>
-                  <a:srgbClr val="6A8759"/>
-                </a:solidFill>
-                <a:effectLst/>
-                <a:latin typeface="Courier New" panose="02070309020205020404" pitchFamily="49" charset="0"/>
-                <a:cs typeface="Courier New" panose="02070309020205020404" pitchFamily="49" charset="0"/>
-              </a:rPr>
-              <a:t>delete_keyword</a:t>
-            </a:r>
-            <a:r>
-              <a:rPr kumimoji="0" lang="es-ES" altLang="es-ES" sz="1600" b="0" i="0" u="none" strike="noStrike" cap="none" normalizeH="0" baseline="0" dirty="0">
-                <a:ln>
-                  <a:noFill/>
-                </a:ln>
-                <a:solidFill>
-                  <a:srgbClr val="6A8759"/>
-                </a:solidFill>
-                <a:effectLst/>
-                <a:latin typeface="Courier New" panose="02070309020205020404" pitchFamily="49" charset="0"/>
-                <a:cs typeface="Courier New" panose="02070309020205020404" pitchFamily="49" charset="0"/>
-              </a:rPr>
-              <a:t>'</a:t>
-            </a:r>
-            <a:r>
-              <a:rPr kumimoji="0" lang="es-ES" altLang="es-ES" sz="1600" b="0" i="0" u="none" strike="noStrike" cap="none" normalizeH="0" baseline="0" dirty="0">
-                <a:ln>
-                  <a:noFill/>
-                </a:ln>
-                <a:solidFill>
-                  <a:srgbClr val="A9B7C6"/>
-                </a:solidFill>
-                <a:effectLst/>
-                <a:latin typeface="Courier New" panose="02070309020205020404" pitchFamily="49" charset="0"/>
-                <a:cs typeface="Courier New" panose="02070309020205020404" pitchFamily="49" charset="0"/>
-              </a:rPr>
-              <a:t>])</a:t>
-            </a:r>
-            <a:br>
-              <a:rPr kumimoji="0" lang="es-ES" altLang="es-ES" sz="1600" b="0" i="0" u="none" strike="noStrike" cap="none" normalizeH="0" baseline="0" dirty="0">
-                <a:ln>
-                  <a:noFill/>
-                </a:ln>
-                <a:solidFill>
-                  <a:srgbClr val="A9B7C6"/>
-                </a:solidFill>
-                <a:effectLst/>
-                <a:latin typeface="Courier New" panose="02070309020205020404" pitchFamily="49" charset="0"/>
-                <a:cs typeface="Courier New" panose="02070309020205020404" pitchFamily="49" charset="0"/>
-              </a:rPr>
-            </a:br>
-            <a:r>
-              <a:rPr kumimoji="0" lang="es-ES" altLang="es-ES" sz="1600" b="0" i="0" u="none" strike="noStrike" cap="none" normalizeH="0" baseline="0" dirty="0" err="1">
-                <a:ln>
-                  <a:noFill/>
-                </a:ln>
-                <a:solidFill>
-                  <a:srgbClr val="CC7832"/>
-                </a:solidFill>
-                <a:effectLst/>
-                <a:latin typeface="Courier New" panose="02070309020205020404" pitchFamily="49" charset="0"/>
-                <a:cs typeface="Courier New" panose="02070309020205020404" pitchFamily="49" charset="0"/>
-              </a:rPr>
-              <a:t>def</a:t>
-            </a:r>
-            <a:r>
-              <a:rPr kumimoji="0" lang="es-ES" altLang="es-ES" sz="1600" b="0" i="0" u="none" strike="noStrike" cap="none" normalizeH="0" baseline="0" dirty="0">
-                <a:ln>
-                  <a:noFill/>
-                </a:ln>
-                <a:solidFill>
-                  <a:srgbClr val="CC7832"/>
-                </a:solidFill>
-                <a:effectLst/>
-                <a:latin typeface="Courier New" panose="02070309020205020404" pitchFamily="49" charset="0"/>
-                <a:cs typeface="Courier New" panose="02070309020205020404" pitchFamily="49" charset="0"/>
-              </a:rPr>
-              <a:t> </a:t>
-            </a:r>
-            <a:r>
-              <a:rPr kumimoji="0" lang="es-ES" altLang="es-ES" sz="1600" b="0" i="0" u="none" strike="noStrike" cap="none" normalizeH="0" baseline="0" dirty="0" err="1">
-                <a:ln>
-                  <a:noFill/>
-                </a:ln>
-                <a:solidFill>
-                  <a:srgbClr val="FFC66D"/>
-                </a:solidFill>
-                <a:effectLst/>
-                <a:latin typeface="Courier New" panose="02070309020205020404" pitchFamily="49" charset="0"/>
-                <a:cs typeface="Courier New" panose="02070309020205020404" pitchFamily="49" charset="0"/>
-              </a:rPr>
-              <a:t>delete_keyword</a:t>
-            </a:r>
-            <a:r>
-              <a:rPr kumimoji="0" lang="es-ES" altLang="es-ES" sz="1600" b="0" i="0" u="none" strike="noStrike" cap="none" normalizeH="0" baseline="0" dirty="0">
-                <a:ln>
-                  <a:noFill/>
-                </a:ln>
-                <a:solidFill>
-                  <a:srgbClr val="A9B7C6"/>
-                </a:solidFill>
-                <a:effectLst/>
-                <a:latin typeface="Courier New" panose="02070309020205020404" pitchFamily="49" charset="0"/>
-                <a:cs typeface="Courier New" panose="02070309020205020404" pitchFamily="49" charset="0"/>
-              </a:rPr>
-              <a:t>(</a:t>
-            </a:r>
-            <a:r>
-              <a:rPr kumimoji="0" lang="es-ES" altLang="es-ES" sz="1600" b="0" i="0" u="none" strike="noStrike" cap="none" normalizeH="0" baseline="0" dirty="0" err="1">
-                <a:ln>
-                  <a:noFill/>
-                </a:ln>
-                <a:solidFill>
-                  <a:srgbClr val="A9B7C6"/>
-                </a:solidFill>
-                <a:effectLst/>
-                <a:latin typeface="Courier New" panose="02070309020205020404" pitchFamily="49" charset="0"/>
-                <a:cs typeface="Courier New" panose="02070309020205020404" pitchFamily="49" charset="0"/>
-              </a:rPr>
-              <a:t>msg</a:t>
-            </a:r>
-            <a:r>
-              <a:rPr kumimoji="0" lang="es-ES" altLang="es-ES" sz="1600" b="0" i="0" u="none" strike="noStrike" cap="none" normalizeH="0" baseline="0" dirty="0">
-                <a:ln>
-                  <a:noFill/>
-                </a:ln>
-                <a:solidFill>
-                  <a:srgbClr val="A9B7C6"/>
-                </a:solidFill>
-                <a:effectLst/>
-                <a:latin typeface="Courier New" panose="02070309020205020404" pitchFamily="49" charset="0"/>
-                <a:cs typeface="Courier New" panose="02070309020205020404" pitchFamily="49" charset="0"/>
-              </a:rPr>
-              <a:t>):</a:t>
-            </a:r>
-            <a:br>
-              <a:rPr kumimoji="0" lang="es-ES" altLang="es-ES" sz="1600" b="0" i="0" u="none" strike="noStrike" cap="none" normalizeH="0" baseline="0" dirty="0">
-                <a:ln>
-                  <a:noFill/>
-                </a:ln>
-                <a:solidFill>
-                  <a:srgbClr val="CC7832"/>
-                </a:solidFill>
-                <a:effectLst/>
-                <a:latin typeface="Courier New" panose="02070309020205020404" pitchFamily="49" charset="0"/>
-                <a:cs typeface="Courier New" panose="02070309020205020404" pitchFamily="49" charset="0"/>
-              </a:rPr>
-            </a:br>
-            <a:br>
-              <a:rPr kumimoji="0" lang="es-ES" altLang="es-ES" sz="1600" b="0" i="0" u="none" strike="noStrike" cap="none" normalizeH="0" baseline="0" dirty="0">
-                <a:ln>
-                  <a:noFill/>
-                </a:ln>
-                <a:solidFill>
-                  <a:srgbClr val="CC7832"/>
-                </a:solidFill>
-                <a:effectLst/>
-                <a:latin typeface="Courier New" panose="02070309020205020404" pitchFamily="49" charset="0"/>
-                <a:cs typeface="Courier New" panose="02070309020205020404" pitchFamily="49" charset="0"/>
-              </a:rPr>
-            </a:br>
-            <a:r>
-              <a:rPr kumimoji="0" lang="es-ES" altLang="es-ES" sz="1600" b="0" i="0" u="none" strike="noStrike" cap="none" normalizeH="0" baseline="0" dirty="0">
-                <a:ln>
-                  <a:noFill/>
-                </a:ln>
-                <a:solidFill>
-                  <a:srgbClr val="CC7832"/>
-                </a:solidFill>
-                <a:effectLst/>
-                <a:latin typeface="Courier New" panose="02070309020205020404" pitchFamily="49" charset="0"/>
-                <a:cs typeface="Courier New" panose="02070309020205020404" pitchFamily="49" charset="0"/>
-              </a:rPr>
-              <a:t>   </a:t>
-            </a:r>
-            <a:r>
-              <a:rPr kumimoji="0" lang="es-ES" altLang="es-ES" sz="1600" b="0" i="0" u="none" strike="noStrike" cap="none" normalizeH="0" baseline="0" dirty="0" err="1">
-                <a:ln>
-                  <a:noFill/>
-                </a:ln>
-                <a:solidFill>
-                  <a:srgbClr val="A9B7C6"/>
-                </a:solidFill>
-                <a:effectLst/>
-                <a:latin typeface="Courier New" panose="02070309020205020404" pitchFamily="49" charset="0"/>
-                <a:cs typeface="Courier New" panose="02070309020205020404" pitchFamily="49" charset="0"/>
-              </a:rPr>
-              <a:t>markup</a:t>
-            </a:r>
-            <a:r>
-              <a:rPr kumimoji="0" lang="es-ES" altLang="es-ES" sz="1600" b="0" i="0" u="none" strike="noStrike" cap="none" normalizeH="0" baseline="0" dirty="0">
-                <a:ln>
-                  <a:noFill/>
-                </a:ln>
-                <a:solidFill>
-                  <a:srgbClr val="A9B7C6"/>
-                </a:solidFill>
-                <a:effectLst/>
-                <a:latin typeface="Courier New" panose="02070309020205020404" pitchFamily="49" charset="0"/>
-                <a:cs typeface="Courier New" panose="02070309020205020404" pitchFamily="49" charset="0"/>
-              </a:rPr>
-              <a:t> = </a:t>
-            </a:r>
-            <a:r>
-              <a:rPr kumimoji="0" lang="es-ES" altLang="es-ES" sz="1600" b="0" i="0" u="none" strike="noStrike" cap="none" normalizeH="0" baseline="0" dirty="0" err="1">
-                <a:ln>
-                  <a:noFill/>
-                </a:ln>
-                <a:solidFill>
-                  <a:srgbClr val="A9B7C6"/>
-                </a:solidFill>
-                <a:effectLst/>
-                <a:latin typeface="Courier New" panose="02070309020205020404" pitchFamily="49" charset="0"/>
-                <a:cs typeface="Courier New" panose="02070309020205020404" pitchFamily="49" charset="0"/>
-              </a:rPr>
-              <a:t>InlineKeyboardMarkup</a:t>
-            </a:r>
-            <a:r>
-              <a:rPr kumimoji="0" lang="es-ES" altLang="es-ES" sz="1600" b="0" i="0" u="none" strike="noStrike" cap="none" normalizeH="0" baseline="0" dirty="0">
-                <a:ln>
-                  <a:noFill/>
-                </a:ln>
-                <a:solidFill>
-                  <a:srgbClr val="A9B7C6"/>
-                </a:solidFill>
-                <a:effectLst/>
-                <a:latin typeface="Courier New" panose="02070309020205020404" pitchFamily="49" charset="0"/>
-                <a:cs typeface="Courier New" panose="02070309020205020404" pitchFamily="49" charset="0"/>
-              </a:rPr>
-              <a:t>()</a:t>
-            </a:r>
-          </a:p>
-          <a:p>
-            <a:pPr marL="0" marR="0" lvl="0" indent="0" algn="l" defTabSz="914400" rtl="0" eaLnBrk="0" fontAlgn="base" latinLnBrk="0" hangingPunct="0">
-              <a:lnSpc>
-                <a:spcPct val="100000"/>
-              </a:lnSpc>
-              <a:spcBef>
-                <a:spcPct val="0"/>
-              </a:spcBef>
-              <a:spcAft>
-                <a:spcPct val="0"/>
-              </a:spcAft>
-              <a:buClrTx/>
-              <a:buSzTx/>
-              <a:buFontTx/>
-              <a:buNone/>
-              <a:tabLst/>
-            </a:pPr>
-            <a:br>
-              <a:rPr kumimoji="0" lang="es-ES" altLang="es-ES" sz="1600" b="0" i="0" u="none" strike="noStrike" cap="none" normalizeH="0" baseline="0" dirty="0">
-                <a:ln>
-                  <a:noFill/>
-                </a:ln>
-                <a:solidFill>
-                  <a:srgbClr val="A9B7C6"/>
-                </a:solidFill>
-                <a:effectLst/>
-                <a:latin typeface="Courier New" panose="02070309020205020404" pitchFamily="49" charset="0"/>
-                <a:cs typeface="Courier New" panose="02070309020205020404" pitchFamily="49" charset="0"/>
-              </a:rPr>
-            </a:br>
-            <a:r>
-              <a:rPr kumimoji="0" lang="es-ES" altLang="es-ES" sz="1600" b="0" i="0" u="none" strike="noStrike" cap="none" normalizeH="0" baseline="0" dirty="0">
-                <a:ln>
-                  <a:noFill/>
-                </a:ln>
-                <a:solidFill>
-                  <a:srgbClr val="A9B7C6"/>
-                </a:solidFill>
-                <a:effectLst/>
-                <a:latin typeface="Courier New" panose="02070309020205020404" pitchFamily="49" charset="0"/>
-                <a:cs typeface="Courier New" panose="02070309020205020404" pitchFamily="49" charset="0"/>
-              </a:rPr>
-              <a:t>   </a:t>
-            </a:r>
-            <a:r>
-              <a:rPr kumimoji="0" lang="es-ES" altLang="es-ES" sz="1600" b="0" i="0" u="none" strike="noStrike" cap="none" normalizeH="0" baseline="0" dirty="0" err="1">
-                <a:ln>
-                  <a:noFill/>
-                </a:ln>
-                <a:solidFill>
-                  <a:srgbClr val="CC7832"/>
-                </a:solidFill>
-                <a:effectLst/>
-                <a:latin typeface="Courier New" panose="02070309020205020404" pitchFamily="49" charset="0"/>
-                <a:cs typeface="Courier New" panose="02070309020205020404" pitchFamily="49" charset="0"/>
-              </a:rPr>
-              <a:t>for</a:t>
-            </a:r>
-            <a:r>
-              <a:rPr kumimoji="0" lang="es-ES" altLang="es-ES" sz="1600" b="0" i="0" u="none" strike="noStrike" cap="none" normalizeH="0" baseline="0" dirty="0">
-                <a:ln>
-                  <a:noFill/>
-                </a:ln>
-                <a:solidFill>
-                  <a:srgbClr val="CC7832"/>
-                </a:solidFill>
-                <a:effectLst/>
-                <a:latin typeface="Courier New" panose="02070309020205020404" pitchFamily="49" charset="0"/>
-                <a:cs typeface="Courier New" panose="02070309020205020404" pitchFamily="49" charset="0"/>
-              </a:rPr>
-              <a:t> </a:t>
-            </a:r>
-            <a:r>
-              <a:rPr kumimoji="0" lang="es-ES" altLang="es-ES" sz="1600" b="0" i="0" u="none" strike="noStrike" cap="none" normalizeH="0" baseline="0" dirty="0" err="1">
-                <a:ln>
-                  <a:noFill/>
-                </a:ln>
-                <a:solidFill>
-                  <a:srgbClr val="A9B7C6"/>
-                </a:solidFill>
-                <a:effectLst/>
-                <a:latin typeface="Courier New" panose="02070309020205020404" pitchFamily="49" charset="0"/>
-                <a:cs typeface="Courier New" panose="02070309020205020404" pitchFamily="49" charset="0"/>
-              </a:rPr>
-              <a:t>key</a:t>
-            </a:r>
-            <a:r>
-              <a:rPr kumimoji="0" lang="es-ES" altLang="es-ES" sz="1600" b="0" i="0" u="none" strike="noStrike" cap="none" normalizeH="0" baseline="0" dirty="0">
-                <a:ln>
-                  <a:noFill/>
-                </a:ln>
-                <a:solidFill>
-                  <a:srgbClr val="A9B7C6"/>
-                </a:solidFill>
-                <a:effectLst/>
-                <a:latin typeface="Courier New" panose="02070309020205020404" pitchFamily="49" charset="0"/>
-                <a:cs typeface="Courier New" panose="02070309020205020404" pitchFamily="49" charset="0"/>
-              </a:rPr>
-              <a:t> </a:t>
-            </a:r>
-            <a:r>
-              <a:rPr kumimoji="0" lang="es-ES" altLang="es-ES" sz="1600" b="0" i="0" u="none" strike="noStrike" cap="none" normalizeH="0" baseline="0" dirty="0">
-                <a:ln>
-                  <a:noFill/>
-                </a:ln>
-                <a:solidFill>
-                  <a:srgbClr val="CC7832"/>
-                </a:solidFill>
-                <a:effectLst/>
-                <a:latin typeface="Courier New" panose="02070309020205020404" pitchFamily="49" charset="0"/>
-                <a:cs typeface="Courier New" panose="02070309020205020404" pitchFamily="49" charset="0"/>
-              </a:rPr>
-              <a:t>in </a:t>
-            </a:r>
-            <a:r>
-              <a:rPr kumimoji="0" lang="es-ES" altLang="es-ES" sz="1600" b="0" i="0" u="none" strike="noStrike" cap="none" normalizeH="0" baseline="0" dirty="0" err="1">
-                <a:ln>
-                  <a:noFill/>
-                </a:ln>
-                <a:solidFill>
-                  <a:srgbClr val="A9B7C6"/>
-                </a:solidFill>
-                <a:effectLst/>
-                <a:latin typeface="Courier New" panose="02070309020205020404" pitchFamily="49" charset="0"/>
-                <a:cs typeface="Courier New" panose="02070309020205020404" pitchFamily="49" charset="0"/>
-              </a:rPr>
-              <a:t>self.keywords</a:t>
-            </a:r>
-            <a:r>
-              <a:rPr kumimoji="0" lang="es-ES" altLang="es-ES" sz="1600" b="0" i="0" u="none" strike="noStrike" cap="none" normalizeH="0" baseline="0" dirty="0">
-                <a:ln>
-                  <a:noFill/>
-                </a:ln>
-                <a:solidFill>
-                  <a:srgbClr val="A9B7C6"/>
-                </a:solidFill>
-                <a:effectLst/>
-                <a:latin typeface="Courier New" panose="02070309020205020404" pitchFamily="49" charset="0"/>
-                <a:cs typeface="Courier New" panose="02070309020205020404" pitchFamily="49" charset="0"/>
-              </a:rPr>
-              <a:t>:</a:t>
-            </a:r>
-            <a:br>
-              <a:rPr kumimoji="0" lang="es-ES" altLang="es-ES" sz="1600" b="0" i="0" u="none" strike="noStrike" cap="none" normalizeH="0" baseline="0" dirty="0">
-                <a:ln>
-                  <a:noFill/>
-                </a:ln>
-                <a:solidFill>
-                  <a:srgbClr val="A9B7C6"/>
-                </a:solidFill>
-                <a:effectLst/>
-                <a:latin typeface="Courier New" panose="02070309020205020404" pitchFamily="49" charset="0"/>
-                <a:cs typeface="Courier New" panose="02070309020205020404" pitchFamily="49" charset="0"/>
-              </a:rPr>
-            </a:br>
-            <a:r>
-              <a:rPr kumimoji="0" lang="es-ES" altLang="es-ES" sz="1600" b="0" i="0" u="none" strike="noStrike" cap="none" normalizeH="0" baseline="0" dirty="0">
-                <a:ln>
-                  <a:noFill/>
-                </a:ln>
-                <a:solidFill>
-                  <a:srgbClr val="A9B7C6"/>
-                </a:solidFill>
-                <a:effectLst/>
-                <a:latin typeface="Courier New" panose="02070309020205020404" pitchFamily="49" charset="0"/>
-                <a:cs typeface="Courier New" panose="02070309020205020404" pitchFamily="49" charset="0"/>
-              </a:rPr>
-              <a:t>      </a:t>
-            </a:r>
-            <a:r>
-              <a:rPr kumimoji="0" lang="es-ES" altLang="es-ES" sz="1600" b="0" i="0" u="none" strike="noStrike" cap="none" normalizeH="0" baseline="0" dirty="0" err="1">
-                <a:ln>
-                  <a:noFill/>
-                </a:ln>
-                <a:solidFill>
-                  <a:srgbClr val="A9B7C6"/>
-                </a:solidFill>
-                <a:effectLst/>
-                <a:latin typeface="Courier New" panose="02070309020205020404" pitchFamily="49" charset="0"/>
-                <a:cs typeface="Courier New" panose="02070309020205020404" pitchFamily="49" charset="0"/>
-              </a:rPr>
-              <a:t>markup.add</a:t>
-            </a:r>
-            <a:r>
-              <a:rPr kumimoji="0" lang="es-ES" altLang="es-ES" sz="1600" b="0" i="0" u="none" strike="noStrike" cap="none" normalizeH="0" baseline="0" dirty="0">
-                <a:ln>
-                  <a:noFill/>
-                </a:ln>
-                <a:solidFill>
-                  <a:srgbClr val="A9B7C6"/>
-                </a:solidFill>
-                <a:effectLst/>
-                <a:latin typeface="Courier New" panose="02070309020205020404" pitchFamily="49" charset="0"/>
-                <a:cs typeface="Courier New" panose="02070309020205020404" pitchFamily="49" charset="0"/>
-              </a:rPr>
-              <a:t>(</a:t>
-            </a:r>
-            <a:r>
-              <a:rPr kumimoji="0" lang="es-ES" altLang="es-ES" sz="1600" b="0" i="0" u="none" strike="noStrike" cap="none" normalizeH="0" baseline="0" dirty="0" err="1">
-                <a:ln>
-                  <a:noFill/>
-                </a:ln>
-                <a:solidFill>
-                  <a:srgbClr val="A9B7C6"/>
-                </a:solidFill>
-                <a:effectLst/>
-                <a:latin typeface="Courier New" panose="02070309020205020404" pitchFamily="49" charset="0"/>
-                <a:cs typeface="Courier New" panose="02070309020205020404" pitchFamily="49" charset="0"/>
-              </a:rPr>
-              <a:t>InlineKeyboardButton</a:t>
-            </a:r>
-            <a:r>
-              <a:rPr kumimoji="0" lang="es-ES" altLang="es-ES" sz="1600" b="0" i="0" u="none" strike="noStrike" cap="none" normalizeH="0" baseline="0" dirty="0">
-                <a:ln>
-                  <a:noFill/>
-                </a:ln>
-                <a:solidFill>
-                  <a:srgbClr val="A9B7C6"/>
-                </a:solidFill>
-                <a:effectLst/>
-                <a:latin typeface="Courier New" panose="02070309020205020404" pitchFamily="49" charset="0"/>
-                <a:cs typeface="Courier New" panose="02070309020205020404" pitchFamily="49" charset="0"/>
-              </a:rPr>
-              <a:t>(</a:t>
-            </a:r>
-            <a:r>
-              <a:rPr kumimoji="0" lang="es-ES" altLang="es-ES" sz="1600" b="0" i="0" u="none" strike="noStrike" cap="none" normalizeH="0" baseline="0" dirty="0" err="1">
-                <a:ln>
-                  <a:noFill/>
-                </a:ln>
-                <a:solidFill>
-                  <a:srgbClr val="A9B7C6"/>
-                </a:solidFill>
-                <a:effectLst/>
-                <a:latin typeface="Courier New" panose="02070309020205020404" pitchFamily="49" charset="0"/>
-                <a:cs typeface="Courier New" panose="02070309020205020404" pitchFamily="49" charset="0"/>
-              </a:rPr>
-              <a:t>key</a:t>
-            </a:r>
-            <a:r>
-              <a:rPr kumimoji="0" lang="es-ES" altLang="es-ES" sz="1600" b="0" i="0" u="none" strike="noStrike" cap="none" normalizeH="0" baseline="0" dirty="0">
-                <a:ln>
-                  <a:noFill/>
-                </a:ln>
-                <a:solidFill>
-                  <a:srgbClr val="CC7832"/>
-                </a:solidFill>
-                <a:effectLst/>
-                <a:latin typeface="Courier New" panose="02070309020205020404" pitchFamily="49" charset="0"/>
-                <a:cs typeface="Courier New" panose="02070309020205020404" pitchFamily="49" charset="0"/>
-              </a:rPr>
-              <a:t>, </a:t>
-            </a:r>
-            <a:r>
-              <a:rPr kumimoji="0" lang="es-ES" altLang="es-ES" sz="1600" b="0" i="0" u="none" strike="noStrike" cap="none" normalizeH="0" baseline="0" dirty="0" err="1">
-                <a:ln>
-                  <a:noFill/>
-                </a:ln>
-                <a:solidFill>
-                  <a:srgbClr val="AA4926"/>
-                </a:solidFill>
-                <a:effectLst/>
-                <a:latin typeface="Courier New" panose="02070309020205020404" pitchFamily="49" charset="0"/>
-                <a:cs typeface="Courier New" panose="02070309020205020404" pitchFamily="49" charset="0"/>
-              </a:rPr>
-              <a:t>callback_data</a:t>
-            </a:r>
-            <a:r>
-              <a:rPr kumimoji="0" lang="es-ES" altLang="es-ES" sz="1600" b="0" i="0" u="none" strike="noStrike" cap="none" normalizeH="0" baseline="0" dirty="0">
-                <a:ln>
-                  <a:noFill/>
-                </a:ln>
-                <a:solidFill>
-                  <a:srgbClr val="A9B7C6"/>
-                </a:solidFill>
-                <a:effectLst/>
-                <a:latin typeface="Courier New" panose="02070309020205020404" pitchFamily="49" charset="0"/>
-                <a:cs typeface="Courier New" panose="02070309020205020404" pitchFamily="49" charset="0"/>
-              </a:rPr>
-              <a:t>=</a:t>
-            </a:r>
-            <a:r>
-              <a:rPr kumimoji="0" lang="es-ES" altLang="es-ES" sz="1600" b="0" i="0" u="none" strike="noStrike" cap="none" normalizeH="0" baseline="0" dirty="0" err="1">
-                <a:ln>
-                  <a:noFill/>
-                </a:ln>
-                <a:solidFill>
-                  <a:srgbClr val="8888C6"/>
-                </a:solidFill>
-                <a:effectLst/>
-                <a:latin typeface="Courier New" panose="02070309020205020404" pitchFamily="49" charset="0"/>
-                <a:cs typeface="Courier New" panose="02070309020205020404" pitchFamily="49" charset="0"/>
-              </a:rPr>
-              <a:t>str</a:t>
-            </a:r>
-            <a:r>
-              <a:rPr kumimoji="0" lang="es-ES" altLang="es-ES" sz="1600" b="0" i="0" u="none" strike="noStrike" cap="none" normalizeH="0" baseline="0" dirty="0">
-                <a:ln>
-                  <a:noFill/>
-                </a:ln>
-                <a:solidFill>
-                  <a:srgbClr val="A9B7C6"/>
-                </a:solidFill>
-                <a:effectLst/>
-                <a:latin typeface="Courier New" panose="02070309020205020404" pitchFamily="49" charset="0"/>
-                <a:cs typeface="Courier New" panose="02070309020205020404" pitchFamily="49" charset="0"/>
-              </a:rPr>
-              <a:t>((</a:t>
-            </a:r>
-            <a:br>
-              <a:rPr kumimoji="0" lang="es-ES" altLang="es-ES" sz="1600" b="0" i="0" u="none" strike="noStrike" cap="none" normalizeH="0" baseline="0" dirty="0">
-                <a:ln>
-                  <a:noFill/>
-                </a:ln>
-                <a:solidFill>
-                  <a:srgbClr val="A9B7C6"/>
-                </a:solidFill>
-                <a:effectLst/>
-                <a:latin typeface="Courier New" panose="02070309020205020404" pitchFamily="49" charset="0"/>
-                <a:cs typeface="Courier New" panose="02070309020205020404" pitchFamily="49" charset="0"/>
-              </a:rPr>
-            </a:br>
-            <a:r>
-              <a:rPr kumimoji="0" lang="es-ES" altLang="es-ES" sz="1600" b="0" i="0" u="none" strike="noStrike" cap="none" normalizeH="0" baseline="0" dirty="0">
-                <a:ln>
-                  <a:noFill/>
-                </a:ln>
-                <a:solidFill>
-                  <a:srgbClr val="A9B7C6"/>
-                </a:solidFill>
-                <a:effectLst/>
-                <a:latin typeface="Courier New" panose="02070309020205020404" pitchFamily="49" charset="0"/>
-                <a:cs typeface="Courier New" panose="02070309020205020404" pitchFamily="49" charset="0"/>
-              </a:rPr>
-              <a:t>         </a:t>
-            </a:r>
-            <a:r>
-              <a:rPr kumimoji="0" lang="es-ES" altLang="es-ES" sz="1600" b="0" i="0" u="none" strike="noStrike" cap="none" normalizeH="0" baseline="0" dirty="0" err="1">
-                <a:ln>
-                  <a:noFill/>
-                </a:ln>
-                <a:solidFill>
-                  <a:srgbClr val="A9B7C6"/>
-                </a:solidFill>
-                <a:effectLst/>
-                <a:latin typeface="Courier New" panose="02070309020205020404" pitchFamily="49" charset="0"/>
-                <a:cs typeface="Courier New" panose="02070309020205020404" pitchFamily="49" charset="0"/>
-              </a:rPr>
-              <a:t>cons.DELETE_KEYWORD</a:t>
-            </a:r>
-            <a:r>
-              <a:rPr kumimoji="0" lang="es-ES" altLang="es-ES" sz="1600" b="0" i="0" u="none" strike="noStrike" cap="none" normalizeH="0" baseline="0" dirty="0">
-                <a:ln>
-                  <a:noFill/>
-                </a:ln>
-                <a:solidFill>
-                  <a:srgbClr val="CC7832"/>
-                </a:solidFill>
-                <a:effectLst/>
-                <a:latin typeface="Courier New" panose="02070309020205020404" pitchFamily="49" charset="0"/>
-                <a:cs typeface="Courier New" panose="02070309020205020404" pitchFamily="49" charset="0"/>
-              </a:rPr>
-              <a:t>, </a:t>
-            </a:r>
-            <a:r>
-              <a:rPr kumimoji="0" lang="es-ES" altLang="es-ES" sz="1600" b="0" i="0" u="none" strike="noStrike" cap="none" normalizeH="0" baseline="0" dirty="0" err="1">
-                <a:ln>
-                  <a:noFill/>
-                </a:ln>
-                <a:solidFill>
-                  <a:srgbClr val="A9B7C6"/>
-                </a:solidFill>
-                <a:effectLst/>
-                <a:latin typeface="Courier New" panose="02070309020205020404" pitchFamily="49" charset="0"/>
-                <a:cs typeface="Courier New" panose="02070309020205020404" pitchFamily="49" charset="0"/>
-              </a:rPr>
-              <a:t>key</a:t>
-            </a:r>
-            <a:r>
-              <a:rPr kumimoji="0" lang="es-ES" altLang="es-ES" sz="1600" b="0" i="0" u="none" strike="noStrike" cap="none" normalizeH="0" baseline="0" dirty="0">
-                <a:ln>
-                  <a:noFill/>
-                </a:ln>
-                <a:solidFill>
-                  <a:srgbClr val="A9B7C6"/>
-                </a:solidFill>
-                <a:effectLst/>
-                <a:latin typeface="Courier New" panose="02070309020205020404" pitchFamily="49" charset="0"/>
-                <a:cs typeface="Courier New" panose="02070309020205020404" pitchFamily="49" charset="0"/>
-              </a:rPr>
-              <a:t>))))</a:t>
-            </a:r>
-            <a:br>
-              <a:rPr kumimoji="0" lang="es-ES" altLang="es-ES" sz="1600" b="0" i="0" u="none" strike="noStrike" cap="none" normalizeH="0" baseline="0" dirty="0">
-                <a:ln>
-                  <a:noFill/>
-                </a:ln>
-                <a:solidFill>
-                  <a:srgbClr val="A9B7C6"/>
-                </a:solidFill>
-                <a:effectLst/>
-                <a:latin typeface="Courier New" panose="02070309020205020404" pitchFamily="49" charset="0"/>
-                <a:cs typeface="Courier New" panose="02070309020205020404" pitchFamily="49" charset="0"/>
-              </a:rPr>
-            </a:br>
-            <a:br>
-              <a:rPr kumimoji="0" lang="es-ES" altLang="es-ES" sz="1600" b="0" i="0" u="none" strike="noStrike" cap="none" normalizeH="0" baseline="0" dirty="0">
-                <a:ln>
-                  <a:noFill/>
-                </a:ln>
-                <a:solidFill>
-                  <a:srgbClr val="A9B7C6"/>
-                </a:solidFill>
-                <a:effectLst/>
-                <a:latin typeface="Courier New" panose="02070309020205020404" pitchFamily="49" charset="0"/>
-                <a:cs typeface="Courier New" panose="02070309020205020404" pitchFamily="49" charset="0"/>
-              </a:rPr>
-            </a:br>
-            <a:r>
-              <a:rPr kumimoji="0" lang="es-ES" altLang="es-ES" sz="1600" b="0" i="0" u="none" strike="noStrike" cap="none" normalizeH="0" baseline="0" dirty="0">
-                <a:ln>
-                  <a:noFill/>
-                </a:ln>
-                <a:solidFill>
-                  <a:srgbClr val="A9B7C6"/>
-                </a:solidFill>
-                <a:effectLst/>
-                <a:latin typeface="Courier New" panose="02070309020205020404" pitchFamily="49" charset="0"/>
-                <a:cs typeface="Courier New" panose="02070309020205020404" pitchFamily="49" charset="0"/>
-              </a:rPr>
-              <a:t>   </a:t>
-            </a:r>
-            <a:r>
-              <a:rPr kumimoji="0" lang="es-ES" altLang="es-ES" sz="1600" b="0" i="0" u="none" strike="noStrike" cap="none" normalizeH="0" baseline="0" dirty="0" err="1">
-                <a:ln>
-                  <a:noFill/>
-                </a:ln>
-                <a:solidFill>
-                  <a:srgbClr val="A9B7C6"/>
-                </a:solidFill>
-                <a:effectLst/>
-                <a:latin typeface="Courier New" panose="02070309020205020404" pitchFamily="49" charset="0"/>
-                <a:cs typeface="Courier New" panose="02070309020205020404" pitchFamily="49" charset="0"/>
-              </a:rPr>
-              <a:t>bot.send_message</a:t>
-            </a:r>
-            <a:r>
-              <a:rPr kumimoji="0" lang="es-ES" altLang="es-ES" sz="1600" b="0" i="0" u="none" strike="noStrike" cap="none" normalizeH="0" baseline="0" dirty="0">
-                <a:ln>
-                  <a:noFill/>
-                </a:ln>
-                <a:solidFill>
-                  <a:srgbClr val="A9B7C6"/>
-                </a:solidFill>
-                <a:effectLst/>
-                <a:latin typeface="Courier New" panose="02070309020205020404" pitchFamily="49" charset="0"/>
-                <a:cs typeface="Courier New" panose="02070309020205020404" pitchFamily="49" charset="0"/>
-              </a:rPr>
-              <a:t>(msg.chat.id</a:t>
-            </a:r>
-            <a:r>
-              <a:rPr kumimoji="0" lang="es-ES" altLang="es-ES" sz="1600" b="0" i="0" u="none" strike="noStrike" cap="none" normalizeH="0" baseline="0" dirty="0">
-                <a:ln>
-                  <a:noFill/>
-                </a:ln>
-                <a:solidFill>
-                  <a:srgbClr val="CC7832"/>
-                </a:solidFill>
-                <a:effectLst/>
-                <a:latin typeface="Courier New" panose="02070309020205020404" pitchFamily="49" charset="0"/>
-                <a:cs typeface="Courier New" panose="02070309020205020404" pitchFamily="49" charset="0"/>
-              </a:rPr>
-              <a:t>, </a:t>
-            </a:r>
-            <a:r>
-              <a:rPr kumimoji="0" lang="es-ES" altLang="es-ES" sz="1600" b="0" i="0" u="none" strike="noStrike" cap="none" normalizeH="0" baseline="0" dirty="0">
-                <a:ln>
-                  <a:noFill/>
-                </a:ln>
-                <a:solidFill>
-                  <a:srgbClr val="6A8759"/>
-                </a:solidFill>
-                <a:effectLst/>
-                <a:latin typeface="Courier New" panose="02070309020205020404" pitchFamily="49" charset="0"/>
-                <a:cs typeface="Courier New" panose="02070309020205020404" pitchFamily="49" charset="0"/>
-              </a:rPr>
-              <a:t>"Elige la palabra a borrar"</a:t>
-            </a:r>
-            <a:r>
-              <a:rPr kumimoji="0" lang="es-ES" altLang="es-ES" sz="1600" b="0" i="0" u="none" strike="noStrike" cap="none" normalizeH="0" baseline="0" dirty="0">
-                <a:ln>
-                  <a:noFill/>
-                </a:ln>
-                <a:solidFill>
-                  <a:srgbClr val="CC7832"/>
-                </a:solidFill>
-                <a:effectLst/>
-                <a:latin typeface="Courier New" panose="02070309020205020404" pitchFamily="49" charset="0"/>
-                <a:cs typeface="Courier New" panose="02070309020205020404" pitchFamily="49" charset="0"/>
-              </a:rPr>
-              <a:t>, </a:t>
-            </a:r>
-            <a:r>
-              <a:rPr kumimoji="0" lang="es-ES" altLang="es-ES" sz="1600" b="0" i="0" u="none" strike="noStrike" cap="none" normalizeH="0" baseline="0" dirty="0" err="1">
-                <a:ln>
-                  <a:noFill/>
-                </a:ln>
-                <a:solidFill>
-                  <a:srgbClr val="AA4926"/>
-                </a:solidFill>
-                <a:effectLst/>
-                <a:latin typeface="Courier New" panose="02070309020205020404" pitchFamily="49" charset="0"/>
-                <a:cs typeface="Courier New" panose="02070309020205020404" pitchFamily="49" charset="0"/>
-              </a:rPr>
-              <a:t>reply_markup</a:t>
-            </a:r>
-            <a:r>
-              <a:rPr kumimoji="0" lang="es-ES" altLang="es-ES" sz="1600" b="0" i="0" u="none" strike="noStrike" cap="none" normalizeH="0" baseline="0" dirty="0">
-                <a:ln>
-                  <a:noFill/>
-                </a:ln>
-                <a:solidFill>
-                  <a:srgbClr val="A9B7C6"/>
-                </a:solidFill>
-                <a:effectLst/>
-                <a:latin typeface="Courier New" panose="02070309020205020404" pitchFamily="49" charset="0"/>
-                <a:cs typeface="Courier New" panose="02070309020205020404" pitchFamily="49" charset="0"/>
-              </a:rPr>
-              <a:t>=</a:t>
-            </a:r>
-            <a:r>
-              <a:rPr kumimoji="0" lang="es-ES" altLang="es-ES" sz="1600" b="0" i="0" u="none" strike="noStrike" cap="none" normalizeH="0" baseline="0" dirty="0" err="1">
-                <a:ln>
-                  <a:noFill/>
-                </a:ln>
-                <a:solidFill>
-                  <a:srgbClr val="A9B7C6"/>
-                </a:solidFill>
-                <a:effectLst/>
-                <a:latin typeface="Courier New" panose="02070309020205020404" pitchFamily="49" charset="0"/>
-                <a:cs typeface="Courier New" panose="02070309020205020404" pitchFamily="49" charset="0"/>
-              </a:rPr>
-              <a:t>markup</a:t>
-            </a:r>
-            <a:r>
-              <a:rPr kumimoji="0" lang="es-ES" altLang="es-ES" sz="1600" b="0" i="0" u="none" strike="noStrike" cap="none" normalizeH="0" baseline="0" dirty="0">
-                <a:ln>
-                  <a:noFill/>
-                </a:ln>
-                <a:solidFill>
-                  <a:srgbClr val="A9B7C6"/>
-                </a:solidFill>
-                <a:effectLst/>
-                <a:latin typeface="Courier New" panose="02070309020205020404" pitchFamily="49" charset="0"/>
-                <a:cs typeface="Courier New" panose="02070309020205020404" pitchFamily="49" charset="0"/>
-              </a:rPr>
-              <a:t>)</a:t>
-            </a:r>
-            <a:endParaRPr kumimoji="0" lang="es-ES" altLang="es-ES" sz="3600" b="0" i="0" u="none" strike="noStrike" cap="none" normalizeH="0" baseline="0" dirty="0">
-              <a:ln>
-                <a:noFill/>
-              </a:ln>
-              <a:solidFill>
-                <a:schemeClr val="tx1"/>
-              </a:solidFill>
-              <a:effectLst/>
-              <a:latin typeface="Arial" panose="020B0604020202020204" pitchFamily="34" charset="0"/>
-            </a:endParaRPr>
-          </a:p>
-        </p:txBody>
-      </p:sp>
-    </p:spTree>
-    <p:extLst>
-      <p:ext uri="{BB962C8B-B14F-4D97-AF65-F5344CB8AC3E}">
-        <p14:creationId xmlns:p14="http://schemas.microsoft.com/office/powerpoint/2010/main" val="3929098842"/>
-      </p:ext>
-    </p:extLst>
-  </p:cSld>
-  <p:clrMapOvr>
-    <a:masterClrMapping/>
-  </p:clrMapOvr>
-  <mc:AlternateContent xmlns:mc="http://schemas.openxmlformats.org/markup-compatibility/2006" xmlns:p14="http://schemas.microsoft.com/office/powerpoint/2010/main">
-    <mc:Choice Requires="p14">
-      <p:transition spd="med" p14:dur="700">
-        <p:fade/>
-      </p:transition>
-    </mc:Choice>
-    <mc:Fallback xmlns="">
-      <p:transition spd="med">
-        <p:fade/>
-      </p:transition>
-    </mc:Fallback>
-  </mc:AlternateContent>
-</p:sld>
-</file>
-
-<file path=ppt/slides/slide21.xml><?xml version="1.0" encoding="utf-8"?>
-<p:sld xmlns:a="http://schemas.openxmlformats.org/drawingml/2006/main" xmlns:r="http://schemas.openxmlformats.org/officeDocument/2006/relationships" xmlns:p="http://schemas.openxmlformats.org/presentationml/2006/main">
-  <p:cSld>
-    <p:spTree>
-      <p:nvGrpSpPr>
-        <p:cNvPr id="1" name=""/>
-        <p:cNvGrpSpPr/>
-        <p:nvPr/>
-      </p:nvGrpSpPr>
-      <p:grpSpPr>
-        <a:xfrm>
-          <a:off x="0" y="0"/>
-          <a:ext cx="0" cy="0"/>
-          <a:chOff x="0" y="0"/>
-          <a:chExt cx="0" cy="0"/>
-        </a:xfrm>
-      </p:grpSpPr>
-      <p:sp>
-        <p:nvSpPr>
-          <p:cNvPr id="2" name="Título 1"/>
-          <p:cNvSpPr>
-            <a:spLocks noGrp="1"/>
-          </p:cNvSpPr>
-          <p:nvPr>
-            <p:ph type="title"/>
-          </p:nvPr>
-        </p:nvSpPr>
-        <p:spPr>
-          <a:xfrm>
-            <a:off x="1295400" y="214190"/>
-            <a:ext cx="9601200" cy="1036850"/>
-          </a:xfrm>
-        </p:spPr>
-        <p:txBody>
-          <a:bodyPr rtlCol="0"/>
-          <a:lstStyle/>
-          <a:p>
-            <a:r>
-              <a:rPr lang="es-ES" dirty="0"/>
-              <a:t>Ejemplo codificación básica bot</a:t>
-            </a:r>
-          </a:p>
-        </p:txBody>
-      </p:sp>
-      <p:sp>
-        <p:nvSpPr>
           <p:cNvPr id="5" name="Rectangle 1">
             <a:extLst>
               <a:ext uri="{FF2B5EF4-FFF2-40B4-BE49-F238E27FC236}">
@@ -13617,7 +12654,7 @@
               </a:rPr>
             </a:br>
             <a:br>
-              <a:rPr kumimoji="0" lang="es-ES" altLang="es-ES" sz="1600" b="0" i="0" u="none" strike="noStrike" cap="none" normalizeH="0" baseline="0">
+              <a:rPr kumimoji="0" lang="es-ES" altLang="es-ES" sz="1600" b="0" i="0" u="none" strike="noStrike" cap="none" normalizeH="0" baseline="0" dirty="0">
                 <a:ln>
                   <a:noFill/>
                 </a:ln>
@@ -13630,18 +12667,18 @@
               </a:rPr>
             </a:br>
             <a:r>
-              <a:rPr kumimoji="0" lang="es-ES" altLang="es-ES" sz="1600" b="0" i="0" u="none" strike="noStrike" cap="none" normalizeH="0" baseline="0">
-                <a:ln>
-                  <a:noFill/>
-                </a:ln>
-                <a:solidFill>
-                  <a:srgbClr val="A9B7C6"/>
-                </a:solidFill>
-                <a:effectLst/>
-                <a:latin typeface="Courier New" panose="02070309020205020404" pitchFamily="49" charset="0"/>
-                <a:cs typeface="Courier New" panose="02070309020205020404" pitchFamily="49" charset="0"/>
-              </a:rPr>
-              <a:t>      self</a:t>
+              <a:rPr kumimoji="0" lang="es-ES" altLang="es-ES" sz="1600" b="0" i="0" u="none" strike="noStrike" cap="none" normalizeH="0" baseline="0" dirty="0">
+                <a:ln>
+                  <a:noFill/>
+                </a:ln>
+                <a:solidFill>
+                  <a:srgbClr val="A9B7C6"/>
+                </a:solidFill>
+                <a:effectLst/>
+                <a:latin typeface="Courier New" panose="02070309020205020404" pitchFamily="49" charset="0"/>
+                <a:cs typeface="Courier New" panose="02070309020205020404" pitchFamily="49" charset="0"/>
+              </a:rPr>
+              <a:t>      </a:t>
             </a:r>
             <a:r>
               <a:rPr kumimoji="0" lang="es-ES" altLang="es-ES" sz="1600" b="0" i="0" u="none" strike="noStrike" cap="none" normalizeH="0" baseline="0" dirty="0" err="1">
@@ -13655,7 +12692,7 @@
                 <a:latin typeface="Courier New" panose="02070309020205020404" pitchFamily="49" charset="0"/>
                 <a:cs typeface="Courier New" panose="02070309020205020404" pitchFamily="49" charset="0"/>
               </a:rPr>
-              <a:t>.config.save_var</a:t>
+              <a:t>self.config.save_var</a:t>
             </a:r>
             <a:r>
               <a:rPr kumimoji="0" lang="es-ES" altLang="es-ES" sz="1600" b="0" i="0" u="none" strike="noStrike" cap="none" normalizeH="0" baseline="0" dirty="0">
@@ -14177,10 +13214,15 @@
             <p:ph idx="1"/>
           </p:nvPr>
         </p:nvSpPr>
-        <p:spPr/>
+        <p:spPr>
+          <a:xfrm>
+            <a:off x="1295400" y="1828800"/>
+            <a:ext cx="9601200" cy="4572000"/>
+          </a:xfrm>
+        </p:spPr>
         <p:txBody>
           <a:bodyPr>
-            <a:normAutofit fontScale="77500" lnSpcReduction="20000"/>
+            <a:normAutofit fontScale="85000" lnSpcReduction="20000"/>
           </a:bodyPr>
           <a:lstStyle/>
           <a:p>
@@ -14436,7 +13478,7 @@
           <p:cNvPr id="2" name="Título 1">
             <a:extLst>
               <a:ext uri="{FF2B5EF4-FFF2-40B4-BE49-F238E27FC236}">
-                <a16:creationId xmlns:a16="http://schemas.microsoft.com/office/drawing/2014/main" id="{295EDD81-EC5B-400A-8B83-339CBADB0F11}"/>
+                <a16:creationId xmlns:a16="http://schemas.microsoft.com/office/drawing/2014/main" id="{44D733A1-AB44-47B4-8913-83D2E7DF6822}"/>
               </a:ext>
             </a:extLst>
           </p:cNvPr>
@@ -14447,482 +13489,257 @@
             <p:ph type="title"/>
           </p:nvPr>
         </p:nvSpPr>
-        <p:spPr>
-          <a:xfrm>
-            <a:off x="1295400" y="214190"/>
-            <a:ext cx="9601200" cy="1036850"/>
-          </a:xfrm>
-        </p:spPr>
+        <p:spPr/>
         <p:txBody>
           <a:bodyPr/>
           <a:lstStyle/>
           <a:p>
             <a:r>
               <a:rPr lang="es-ES" dirty="0"/>
-              <a:t>Objetivos II</a:t>
-            </a:r>
-          </a:p>
-        </p:txBody>
-      </p:sp>
-      <p:sp>
-        <p:nvSpPr>
-          <p:cNvPr id="4" name="Rectangle 1">
+              <a:t>Librerías externas</a:t>
+            </a:r>
+          </a:p>
+        </p:txBody>
+      </p:sp>
+      <p:sp>
+        <p:nvSpPr>
+          <p:cNvPr id="3" name="Marcador de texto 2">
             <a:extLst>
               <a:ext uri="{FF2B5EF4-FFF2-40B4-BE49-F238E27FC236}">
-                <a16:creationId xmlns:a16="http://schemas.microsoft.com/office/drawing/2014/main" id="{28A0BD34-B120-429D-AA5C-1C1A42530D3F}"/>
+                <a16:creationId xmlns:a16="http://schemas.microsoft.com/office/drawing/2014/main" id="{8C990C48-E225-4675-B2BC-0C222EDBF025}"/>
               </a:ext>
             </a:extLst>
           </p:cNvPr>
           <p:cNvSpPr>
-            <a:spLocks noGrp="1" noChangeArrowheads="1"/>
-          </p:cNvSpPr>
-          <p:nvPr>
-            <p:ph idx="1"/>
-          </p:nvPr>
-        </p:nvSpPr>
-        <p:spPr bwMode="auto">
-          <a:prstGeom prst="rect">
-            <a:avLst/>
-          </a:prstGeom>
-          <a:noFill/>
-          <a:ln>
-            <a:noFill/>
-          </a:ln>
-          <a:effectLst/>
-          <a:extLst>
-            <a:ext uri="{909E8E84-426E-40DD-AFC4-6F175D3DCCD1}">
-              <a14:hiddenFill xmlns:a14="http://schemas.microsoft.com/office/drawing/2010/main">
-                <a:solidFill>
-                  <a:schemeClr val="accent1"/>
-                </a:solidFill>
-              </a14:hiddenFill>
-            </a:ext>
-            <a:ext uri="{91240B29-F687-4F45-9708-019B960494DF}">
-              <a14:hiddenLine xmlns:a14="http://schemas.microsoft.com/office/drawing/2010/main" w="9525">
-                <a:solidFill>
-                  <a:schemeClr val="tx1"/>
-                </a:solidFill>
-                <a:miter lim="800000"/>
-                <a:headEnd/>
-                <a:tailEnd/>
-              </a14:hiddenLine>
-            </a:ext>
-            <a:ext uri="{AF507438-7753-43E0-B8FC-AC1667EBCBE1}">
-              <a14:hiddenEffects xmlns:a14="http://schemas.microsoft.com/office/drawing/2010/main">
-                <a:effectLst>
-                  <a:outerShdw dist="35921" dir="2700000" algn="ctr" rotWithShape="0">
-                    <a:schemeClr val="bg2"/>
-                  </a:outerShdw>
-                </a:effectLst>
-              </a14:hiddenEffects>
-            </a:ext>
-          </a:extLst>
-        </p:spPr>
-        <p:txBody>
-          <a:bodyPr vert="horz" wrap="none" lIns="91440" tIns="45720" rIns="91440" bIns="45720" numCol="1" anchor="ctr" anchorCtr="0" compatLnSpc="1">
-            <a:prstTxWarp prst="textNoShape">
-              <a:avLst/>
-            </a:prstTxWarp>
-            <a:spAutoFit/>
+            <a:spLocks noGrp="1"/>
+          </p:cNvSpPr>
+          <p:nvPr>
+            <p:ph type="body" sz="half" idx="14"/>
+          </p:nvPr>
+        </p:nvSpPr>
+        <p:spPr/>
+        <p:txBody>
+          <a:bodyPr anchor="ctr"/>
+          <a:lstStyle/>
+          <a:p>
+            <a:r>
+              <a:rPr lang="es-ES" sz="2400" dirty="0" err="1"/>
+              <a:t>pyTelegramBotAPI</a:t>
+            </a:r>
+            <a:endParaRPr lang="es-ES" dirty="0"/>
+          </a:p>
+        </p:txBody>
+      </p:sp>
+      <p:sp>
+        <p:nvSpPr>
+          <p:cNvPr id="4" name="Marcador de texto 3">
+            <a:extLst>
+              <a:ext uri="{FF2B5EF4-FFF2-40B4-BE49-F238E27FC236}">
+                <a16:creationId xmlns:a16="http://schemas.microsoft.com/office/drawing/2014/main" id="{19D41E27-DFB0-4459-A52E-78B1F86100BD}"/>
+              </a:ext>
+            </a:extLst>
+          </p:cNvPr>
+          <p:cNvSpPr>
+            <a:spLocks noGrp="1"/>
+          </p:cNvSpPr>
+          <p:nvPr>
+            <p:ph type="body" sz="half" idx="16"/>
+          </p:nvPr>
+        </p:nvSpPr>
+        <p:spPr/>
+        <p:txBody>
+          <a:bodyPr anchor="ctr">
+            <a:normAutofit/>
           </a:bodyPr>
           <a:lstStyle/>
           <a:p>
-            <a:pPr marL="0" marR="0" lvl="0" indent="0" algn="l" defTabSz="914400" rtl="0" eaLnBrk="0" fontAlgn="base" latinLnBrk="0" hangingPunct="0">
-              <a:lnSpc>
-                <a:spcPct val="100000"/>
-              </a:lnSpc>
-              <a:spcBef>
-                <a:spcPct val="0"/>
-              </a:spcBef>
-              <a:spcAft>
-                <a:spcPct val="0"/>
-              </a:spcAft>
-              <a:buClrTx/>
-              <a:buSzTx/>
-              <a:buFontTx/>
-              <a:buNone/>
-              <a:tabLst/>
-            </a:pPr>
-            <a:r>
-              <a:rPr kumimoji="0" lang="es-ES" altLang="es-ES" sz="1800" b="1" i="0" u="none" strike="noStrike" cap="none" normalizeH="0" baseline="0">
-                <a:ln>
-                  <a:noFill/>
-                </a:ln>
-                <a:solidFill>
-                  <a:schemeClr val="tx1"/>
-                </a:solidFill>
-                <a:effectLst/>
-                <a:latin typeface="Arial" panose="020B0604020202020204" pitchFamily="34" charset="0"/>
-              </a:rPr>
-              <a:t>Tiempo real</a:t>
-            </a:r>
-            <a:r>
-              <a:rPr kumimoji="0" lang="es-ES" altLang="es-ES" sz="1800" b="0" i="0" u="none" strike="noStrike" cap="none" normalizeH="0" baseline="0">
-                <a:ln>
-                  <a:noFill/>
-                </a:ln>
-                <a:solidFill>
-                  <a:schemeClr val="tx1"/>
-                </a:solidFill>
-                <a:effectLst/>
-                <a:latin typeface="Arial" panose="020B0604020202020204" pitchFamily="34" charset="0"/>
-              </a:rPr>
-              <a:t>:</a:t>
-            </a:r>
-          </a:p>
-          <a:p>
-            <a:pPr marL="0" marR="0" lvl="0" indent="0" algn="l" defTabSz="914400" rtl="0" eaLnBrk="0" fontAlgn="base" latinLnBrk="0" hangingPunct="0">
-              <a:lnSpc>
-                <a:spcPct val="100000"/>
-              </a:lnSpc>
-              <a:spcBef>
-                <a:spcPct val="0"/>
-              </a:spcBef>
-              <a:spcAft>
-                <a:spcPct val="0"/>
-              </a:spcAft>
-              <a:buClrTx/>
-              <a:buSzTx/>
-              <a:buFontTx/>
-              <a:buNone/>
-              <a:tabLst/>
-            </a:pPr>
-            <a:r>
-              <a:rPr kumimoji="0" lang="es-ES" altLang="es-ES" sz="1800" b="0" i="0" u="none" strike="noStrike" cap="none" normalizeH="0" baseline="0">
-                <a:ln>
-                  <a:noFill/>
-                </a:ln>
-                <a:solidFill>
-                  <a:schemeClr val="tx1"/>
-                </a:solidFill>
-                <a:effectLst/>
-                <a:latin typeface="Arial" panose="020B0604020202020204" pitchFamily="34" charset="0"/>
-              </a:rPr>
-              <a:t>Dados los requisitos, necesitamos al menos dos procesos residentes, uno para la API cliente y otro para la API del Bot, a partir de ahora llamados cliente y bot. Ambos procesos deberán responder en tiempo real a las peticiones del servicio Telegram, ya sea procesar la llegada de mensajes nuevos o atender una orden del usuario vía bot.</a:t>
-            </a:r>
-          </a:p>
-          <a:p>
-            <a:pPr marL="0" marR="0" lvl="0" indent="0" algn="l" defTabSz="914400" rtl="0" eaLnBrk="0" fontAlgn="base" latinLnBrk="0" hangingPunct="0">
-              <a:lnSpc>
-                <a:spcPct val="100000"/>
-              </a:lnSpc>
-              <a:spcBef>
-                <a:spcPct val="0"/>
-              </a:spcBef>
-              <a:spcAft>
-                <a:spcPct val="0"/>
-              </a:spcAft>
-              <a:buClrTx/>
-              <a:buSzTx/>
-              <a:buFontTx/>
-              <a:buNone/>
-              <a:tabLst/>
-            </a:pPr>
-            <a:r>
-              <a:rPr kumimoji="0" lang="es-ES" altLang="es-ES" sz="1800" b="1" i="0" u="none" strike="noStrike" cap="none" normalizeH="0" baseline="0">
-                <a:ln>
-                  <a:noFill/>
-                </a:ln>
-                <a:solidFill>
-                  <a:schemeClr val="tx1"/>
-                </a:solidFill>
-                <a:effectLst/>
-                <a:latin typeface="Arial" panose="020B0604020202020204" pitchFamily="34" charset="0"/>
-              </a:rPr>
-              <a:t>Interacción bot-cliente:</a:t>
-            </a:r>
-            <a:endParaRPr kumimoji="0" lang="es-ES" altLang="es-ES" sz="1800" b="0" i="0" u="none" strike="noStrike" cap="none" normalizeH="0" baseline="0">
-              <a:ln>
-                <a:noFill/>
-              </a:ln>
-              <a:solidFill>
-                <a:schemeClr val="tx1"/>
-              </a:solidFill>
-              <a:effectLst/>
-              <a:latin typeface="Arial" panose="020B0604020202020204" pitchFamily="34" charset="0"/>
+            <a:r>
+              <a:rPr lang="es-ES" sz="2400" dirty="0" err="1"/>
+              <a:t>Telethon</a:t>
+            </a:r>
+            <a:endParaRPr lang="es-ES" sz="2000" dirty="0"/>
+          </a:p>
+        </p:txBody>
+      </p:sp>
+      <p:sp>
+        <p:nvSpPr>
+          <p:cNvPr id="5" name="Marcador de texto 4">
+            <a:extLst>
+              <a:ext uri="{FF2B5EF4-FFF2-40B4-BE49-F238E27FC236}">
+                <a16:creationId xmlns:a16="http://schemas.microsoft.com/office/drawing/2014/main" id="{D4C0B30D-C2CA-4D20-8713-D012E7B6FB63}"/>
+              </a:ext>
+            </a:extLst>
+          </p:cNvPr>
+          <p:cNvSpPr>
+            <a:spLocks noGrp="1"/>
+          </p:cNvSpPr>
+          <p:nvPr>
+            <p:ph type="body" sz="half" idx="2"/>
+          </p:nvPr>
+        </p:nvSpPr>
+        <p:spPr>
+          <a:xfrm>
+            <a:off x="1279966" y="2557670"/>
+            <a:ext cx="4587434" cy="3662390"/>
+          </a:xfrm>
+        </p:spPr>
+        <p:txBody>
+          <a:bodyPr anchor="t">
+            <a:normAutofit/>
+          </a:bodyPr>
+          <a:lstStyle/>
+          <a:p>
+            <a:r>
+              <a:rPr lang="es-ES" dirty="0"/>
+              <a:t>Desarrollada en </a:t>
+            </a:r>
+            <a:r>
+              <a:rPr lang="es-ES" b="1" dirty="0"/>
+              <a:t>Python 3</a:t>
+            </a:r>
+            <a:r>
+              <a:rPr lang="es-ES" dirty="0"/>
+              <a:t> que implementa la API cliente oficial de Telegram: </a:t>
+            </a:r>
+            <a:r>
+              <a:rPr lang="es-ES" dirty="0">
+                <a:hlinkClick r:id="rId2"/>
+              </a:rPr>
+              <a:t>core.telegram.org/methods</a:t>
+            </a:r>
+            <a:endParaRPr lang="es-ES" dirty="0"/>
+          </a:p>
+          <a:p>
+            <a:r>
+              <a:rPr lang="es-ES" dirty="0"/>
+              <a:t>Nos permitirá conectarnos a Telegram y gestionar todas las funciones del servicio de mensajería, principalmente el manejo de los mensajes.</a:t>
+            </a:r>
+          </a:p>
+          <a:p>
+            <a:endParaRPr lang="es-ES" dirty="0"/>
+          </a:p>
+          <a:p>
+            <a:endParaRPr lang="es-ES" dirty="0"/>
+          </a:p>
+          <a:p>
+            <a:r>
+              <a:rPr lang="es-ES" dirty="0">
+                <a:hlinkClick r:id="rId3"/>
+              </a:rPr>
+              <a:t>github.com/LonamiWebs/Telethon</a:t>
+            </a:r>
+            <a:endParaRPr lang="es-ES" dirty="0"/>
+          </a:p>
+        </p:txBody>
+      </p:sp>
+      <p:sp>
+        <p:nvSpPr>
+          <p:cNvPr id="6" name="Marcador de texto 5">
+            <a:extLst>
+              <a:ext uri="{FF2B5EF4-FFF2-40B4-BE49-F238E27FC236}">
+                <a16:creationId xmlns:a16="http://schemas.microsoft.com/office/drawing/2014/main" id="{C6DD306A-13DE-409C-B1BD-5ED5235D01F4}"/>
+              </a:ext>
+            </a:extLst>
+          </p:cNvPr>
+          <p:cNvSpPr>
+            <a:spLocks noGrp="1"/>
+          </p:cNvSpPr>
+          <p:nvPr>
+            <p:ph type="body" sz="half" idx="17"/>
+          </p:nvPr>
+        </p:nvSpPr>
+        <p:spPr>
+          <a:xfrm>
+            <a:off x="6334125" y="2557670"/>
+            <a:ext cx="4587434" cy="3662390"/>
+          </a:xfrm>
+        </p:spPr>
+        <p:txBody>
+          <a:bodyPr anchor="t">
+            <a:normAutofit lnSpcReduction="10000"/>
+          </a:bodyPr>
+          <a:lstStyle/>
+          <a:p>
+            <a:r>
+              <a:rPr lang="es-ES" dirty="0"/>
+              <a:t>Librería </a:t>
+            </a:r>
+            <a:r>
+              <a:rPr lang="es-ES" b="1" dirty="0"/>
+              <a:t>Python</a:t>
+            </a:r>
+            <a:r>
+              <a:rPr lang="es-ES" dirty="0"/>
+              <a:t> que implementa la API oficial de </a:t>
+            </a:r>
+            <a:r>
+              <a:rPr lang="es-ES" dirty="0" err="1"/>
+              <a:t>Bots</a:t>
+            </a:r>
+            <a:r>
+              <a:rPr lang="es-ES" dirty="0"/>
+              <a:t> de Telegram: </a:t>
+            </a:r>
+            <a:r>
+              <a:rPr lang="es-ES" dirty="0">
+                <a:hlinkClick r:id="rId4"/>
+              </a:rPr>
+              <a:t>core.telegram.org/bots/api</a:t>
+            </a:r>
+            <a:endParaRPr lang="es-ES" dirty="0">
+              <a:hlinkClick r:id="rId5"/>
             </a:endParaRPr>
           </a:p>
           <a:p>
-            <a:pPr marL="0" marR="0" lvl="0" indent="0" algn="l" defTabSz="914400" rtl="0" eaLnBrk="0" fontAlgn="base" latinLnBrk="0" hangingPunct="0">
-              <a:lnSpc>
-                <a:spcPct val="100000"/>
-              </a:lnSpc>
-              <a:spcBef>
-                <a:spcPct val="0"/>
-              </a:spcBef>
-              <a:spcAft>
-                <a:spcPct val="0"/>
-              </a:spcAft>
-              <a:buClrTx/>
-              <a:buSzTx/>
-              <a:buFontTx/>
-              <a:buNone/>
-              <a:tabLst/>
-            </a:pPr>
-            <a:r>
-              <a:rPr kumimoji="0" lang="es-ES" altLang="es-ES" sz="1800" b="0" i="0" u="none" strike="noStrike" cap="none" normalizeH="0" baseline="0">
-                <a:ln>
-                  <a:noFill/>
-                </a:ln>
-                <a:solidFill>
-                  <a:schemeClr val="tx1"/>
-                </a:solidFill>
-                <a:effectLst/>
-                <a:latin typeface="Arial" panose="020B0604020202020204" pitchFamily="34" charset="0"/>
-              </a:rPr>
-              <a:t>Una vez planteados los dos puntos anteriores, surge la necesidad de implementar una comunicación bot-cliente, que permita el paso de datos de uno a otro. Como por ejemplo el cambio de parámetros que afecten al cliente, vía bot; o los mensajes que el cliente envía al bot y este muestra al usuario.</a:t>
-            </a:r>
-          </a:p>
-          <a:p>
-            <a:pPr marL="0" marR="0" lvl="0" indent="0" algn="l" defTabSz="914400" rtl="0" eaLnBrk="0" fontAlgn="base" latinLnBrk="0" hangingPunct="0">
-              <a:lnSpc>
-                <a:spcPct val="100000"/>
-              </a:lnSpc>
-              <a:spcBef>
-                <a:spcPct val="0"/>
-              </a:spcBef>
-              <a:spcAft>
-                <a:spcPct val="0"/>
-              </a:spcAft>
-              <a:buClrTx/>
-              <a:buSzTx/>
-              <a:buFontTx/>
-              <a:buNone/>
-              <a:tabLst/>
-            </a:pPr>
-            <a:r>
-              <a:rPr kumimoji="0" lang="es-ES" altLang="es-ES" sz="1800" b="0" i="0" u="none" strike="noStrike" cap="none" normalizeH="0" baseline="0">
-                <a:ln>
-                  <a:noFill/>
-                </a:ln>
-                <a:solidFill>
-                  <a:schemeClr val="tx1"/>
-                </a:solidFill>
-                <a:effectLst/>
-                <a:latin typeface="Arial" panose="020B0604020202020204" pitchFamily="34" charset="0"/>
-              </a:rPr>
-              <a:t>Para poder implementar esto, las clases cliente y bot serán hilos de una clase padre que se encargara de crearlos, comunicarlos y controlarlos.</a:t>
-            </a:r>
-          </a:p>
-          <a:p>
-            <a:pPr marL="0" marR="0" lvl="0" indent="0" algn="l" defTabSz="914400" rtl="0" eaLnBrk="0" fontAlgn="base" latinLnBrk="0" hangingPunct="0">
-              <a:lnSpc>
-                <a:spcPct val="100000"/>
-              </a:lnSpc>
-              <a:spcBef>
-                <a:spcPct val="0"/>
-              </a:spcBef>
-              <a:spcAft>
-                <a:spcPct val="0"/>
-              </a:spcAft>
-              <a:buClrTx/>
-              <a:buSzTx/>
-              <a:buFontTx/>
-              <a:buNone/>
-              <a:tabLst/>
-            </a:pPr>
-            <a:r>
-              <a:rPr kumimoji="0" lang="es-ES" altLang="es-ES" sz="1800" b="1" i="0" u="none" strike="noStrike" cap="none" normalizeH="0" baseline="0">
-                <a:ln>
-                  <a:noFill/>
-                </a:ln>
-                <a:solidFill>
-                  <a:schemeClr val="tx1"/>
-                </a:solidFill>
-                <a:effectLst/>
-                <a:latin typeface="Arial" panose="020B0604020202020204" pitchFamily="34" charset="0"/>
-              </a:rPr>
-              <a:t>Persistencia</a:t>
-            </a:r>
-            <a:r>
-              <a:rPr kumimoji="0" lang="es-ES" altLang="es-ES" sz="1800" b="0" i="0" u="none" strike="noStrike" cap="none" normalizeH="0" baseline="0">
-                <a:ln>
-                  <a:noFill/>
-                </a:ln>
-                <a:solidFill>
-                  <a:schemeClr val="tx1"/>
-                </a:solidFill>
-                <a:effectLst/>
-                <a:latin typeface="Arial" panose="020B0604020202020204" pitchFamily="34" charset="0"/>
-              </a:rPr>
-              <a:t>:</a:t>
-            </a:r>
-          </a:p>
-          <a:p>
-            <a:pPr marL="0" marR="0" lvl="0" indent="0" algn="l" defTabSz="914400" rtl="0" eaLnBrk="0" fontAlgn="base" latinLnBrk="0" hangingPunct="0">
-              <a:lnSpc>
-                <a:spcPct val="100000"/>
-              </a:lnSpc>
-              <a:spcBef>
-                <a:spcPct val="0"/>
-              </a:spcBef>
-              <a:spcAft>
-                <a:spcPct val="0"/>
-              </a:spcAft>
-              <a:buClrTx/>
-              <a:buSzTx/>
-              <a:buFontTx/>
-              <a:buNone/>
-              <a:tabLst/>
-            </a:pPr>
-            <a:r>
-              <a:rPr kumimoji="0" lang="es-ES" altLang="es-ES" sz="1800" b="0" i="0" u="none" strike="noStrike" cap="none" normalizeH="0" baseline="0">
-                <a:ln>
-                  <a:noFill/>
-                </a:ln>
-                <a:solidFill>
-                  <a:schemeClr val="tx1"/>
-                </a:solidFill>
-                <a:effectLst/>
-                <a:latin typeface="Arial" panose="020B0604020202020204" pitchFamily="34" charset="0"/>
-              </a:rPr>
-              <a:t>Otro punto a tener en cuenta del diseño es la gestión persistente de la configuración; queremos que los parámetros y datos de uso de la aplicación se guarden en un fichero, modificable de forma transparente mediante la interfaz visual y el propio cliente.</a:t>
-            </a:r>
-          </a:p>
-          <a:p>
-            <a:pPr marL="0" marR="0" lvl="0" indent="0" algn="l" defTabSz="914400" rtl="0" eaLnBrk="0" fontAlgn="base" latinLnBrk="0" hangingPunct="0">
-              <a:lnSpc>
-                <a:spcPct val="100000"/>
-              </a:lnSpc>
-              <a:spcBef>
-                <a:spcPct val="0"/>
-              </a:spcBef>
-              <a:spcAft>
-                <a:spcPct val="0"/>
-              </a:spcAft>
-              <a:buClrTx/>
-              <a:buSzTx/>
-              <a:buFontTx/>
-              <a:buNone/>
-              <a:tabLst/>
-            </a:pPr>
-            <a:r>
-              <a:rPr kumimoji="0" lang="es-ES" altLang="es-ES" sz="1800" b="0" i="0" u="none" strike="noStrike" cap="none" normalizeH="0" baseline="0">
-                <a:ln>
-                  <a:noFill/>
-                </a:ln>
-                <a:solidFill>
-                  <a:schemeClr val="tx1"/>
-                </a:solidFill>
-                <a:effectLst/>
-                <a:latin typeface="Arial" panose="020B0604020202020204" pitchFamily="34" charset="0"/>
-              </a:rPr>
-              <a:t>Para ello crearemos una clase encargada de leer y guardar los parámetros en un fichero de texto visualmente legible.</a:t>
-            </a:r>
-          </a:p>
-          <a:p>
-            <a:pPr marL="0" marR="0" lvl="0" indent="0" algn="l" defTabSz="914400" rtl="0" eaLnBrk="0" fontAlgn="base" latinLnBrk="0" hangingPunct="0">
-              <a:lnSpc>
-                <a:spcPct val="100000"/>
-              </a:lnSpc>
-              <a:spcBef>
-                <a:spcPct val="0"/>
-              </a:spcBef>
-              <a:spcAft>
-                <a:spcPct val="0"/>
-              </a:spcAft>
-              <a:buClrTx/>
-              <a:buSzTx/>
-              <a:buFontTx/>
-              <a:buNone/>
-              <a:tabLst/>
-            </a:pPr>
-            <a:r>
-              <a:rPr kumimoji="0" lang="es-ES" altLang="es-ES" sz="1800" b="1" i="0" u="none" strike="noStrike" cap="none" normalizeH="0" baseline="0">
-                <a:ln>
-                  <a:noFill/>
-                </a:ln>
-                <a:solidFill>
-                  <a:schemeClr val="tx1"/>
-                </a:solidFill>
-                <a:effectLst/>
-                <a:latin typeface="Arial" panose="020B0604020202020204" pitchFamily="34" charset="0"/>
-              </a:rPr>
-              <a:t>Privacidad:</a:t>
-            </a:r>
-            <a:endParaRPr kumimoji="0" lang="es-ES" altLang="es-ES" sz="1800" b="0" i="0" u="none" strike="noStrike" cap="none" normalizeH="0" baseline="0">
-              <a:ln>
-                <a:noFill/>
-              </a:ln>
-              <a:solidFill>
-                <a:schemeClr val="tx1"/>
-              </a:solidFill>
-              <a:effectLst/>
-              <a:latin typeface="Arial" panose="020B0604020202020204" pitchFamily="34" charset="0"/>
+            <a:endParaRPr lang="es-ES" dirty="0">
+              <a:hlinkClick r:id="rId5"/>
             </a:endParaRPr>
           </a:p>
           <a:p>
-            <a:pPr marL="0" marR="0" lvl="0" indent="0" algn="l" defTabSz="914400" rtl="0" eaLnBrk="0" fontAlgn="base" latinLnBrk="0" hangingPunct="0">
-              <a:lnSpc>
-                <a:spcPct val="100000"/>
-              </a:lnSpc>
-              <a:spcBef>
-                <a:spcPct val="0"/>
-              </a:spcBef>
-              <a:spcAft>
-                <a:spcPct val="0"/>
-              </a:spcAft>
-              <a:buClrTx/>
-              <a:buSzTx/>
-              <a:buFontTx/>
-              <a:buNone/>
-              <a:tabLst/>
-            </a:pPr>
-            <a:r>
-              <a:rPr kumimoji="0" lang="es-ES" altLang="es-ES" sz="1800" b="0" i="0" u="none" strike="noStrike" cap="none" normalizeH="0" baseline="0">
-                <a:ln>
-                  <a:noFill/>
-                </a:ln>
-                <a:solidFill>
-                  <a:schemeClr val="tx1"/>
-                </a:solidFill>
-                <a:effectLst/>
-                <a:latin typeface="Arial" panose="020B0604020202020204" pitchFamily="34" charset="0"/>
-              </a:rPr>
-              <a:t>El uso de la app es privado, el bot una vez le hablemos para configurarlo, guardara nuestro </a:t>
-            </a:r>
-            <a:r>
-              <a:rPr kumimoji="0" lang="es-ES" altLang="es-ES" sz="1000" b="0" i="0" u="none" strike="noStrike" cap="none" normalizeH="0" baseline="0">
-                <a:ln>
-                  <a:noFill/>
-                </a:ln>
-                <a:solidFill>
-                  <a:schemeClr val="tx1"/>
-                </a:solidFill>
-                <a:effectLst/>
-                <a:latin typeface="Arial Unicode MS"/>
-              </a:rPr>
-              <a:t>user_id</a:t>
-            </a:r>
-            <a:r>
-              <a:rPr kumimoji="0" lang="es-ES" altLang="es-ES" sz="1100" b="0" i="0" u="none" strike="noStrike" cap="none" normalizeH="0" baseline="0">
-                <a:ln>
-                  <a:noFill/>
-                </a:ln>
-                <a:solidFill>
-                  <a:schemeClr val="tx1"/>
-                </a:solidFill>
-                <a:effectLst/>
-              </a:rPr>
-              <a:t> y no permitirá a ningún otro usuario su utilización.</a:t>
-            </a:r>
-            <a:endParaRPr kumimoji="0" lang="es-ES" altLang="es-ES" sz="1800" b="0" i="0" u="none" strike="noStrike" cap="none" normalizeH="0" baseline="0">
-              <a:ln>
-                <a:noFill/>
-              </a:ln>
-              <a:solidFill>
-                <a:schemeClr val="tx1"/>
-              </a:solidFill>
-              <a:effectLst/>
-              <a:latin typeface="Arial" panose="020B0604020202020204" pitchFamily="34" charset="0"/>
-            </a:endParaRPr>
+            <a:r>
+              <a:rPr lang="es-ES" dirty="0"/>
+              <a:t>Facilitará la implementación del bot encargado de ser la interfaz visual en forma de asistente vía comandos</a:t>
+            </a:r>
+          </a:p>
+          <a:p>
+            <a:endParaRPr lang="es-ES" dirty="0"/>
+          </a:p>
+          <a:p>
+            <a:endParaRPr lang="es-ES" dirty="0"/>
+          </a:p>
+          <a:p>
+            <a:r>
+              <a:rPr lang="es-ES" dirty="0">
+                <a:hlinkClick r:id="rId5"/>
+              </a:rPr>
+              <a:t>github.com/</a:t>
+            </a:r>
+            <a:r>
+              <a:rPr lang="es-ES" dirty="0" err="1">
+                <a:hlinkClick r:id="rId5"/>
+              </a:rPr>
+              <a:t>eternnoir</a:t>
+            </a:r>
+            <a:r>
+              <a:rPr lang="es-ES" dirty="0">
+                <a:hlinkClick r:id="rId5"/>
+              </a:rPr>
+              <a:t>/</a:t>
+            </a:r>
+            <a:r>
+              <a:rPr lang="es-ES" dirty="0" err="1">
+                <a:hlinkClick r:id="rId5"/>
+              </a:rPr>
+              <a:t>pyTelegramBotAPI</a:t>
+            </a:r>
+            <a:endParaRPr lang="es-ES" dirty="0"/>
           </a:p>
         </p:txBody>
       </p:sp>
     </p:spTree>
     <p:extLst>
       <p:ext uri="{BB962C8B-B14F-4D97-AF65-F5344CB8AC3E}">
-        <p14:creationId xmlns:p14="http://schemas.microsoft.com/office/powerpoint/2010/main" val="3929496668"/>
+        <p14:creationId xmlns:p14="http://schemas.microsoft.com/office/powerpoint/2010/main" val="3866441662"/>
       </p:ext>
     </p:extLst>
   </p:cSld>
@@ -14963,13 +13780,7 @@
       </p:grpSpPr>
       <p:sp>
         <p:nvSpPr>
-          <p:cNvPr id="2" name="Título 1">
-            <a:extLst>
-              <a:ext uri="{FF2B5EF4-FFF2-40B4-BE49-F238E27FC236}">
-                <a16:creationId xmlns:a16="http://schemas.microsoft.com/office/drawing/2014/main" id="{44D733A1-AB44-47B4-8913-83D2E7DF6822}"/>
-              </a:ext>
-            </a:extLst>
-          </p:cNvPr>
+          <p:cNvPr id="2" name="Título 1"/>
           <p:cNvSpPr>
             <a:spLocks noGrp="1"/>
           </p:cNvSpPr>
@@ -14977,257 +13788,107 @@
             <p:ph type="title"/>
           </p:nvPr>
         </p:nvSpPr>
+        <p:spPr>
+          <a:xfrm>
+            <a:off x="1295400" y="214190"/>
+            <a:ext cx="9601200" cy="1036850"/>
+          </a:xfrm>
+        </p:spPr>
+        <p:txBody>
+          <a:bodyPr rtlCol="0"/>
+          <a:lstStyle/>
+          <a:p>
+            <a:pPr rtl="0"/>
+            <a:r>
+              <a:rPr lang="es-ES" dirty="0"/>
+              <a:t>Estructura I</a:t>
+            </a:r>
+          </a:p>
+        </p:txBody>
+      </p:sp>
+      <p:sp>
+        <p:nvSpPr>
+          <p:cNvPr id="3" name="Marcador de posición de contenido 2"/>
+          <p:cNvSpPr>
+            <a:spLocks noGrp="1"/>
+          </p:cNvSpPr>
+          <p:nvPr>
+            <p:ph idx="1"/>
+          </p:nvPr>
+        </p:nvSpPr>
         <p:spPr/>
         <p:txBody>
-          <a:bodyPr/>
-          <a:lstStyle/>
-          <a:p>
-            <a:r>
-              <a:rPr lang="es-ES" dirty="0"/>
-              <a:t>Librerías externas</a:t>
-            </a:r>
-          </a:p>
-        </p:txBody>
-      </p:sp>
-      <p:sp>
-        <p:nvSpPr>
-          <p:cNvPr id="3" name="Marcador de texto 2">
-            <a:extLst>
-              <a:ext uri="{FF2B5EF4-FFF2-40B4-BE49-F238E27FC236}">
-                <a16:creationId xmlns:a16="http://schemas.microsoft.com/office/drawing/2014/main" id="{8C990C48-E225-4675-B2BC-0C222EDBF025}"/>
-              </a:ext>
-            </a:extLst>
-          </p:cNvPr>
-          <p:cNvSpPr>
-            <a:spLocks noGrp="1"/>
-          </p:cNvSpPr>
-          <p:nvPr>
-            <p:ph type="body" sz="half" idx="14"/>
-          </p:nvPr>
-        </p:nvSpPr>
-        <p:spPr/>
-        <p:txBody>
-          <a:bodyPr anchor="ctr"/>
-          <a:lstStyle/>
-          <a:p>
-            <a:r>
-              <a:rPr lang="es-ES" sz="2400" dirty="0" err="1"/>
-              <a:t>pyTelegramBotAPI</a:t>
-            </a:r>
-            <a:endParaRPr lang="es-ES" dirty="0"/>
-          </a:p>
-        </p:txBody>
-      </p:sp>
-      <p:sp>
-        <p:nvSpPr>
-          <p:cNvPr id="4" name="Marcador de texto 3">
-            <a:extLst>
-              <a:ext uri="{FF2B5EF4-FFF2-40B4-BE49-F238E27FC236}">
-                <a16:creationId xmlns:a16="http://schemas.microsoft.com/office/drawing/2014/main" id="{19D41E27-DFB0-4459-A52E-78B1F86100BD}"/>
-              </a:ext>
-            </a:extLst>
-          </p:cNvPr>
-          <p:cNvSpPr>
-            <a:spLocks noGrp="1"/>
-          </p:cNvSpPr>
-          <p:nvPr>
-            <p:ph type="body" sz="half" idx="16"/>
-          </p:nvPr>
-        </p:nvSpPr>
-        <p:spPr/>
-        <p:txBody>
-          <a:bodyPr anchor="ctr">
-            <a:normAutofit/>
+          <a:bodyPr rtlCol="0">
+            <a:normAutofit lnSpcReduction="10000"/>
           </a:bodyPr>
           <a:lstStyle/>
           <a:p>
             <a:r>
-              <a:rPr lang="es-ES" sz="2400" dirty="0" err="1"/>
-              <a:t>Telethon</a:t>
-            </a:r>
-            <a:endParaRPr lang="es-ES" sz="2000" dirty="0"/>
-          </a:p>
-        </p:txBody>
-      </p:sp>
-      <p:sp>
-        <p:nvSpPr>
-          <p:cNvPr id="5" name="Marcador de texto 4">
-            <a:extLst>
-              <a:ext uri="{FF2B5EF4-FFF2-40B4-BE49-F238E27FC236}">
-                <a16:creationId xmlns:a16="http://schemas.microsoft.com/office/drawing/2014/main" id="{D4C0B30D-C2CA-4D20-8713-D012E7B6FB63}"/>
-              </a:ext>
-            </a:extLst>
-          </p:cNvPr>
-          <p:cNvSpPr>
-            <a:spLocks noGrp="1"/>
-          </p:cNvSpPr>
-          <p:nvPr>
-            <p:ph type="body" sz="half" idx="2"/>
-          </p:nvPr>
-        </p:nvSpPr>
-        <p:spPr>
-          <a:xfrm>
-            <a:off x="1279966" y="2557670"/>
-            <a:ext cx="4587434" cy="3662390"/>
-          </a:xfrm>
-        </p:spPr>
-        <p:txBody>
-          <a:bodyPr anchor="t">
-            <a:normAutofit/>
-          </a:bodyPr>
-          <a:lstStyle/>
-          <a:p>
+              <a:rPr lang="es-ES" b="1" dirty="0"/>
+              <a:t>main.py:</a:t>
+            </a:r>
             <a:r>
               <a:rPr lang="es-ES" dirty="0"/>
-              <a:t>Desarrollada en </a:t>
-            </a:r>
+              <a:t> </a:t>
+            </a:r>
+          </a:p>
+          <a:p>
+            <a:pPr marL="274320" lvl="1" indent="0">
+              <a:buNone/>
+            </a:pPr>
+            <a:r>
+              <a:rPr lang="es-ES" dirty="0"/>
+              <a:t>Es la clase que debemos ejecutar. Se encarga de cargar la configuración, la comunicación interna, lanzar el bot y cliente y monitorizar su ejecución.</a:t>
+            </a:r>
+          </a:p>
+          <a:p>
+            <a:pPr marL="274320" lvl="1" indent="0">
+              <a:buNone/>
+            </a:pPr>
+            <a:endParaRPr lang="es-ES" dirty="0"/>
+          </a:p>
+          <a:p>
             <a:r>
               <a:rPr lang="es-ES" b="1" dirty="0"/>
-              <a:t>Python 3</a:t>
-            </a:r>
+              <a:t>bot.py: </a:t>
+            </a:r>
+          </a:p>
+          <a:p>
+            <a:pPr marL="274320" lvl="1" indent="0">
+              <a:buNone/>
+            </a:pPr>
             <a:r>
               <a:rPr lang="es-ES" dirty="0"/>
-              <a:t> que implementa la API cliente oficial de Telegram: </a:t>
-            </a:r>
-            <a:r>
-              <a:rPr lang="es-ES" dirty="0">
-                <a:hlinkClick r:id="rId2"/>
-              </a:rPr>
-              <a:t>core.telegram.org/methods</a:t>
-            </a:r>
-            <a:endParaRPr lang="es-ES" dirty="0"/>
-          </a:p>
-          <a:p>
+              <a:t>Implementará los comandos de los que disponga el Bot y atenderá en tiempo real las peticiones que lleguen. Será la interfaz de control/comunicación con el cliente.</a:t>
+            </a:r>
+          </a:p>
+          <a:p>
+            <a:pPr marL="274320" lvl="1" indent="0">
+              <a:buNone/>
+            </a:pPr>
+            <a:endParaRPr lang="es-ES" b="1" dirty="0"/>
+          </a:p>
+          <a:p>
+            <a:r>
+              <a:rPr lang="es-ES" b="1" dirty="0"/>
+              <a:t>client.py:</a:t>
+            </a:r>
+          </a:p>
+          <a:p>
+            <a:pPr marL="274320" lvl="1" indent="0">
+              <a:buNone/>
+            </a:pPr>
             <a:r>
               <a:rPr lang="es-ES" dirty="0"/>
-              <a:t>Nos permitirá conectarnos a Telegram y gestionar todas las funciones del servicio de mensajería, principalmente el manejo de los mensajes.</a:t>
-            </a:r>
-          </a:p>
-          <a:p>
-            <a:endParaRPr lang="es-ES" dirty="0"/>
-          </a:p>
-          <a:p>
-            <a:endParaRPr lang="es-ES" dirty="0"/>
-          </a:p>
-          <a:p>
-            <a:r>
-              <a:rPr lang="es-ES" dirty="0">
-                <a:hlinkClick r:id="rId3"/>
-              </a:rPr>
-              <a:t>github.com/LonamiWebs/Telethon</a:t>
-            </a:r>
-            <a:endParaRPr lang="es-ES" dirty="0"/>
-          </a:p>
-        </p:txBody>
-      </p:sp>
-      <p:sp>
-        <p:nvSpPr>
-          <p:cNvPr id="6" name="Marcador de texto 5">
-            <a:extLst>
-              <a:ext uri="{FF2B5EF4-FFF2-40B4-BE49-F238E27FC236}">
-                <a16:creationId xmlns:a16="http://schemas.microsoft.com/office/drawing/2014/main" id="{C6DD306A-13DE-409C-B1BD-5ED5235D01F4}"/>
-              </a:ext>
-            </a:extLst>
-          </p:cNvPr>
-          <p:cNvSpPr>
-            <a:spLocks noGrp="1"/>
-          </p:cNvSpPr>
-          <p:nvPr>
-            <p:ph type="body" sz="half" idx="17"/>
-          </p:nvPr>
-        </p:nvSpPr>
-        <p:spPr>
-          <a:xfrm>
-            <a:off x="6334125" y="2557670"/>
-            <a:ext cx="4587434" cy="3662390"/>
-          </a:xfrm>
-        </p:spPr>
-        <p:txBody>
-          <a:bodyPr anchor="t">
-            <a:normAutofit/>
-          </a:bodyPr>
-          <a:lstStyle/>
-          <a:p>
-            <a:r>
-              <a:rPr lang="es-ES" dirty="0"/>
-              <a:t>Librería </a:t>
-            </a:r>
-            <a:r>
-              <a:rPr lang="es-ES" b="1" dirty="0"/>
-              <a:t>Python</a:t>
-            </a:r>
-            <a:r>
-              <a:rPr lang="es-ES" dirty="0"/>
-              <a:t> que implementa la API oficial de </a:t>
-            </a:r>
-            <a:r>
-              <a:rPr lang="es-ES" dirty="0" err="1"/>
-              <a:t>Bots</a:t>
-            </a:r>
-            <a:r>
-              <a:rPr lang="es-ES" dirty="0"/>
-              <a:t> de Telegram: </a:t>
-            </a:r>
-            <a:r>
-              <a:rPr lang="es-ES" dirty="0">
-                <a:hlinkClick r:id="rId4"/>
-              </a:rPr>
-              <a:t>core.telegram.org/bots/api</a:t>
-            </a:r>
-            <a:endParaRPr lang="es-ES" dirty="0">
-              <a:hlinkClick r:id="rId5"/>
-            </a:endParaRPr>
-          </a:p>
-          <a:p>
-            <a:endParaRPr lang="es-ES" dirty="0">
-              <a:hlinkClick r:id="rId5"/>
-            </a:endParaRPr>
-          </a:p>
-          <a:p>
-            <a:r>
-              <a:rPr lang="es-ES" dirty="0"/>
-              <a:t>Facilitará la implementación del bot encargado de ser la interfaz visual</a:t>
-            </a:r>
-          </a:p>
-          <a:p>
-            <a:endParaRPr lang="es-ES" dirty="0"/>
-          </a:p>
-          <a:p>
-            <a:endParaRPr lang="es-ES" dirty="0"/>
-          </a:p>
-          <a:p>
-            <a:r>
-              <a:rPr lang="es-ES" dirty="0">
-                <a:hlinkClick r:id="rId5"/>
-              </a:rPr>
-              <a:t>github.com/</a:t>
-            </a:r>
-            <a:r>
-              <a:rPr lang="es-ES" dirty="0" err="1">
-                <a:hlinkClick r:id="rId5"/>
-              </a:rPr>
-              <a:t>eternnoir</a:t>
-            </a:r>
-            <a:r>
-              <a:rPr lang="es-ES" dirty="0">
-                <a:hlinkClick r:id="rId5"/>
-              </a:rPr>
-              <a:t>/</a:t>
-            </a:r>
-            <a:r>
-              <a:rPr lang="es-ES" dirty="0" err="1">
-                <a:hlinkClick r:id="rId5"/>
-              </a:rPr>
-              <a:t>pyTelegramBotAPI</a:t>
-            </a:r>
-            <a:endParaRPr lang="es-ES" dirty="0"/>
+              <a:t>Recibirá los mensajes en tiempo real y filtrara los relevantes para el usuario. También solicitará mensajes antiguos si se reinicia la ejecución.</a:t>
+            </a:r>
           </a:p>
         </p:txBody>
       </p:sp>
     </p:spTree>
     <p:extLst>
       <p:ext uri="{BB962C8B-B14F-4D97-AF65-F5344CB8AC3E}">
-        <p14:creationId xmlns:p14="http://schemas.microsoft.com/office/powerpoint/2010/main" val="3866441662"/>
+        <p14:creationId xmlns:p14="http://schemas.microsoft.com/office/powerpoint/2010/main" val="3639872359"/>
       </p:ext>
     </p:extLst>
   </p:cSld>
@@ -15289,155 +13950,6 @@
             <a:pPr rtl="0"/>
             <a:r>
               <a:rPr lang="es-ES" dirty="0"/>
-              <a:t>Estructura I</a:t>
-            </a:r>
-          </a:p>
-        </p:txBody>
-      </p:sp>
-      <p:sp>
-        <p:nvSpPr>
-          <p:cNvPr id="3" name="Marcador de posición de contenido 2"/>
-          <p:cNvSpPr>
-            <a:spLocks noGrp="1"/>
-          </p:cNvSpPr>
-          <p:nvPr>
-            <p:ph idx="1"/>
-          </p:nvPr>
-        </p:nvSpPr>
-        <p:spPr/>
-        <p:txBody>
-          <a:bodyPr rtlCol="0">
-            <a:normAutofit lnSpcReduction="10000"/>
-          </a:bodyPr>
-          <a:lstStyle/>
-          <a:p>
-            <a:r>
-              <a:rPr lang="es-ES" b="1" dirty="0"/>
-              <a:t>main.py:</a:t>
-            </a:r>
-            <a:r>
-              <a:rPr lang="es-ES" dirty="0"/>
-              <a:t> </a:t>
-            </a:r>
-          </a:p>
-          <a:p>
-            <a:pPr marL="274320" lvl="1" indent="0">
-              <a:buNone/>
-            </a:pPr>
-            <a:r>
-              <a:rPr lang="es-ES" dirty="0"/>
-              <a:t>Es la clase que debemos ejecutar. Se encarga de cargar la configuración, la comunicación interna, lanzar el bot y cliente y monitorizar su ejecución.</a:t>
-            </a:r>
-          </a:p>
-          <a:p>
-            <a:pPr marL="274320" lvl="1" indent="0">
-              <a:buNone/>
-            </a:pPr>
-            <a:endParaRPr lang="es-ES" dirty="0"/>
-          </a:p>
-          <a:p>
-            <a:r>
-              <a:rPr lang="es-ES" b="1" dirty="0"/>
-              <a:t>bot.py: </a:t>
-            </a:r>
-          </a:p>
-          <a:p>
-            <a:pPr marL="274320" lvl="1" indent="0">
-              <a:buNone/>
-            </a:pPr>
-            <a:r>
-              <a:rPr lang="es-ES" dirty="0"/>
-              <a:t>Implementará los comandos de los que disponga el Bot y atenderá en tiempo real las peticiones que lleguen. Será la interfaz de control/comunicación con el cliente.</a:t>
-            </a:r>
-          </a:p>
-          <a:p>
-            <a:pPr marL="274320" lvl="1" indent="0">
-              <a:buNone/>
-            </a:pPr>
-            <a:endParaRPr lang="es-ES" b="1" dirty="0"/>
-          </a:p>
-          <a:p>
-            <a:r>
-              <a:rPr lang="es-ES" b="1" dirty="0"/>
-              <a:t>client.py:</a:t>
-            </a:r>
-          </a:p>
-          <a:p>
-            <a:pPr marL="274320" lvl="1" indent="0">
-              <a:buNone/>
-            </a:pPr>
-            <a:r>
-              <a:rPr lang="es-ES" dirty="0"/>
-              <a:t>Recibirá los mensajes en tiempo real y filtrara los relevantes para el usuario. También solicitará mensajes antiguos si se reinicia la ejecución.</a:t>
-            </a:r>
-          </a:p>
-        </p:txBody>
-      </p:sp>
-    </p:spTree>
-    <p:extLst>
-      <p:ext uri="{BB962C8B-B14F-4D97-AF65-F5344CB8AC3E}">
-        <p14:creationId xmlns:p14="http://schemas.microsoft.com/office/powerpoint/2010/main" val="3639872359"/>
-      </p:ext>
-    </p:extLst>
-  </p:cSld>
-  <p:clrMapOvr>
-    <a:masterClrMapping/>
-  </p:clrMapOvr>
-  <mc:AlternateContent xmlns:mc="http://schemas.openxmlformats.org/markup-compatibility/2006" xmlns:p14="http://schemas.microsoft.com/office/powerpoint/2010/main">
-    <mc:Choice Requires="p14">
-      <p:transition spd="med" p14:dur="700">
-        <p:fade/>
-      </p:transition>
-    </mc:Choice>
-    <mc:Fallback xmlns="">
-      <p:transition spd="med">
-        <p:fade/>
-      </p:transition>
-    </mc:Fallback>
-  </mc:AlternateContent>
-</p:sld>
-</file>
-
-<file path=ppt/slides/slide8.xml><?xml version="1.0" encoding="utf-8"?>
-<p:sld xmlns:a="http://schemas.openxmlformats.org/drawingml/2006/main" xmlns:r="http://schemas.openxmlformats.org/officeDocument/2006/relationships" xmlns:p="http://schemas.openxmlformats.org/presentationml/2006/main">
-  <p:cSld>
-    <p:spTree>
-      <p:nvGrpSpPr>
-        <p:cNvPr id="1" name=""/>
-        <p:cNvGrpSpPr/>
-        <p:nvPr/>
-      </p:nvGrpSpPr>
-      <p:grpSpPr>
-        <a:xfrm>
-          <a:off x="0" y="0"/>
-          <a:ext cx="0" cy="0"/>
-          <a:chOff x="0" y="0"/>
-          <a:chExt cx="0" cy="0"/>
-        </a:xfrm>
-      </p:grpSpPr>
-      <p:sp>
-        <p:nvSpPr>
-          <p:cNvPr id="2" name="Título 1"/>
-          <p:cNvSpPr>
-            <a:spLocks noGrp="1"/>
-          </p:cNvSpPr>
-          <p:nvPr>
-            <p:ph type="title"/>
-          </p:nvPr>
-        </p:nvSpPr>
-        <p:spPr>
-          <a:xfrm>
-            <a:off x="1295400" y="214190"/>
-            <a:ext cx="9601200" cy="1036850"/>
-          </a:xfrm>
-        </p:spPr>
-        <p:txBody>
-          <a:bodyPr rtlCol="0"/>
-          <a:lstStyle/>
-          <a:p>
-            <a:pPr rtl="0"/>
-            <a:r>
-              <a:rPr lang="es-ES" dirty="0"/>
               <a:t>Estructura II</a:t>
             </a:r>
           </a:p>
@@ -15615,7 +14127,7 @@
 </p:sld>
 </file>
 
-<file path=ppt/slides/slide9.xml><?xml version="1.0" encoding="utf-8"?>
+<file path=ppt/slides/slide8.xml><?xml version="1.0" encoding="utf-8"?>
 <p:sld xmlns:a="http://schemas.openxmlformats.org/drawingml/2006/main" xmlns:r="http://schemas.openxmlformats.org/officeDocument/2006/relationships" xmlns:p="http://schemas.openxmlformats.org/presentationml/2006/main">
   <p:cSld>
     <p:spTree>
@@ -16447,6 +14959,973 @@
     <p:extLst>
       <p:ext uri="{BB962C8B-B14F-4D97-AF65-F5344CB8AC3E}">
         <p14:creationId xmlns:p14="http://schemas.microsoft.com/office/powerpoint/2010/main" val="3574231650"/>
+      </p:ext>
+    </p:extLst>
+  </p:cSld>
+  <p:clrMapOvr>
+    <a:masterClrMapping/>
+  </p:clrMapOvr>
+  <mc:AlternateContent xmlns:mc="http://schemas.openxmlformats.org/markup-compatibility/2006" xmlns:p14="http://schemas.microsoft.com/office/powerpoint/2010/main">
+    <mc:Choice Requires="p14">
+      <p:transition spd="med" p14:dur="700">
+        <p:fade/>
+      </p:transition>
+    </mc:Choice>
+    <mc:Fallback xmlns="">
+      <p:transition spd="med">
+        <p:fade/>
+      </p:transition>
+    </mc:Fallback>
+  </mc:AlternateContent>
+</p:sld>
+</file>
+
+<file path=ppt/slides/slide9.xml><?xml version="1.0" encoding="utf-8"?>
+<p:sld xmlns:a="http://schemas.openxmlformats.org/drawingml/2006/main" xmlns:r="http://schemas.openxmlformats.org/officeDocument/2006/relationships" xmlns:p="http://schemas.openxmlformats.org/presentationml/2006/main">
+  <p:cSld>
+    <p:spTree>
+      <p:nvGrpSpPr>
+        <p:cNvPr id="1" name=""/>
+        <p:cNvGrpSpPr/>
+        <p:nvPr/>
+      </p:nvGrpSpPr>
+      <p:grpSpPr>
+        <a:xfrm>
+          <a:off x="0" y="0"/>
+          <a:ext cx="0" cy="0"/>
+          <a:chOff x="0" y="0"/>
+          <a:chExt cx="0" cy="0"/>
+        </a:xfrm>
+      </p:grpSpPr>
+      <p:sp>
+        <p:nvSpPr>
+          <p:cNvPr id="2" name="Título 1"/>
+          <p:cNvSpPr>
+            <a:spLocks noGrp="1"/>
+          </p:cNvSpPr>
+          <p:nvPr>
+            <p:ph type="title"/>
+          </p:nvPr>
+        </p:nvSpPr>
+        <p:spPr>
+          <a:xfrm>
+            <a:off x="1295400" y="214190"/>
+            <a:ext cx="9601200" cy="1036850"/>
+          </a:xfrm>
+        </p:spPr>
+        <p:txBody>
+          <a:bodyPr rtlCol="0"/>
+          <a:lstStyle/>
+          <a:p>
+            <a:pPr rtl="0"/>
+            <a:r>
+              <a:rPr lang="es-ES" dirty="0"/>
+              <a:t>Diagrama de comunicación II</a:t>
+            </a:r>
+          </a:p>
+        </p:txBody>
+      </p:sp>
+      <p:sp>
+        <p:nvSpPr>
+          <p:cNvPr id="25" name="Nube 24">
+            <a:extLst>
+              <a:ext uri="{FF2B5EF4-FFF2-40B4-BE49-F238E27FC236}">
+                <a16:creationId xmlns:a16="http://schemas.microsoft.com/office/drawing/2014/main" id="{FC6FD735-A290-42C6-9A3D-BAF9F370343B}"/>
+              </a:ext>
+            </a:extLst>
+          </p:cNvPr>
+          <p:cNvSpPr/>
+          <p:nvPr/>
+        </p:nvSpPr>
+        <p:spPr>
+          <a:xfrm>
+            <a:off x="3401743" y="4236204"/>
+            <a:ext cx="1769163" cy="1089991"/>
+          </a:xfrm>
+          <a:prstGeom prst="cloud">
+            <a:avLst/>
+          </a:prstGeom>
+          <a:solidFill>
+            <a:schemeClr val="accent1">
+              <a:lumMod val="40000"/>
+              <a:lumOff val="60000"/>
+            </a:schemeClr>
+          </a:solidFill>
+        </p:spPr>
+        <p:style>
+          <a:lnRef idx="2">
+            <a:schemeClr val="accent1">
+              <a:shade val="50000"/>
+            </a:schemeClr>
+          </a:lnRef>
+          <a:fillRef idx="1">
+            <a:schemeClr val="accent1"/>
+          </a:fillRef>
+          <a:effectRef idx="0">
+            <a:schemeClr val="accent1"/>
+          </a:effectRef>
+          <a:fontRef idx="minor">
+            <a:schemeClr val="lt1"/>
+          </a:fontRef>
+        </p:style>
+        <p:txBody>
+          <a:bodyPr rtlCol="0" anchor="ctr"/>
+          <a:lstStyle/>
+          <a:p>
+            <a:pPr algn="ctr"/>
+            <a:endParaRPr lang="es-ES"/>
+          </a:p>
+        </p:txBody>
+      </p:sp>
+      <p:pic>
+        <p:nvPicPr>
+          <p:cNvPr id="26" name="Imagen 25">
+            <a:extLst>
+              <a:ext uri="{FF2B5EF4-FFF2-40B4-BE49-F238E27FC236}">
+                <a16:creationId xmlns:a16="http://schemas.microsoft.com/office/drawing/2014/main" id="{885EB735-CF2E-46AE-B7D2-656EDAB8072C}"/>
+              </a:ext>
+            </a:extLst>
+          </p:cNvPr>
+          <p:cNvPicPr>
+            <a:picLocks noChangeAspect="1"/>
+          </p:cNvPicPr>
+          <p:nvPr/>
+        </p:nvPicPr>
+        <p:blipFill>
+          <a:blip r:embed="rId3"/>
+          <a:stretch>
+            <a:fillRect/>
+          </a:stretch>
+        </p:blipFill>
+        <p:spPr>
+          <a:xfrm>
+            <a:off x="3921891" y="4416766"/>
+            <a:ext cx="728869" cy="728869"/>
+          </a:xfrm>
+          <a:prstGeom prst="rect">
+            <a:avLst/>
+          </a:prstGeom>
+          <a:solidFill>
+            <a:schemeClr val="accent1">
+              <a:lumMod val="40000"/>
+              <a:lumOff val="60000"/>
+            </a:schemeClr>
+          </a:solidFill>
+        </p:spPr>
+      </p:pic>
+      <p:pic>
+        <p:nvPicPr>
+          <p:cNvPr id="28" name="Imagen 27">
+            <a:extLst>
+              <a:ext uri="{FF2B5EF4-FFF2-40B4-BE49-F238E27FC236}">
+                <a16:creationId xmlns:a16="http://schemas.microsoft.com/office/drawing/2014/main" id="{D3BBFF93-371D-4102-BF3F-68E3ABD88B6A}"/>
+              </a:ext>
+            </a:extLst>
+          </p:cNvPr>
+          <p:cNvPicPr>
+            <a:picLocks noChangeAspect="1"/>
+          </p:cNvPicPr>
+          <p:nvPr/>
+        </p:nvPicPr>
+        <p:blipFill>
+          <a:blip r:embed="rId4"/>
+          <a:stretch>
+            <a:fillRect/>
+          </a:stretch>
+        </p:blipFill>
+        <p:spPr>
+          <a:xfrm>
+            <a:off x="416923" y="3336408"/>
+            <a:ext cx="989293" cy="989293"/>
+          </a:xfrm>
+          <a:prstGeom prst="rect">
+            <a:avLst/>
+          </a:prstGeom>
+        </p:spPr>
+      </p:pic>
+      <p:sp>
+        <p:nvSpPr>
+          <p:cNvPr id="29" name="Rectángulo: esquina doblada 28">
+            <a:extLst>
+              <a:ext uri="{FF2B5EF4-FFF2-40B4-BE49-F238E27FC236}">
+                <a16:creationId xmlns:a16="http://schemas.microsoft.com/office/drawing/2014/main" id="{F2DC9C98-6288-4D72-A633-AEAD661E0E8C}"/>
+              </a:ext>
+            </a:extLst>
+          </p:cNvPr>
+          <p:cNvSpPr/>
+          <p:nvPr/>
+        </p:nvSpPr>
+        <p:spPr>
+          <a:xfrm>
+            <a:off x="4672676" y="2128843"/>
+            <a:ext cx="1351722" cy="1157909"/>
+          </a:xfrm>
+          <a:prstGeom prst="foldedCorner">
+            <a:avLst/>
+          </a:prstGeom>
+          <a:solidFill>
+            <a:schemeClr val="bg1"/>
+          </a:solidFill>
+        </p:spPr>
+        <p:style>
+          <a:lnRef idx="2">
+            <a:schemeClr val="accent1">
+              <a:shade val="50000"/>
+            </a:schemeClr>
+          </a:lnRef>
+          <a:fillRef idx="1">
+            <a:schemeClr val="accent1"/>
+          </a:fillRef>
+          <a:effectRef idx="0">
+            <a:schemeClr val="accent1"/>
+          </a:effectRef>
+          <a:fontRef idx="minor">
+            <a:schemeClr val="lt1"/>
+          </a:fontRef>
+        </p:style>
+        <p:txBody>
+          <a:bodyPr rtlCol="0" anchor="ctr"/>
+          <a:lstStyle/>
+          <a:p>
+            <a:pPr algn="ctr"/>
+            <a:endParaRPr lang="es-ES" sz="2000" b="1" dirty="0">
+              <a:solidFill>
+                <a:schemeClr val="tx1">
+                  <a:lumMod val="50000"/>
+                </a:schemeClr>
+              </a:solidFill>
+            </a:endParaRPr>
+          </a:p>
+          <a:p>
+            <a:endParaRPr lang="es-ES" sz="2000" b="1" dirty="0">
+              <a:solidFill>
+                <a:schemeClr val="tx1">
+                  <a:lumMod val="50000"/>
+                </a:schemeClr>
+              </a:solidFill>
+            </a:endParaRPr>
+          </a:p>
+          <a:p>
+            <a:pPr algn="ctr"/>
+            <a:r>
+              <a:rPr lang="es-ES" sz="2000" b="1" dirty="0">
+                <a:solidFill>
+                  <a:schemeClr val="bg1">
+                    <a:lumMod val="50000"/>
+                  </a:schemeClr>
+                </a:solidFill>
+              </a:rPr>
+              <a:t>API Bot</a:t>
+            </a:r>
+          </a:p>
+        </p:txBody>
+      </p:sp>
+      <p:pic>
+        <p:nvPicPr>
+          <p:cNvPr id="34" name="Imagen 33">
+            <a:extLst>
+              <a:ext uri="{FF2B5EF4-FFF2-40B4-BE49-F238E27FC236}">
+                <a16:creationId xmlns:a16="http://schemas.microsoft.com/office/drawing/2014/main" id="{5AAFA853-C2E8-4DF3-BF9E-22D39D7C0238}"/>
+              </a:ext>
+            </a:extLst>
+          </p:cNvPr>
+          <p:cNvPicPr>
+            <a:picLocks noChangeAspect="1"/>
+          </p:cNvPicPr>
+          <p:nvPr/>
+        </p:nvPicPr>
+        <p:blipFill rotWithShape="1">
+          <a:blip r:embed="rId5"/>
+          <a:srcRect l="9030" t="7855" r="8425" b="12938"/>
+          <a:stretch/>
+        </p:blipFill>
+        <p:spPr>
+          <a:xfrm>
+            <a:off x="4693444" y="2150269"/>
+            <a:ext cx="581025" cy="557529"/>
+          </a:xfrm>
+          <a:prstGeom prst="rect">
+            <a:avLst/>
+          </a:prstGeom>
+        </p:spPr>
+      </p:pic>
+      <p:cxnSp>
+        <p:nvCxnSpPr>
+          <p:cNvPr id="35" name="Conector recto de flecha 34">
+            <a:extLst>
+              <a:ext uri="{FF2B5EF4-FFF2-40B4-BE49-F238E27FC236}">
+                <a16:creationId xmlns:a16="http://schemas.microsoft.com/office/drawing/2014/main" id="{C2752118-14A4-4215-BADD-A0175F12239C}"/>
+              </a:ext>
+            </a:extLst>
+          </p:cNvPr>
+          <p:cNvCxnSpPr>
+            <a:cxnSpLocks/>
+            <a:stCxn id="45" idx="1"/>
+            <a:endCxn id="25" idx="0"/>
+          </p:cNvCxnSpPr>
+          <p:nvPr/>
+        </p:nvCxnSpPr>
+        <p:spPr>
+          <a:xfrm flipH="1">
+            <a:off x="5169432" y="4066158"/>
+            <a:ext cx="3078909" cy="715042"/>
+          </a:xfrm>
+          <a:prstGeom prst="straightConnector1">
+            <a:avLst/>
+          </a:prstGeom>
+          <a:ln w="50800">
+            <a:solidFill>
+              <a:schemeClr val="accent5">
+                <a:lumMod val="50000"/>
+              </a:schemeClr>
+            </a:solidFill>
+            <a:headEnd type="stealth"/>
+            <a:tailEnd type="stealth"/>
+          </a:ln>
+        </p:spPr>
+        <p:style>
+          <a:lnRef idx="3">
+            <a:schemeClr val="dk1"/>
+          </a:lnRef>
+          <a:fillRef idx="0">
+            <a:schemeClr val="dk1"/>
+          </a:fillRef>
+          <a:effectRef idx="2">
+            <a:schemeClr val="dk1"/>
+          </a:effectRef>
+          <a:fontRef idx="minor">
+            <a:schemeClr val="tx1"/>
+          </a:fontRef>
+        </p:style>
+      </p:cxnSp>
+      <p:cxnSp>
+        <p:nvCxnSpPr>
+          <p:cNvPr id="37" name="Conector recto de flecha 36">
+            <a:extLst>
+              <a:ext uri="{FF2B5EF4-FFF2-40B4-BE49-F238E27FC236}">
+                <a16:creationId xmlns:a16="http://schemas.microsoft.com/office/drawing/2014/main" id="{7ED822EC-D0F0-4D16-835C-09287FAFA327}"/>
+              </a:ext>
+            </a:extLst>
+          </p:cNvPr>
+          <p:cNvCxnSpPr>
+            <a:cxnSpLocks/>
+            <a:stCxn id="29" idx="1"/>
+            <a:endCxn id="39" idx="3"/>
+          </p:cNvCxnSpPr>
+          <p:nvPr/>
+        </p:nvCxnSpPr>
+        <p:spPr>
+          <a:xfrm flipH="1">
+            <a:off x="2218151" y="2707798"/>
+            <a:ext cx="2454525" cy="1151281"/>
+          </a:xfrm>
+          <a:prstGeom prst="straightConnector1">
+            <a:avLst/>
+          </a:prstGeom>
+          <a:ln w="50800">
+            <a:solidFill>
+              <a:schemeClr val="accent5">
+                <a:lumMod val="50000"/>
+              </a:schemeClr>
+            </a:solidFill>
+            <a:headEnd type="stealth"/>
+            <a:tailEnd type="stealth"/>
+          </a:ln>
+        </p:spPr>
+        <p:style>
+          <a:lnRef idx="3">
+            <a:schemeClr val="dk1"/>
+          </a:lnRef>
+          <a:fillRef idx="0">
+            <a:schemeClr val="dk1"/>
+          </a:fillRef>
+          <a:effectRef idx="2">
+            <a:schemeClr val="dk1"/>
+          </a:effectRef>
+          <a:fontRef idx="minor">
+            <a:schemeClr val="tx1"/>
+          </a:fontRef>
+        </p:style>
+      </p:cxnSp>
+      <p:cxnSp>
+        <p:nvCxnSpPr>
+          <p:cNvPr id="38" name="Conector recto de flecha 37">
+            <a:extLst>
+              <a:ext uri="{FF2B5EF4-FFF2-40B4-BE49-F238E27FC236}">
+                <a16:creationId xmlns:a16="http://schemas.microsoft.com/office/drawing/2014/main" id="{A18031EF-DAC9-473F-968A-0CEF54AFD61F}"/>
+              </a:ext>
+            </a:extLst>
+          </p:cNvPr>
+          <p:cNvCxnSpPr>
+            <a:cxnSpLocks/>
+            <a:stCxn id="45" idx="1"/>
+            <a:endCxn id="29" idx="3"/>
+          </p:cNvCxnSpPr>
+          <p:nvPr/>
+        </p:nvCxnSpPr>
+        <p:spPr>
+          <a:xfrm flipH="1" flipV="1">
+            <a:off x="6024398" y="2707798"/>
+            <a:ext cx="2223943" cy="1358360"/>
+          </a:xfrm>
+          <a:prstGeom prst="straightConnector1">
+            <a:avLst/>
+          </a:prstGeom>
+          <a:ln w="50800">
+            <a:solidFill>
+              <a:schemeClr val="accent2"/>
+            </a:solidFill>
+            <a:headEnd type="stealth"/>
+            <a:tailEnd type="stealth"/>
+          </a:ln>
+        </p:spPr>
+        <p:style>
+          <a:lnRef idx="3">
+            <a:schemeClr val="dk1"/>
+          </a:lnRef>
+          <a:fillRef idx="0">
+            <a:schemeClr val="dk1"/>
+          </a:fillRef>
+          <a:effectRef idx="2">
+            <a:schemeClr val="dk1"/>
+          </a:effectRef>
+          <a:fontRef idx="minor">
+            <a:schemeClr val="tx1"/>
+          </a:fontRef>
+        </p:style>
+      </p:cxnSp>
+      <p:pic>
+        <p:nvPicPr>
+          <p:cNvPr id="39" name="Imagen 38">
+            <a:extLst>
+              <a:ext uri="{FF2B5EF4-FFF2-40B4-BE49-F238E27FC236}">
+                <a16:creationId xmlns:a16="http://schemas.microsoft.com/office/drawing/2014/main" id="{B177CD10-681F-4243-B245-75962852539C}"/>
+              </a:ext>
+            </a:extLst>
+          </p:cNvPr>
+          <p:cNvPicPr>
+            <a:picLocks noChangeAspect="1"/>
+          </p:cNvPicPr>
+          <p:nvPr/>
+        </p:nvPicPr>
+        <p:blipFill>
+          <a:blip r:embed="rId6"/>
+          <a:stretch>
+            <a:fillRect/>
+          </a:stretch>
+        </p:blipFill>
+        <p:spPr>
+          <a:xfrm>
+            <a:off x="1284907" y="3392457"/>
+            <a:ext cx="933244" cy="933244"/>
+          </a:xfrm>
+          <a:prstGeom prst="rect">
+            <a:avLst/>
+          </a:prstGeom>
+        </p:spPr>
+      </p:pic>
+      <p:sp>
+        <p:nvSpPr>
+          <p:cNvPr id="42" name="Elipse 41">
+            <a:extLst>
+              <a:ext uri="{FF2B5EF4-FFF2-40B4-BE49-F238E27FC236}">
+                <a16:creationId xmlns:a16="http://schemas.microsoft.com/office/drawing/2014/main" id="{EF0E4691-0EB1-47B9-B1CE-E21B6D4E300E}"/>
+              </a:ext>
+            </a:extLst>
+          </p:cNvPr>
+          <p:cNvSpPr/>
+          <p:nvPr/>
+        </p:nvSpPr>
+        <p:spPr>
+          <a:xfrm>
+            <a:off x="1515863" y="2429033"/>
+            <a:ext cx="2666201" cy="703889"/>
+          </a:xfrm>
+          <a:prstGeom prst="ellipse">
+            <a:avLst/>
+          </a:prstGeom>
+          <a:solidFill>
+            <a:schemeClr val="bg1"/>
+          </a:solidFill>
+        </p:spPr>
+        <p:style>
+          <a:lnRef idx="2">
+            <a:schemeClr val="accent1">
+              <a:shade val="50000"/>
+            </a:schemeClr>
+          </a:lnRef>
+          <a:fillRef idx="1">
+            <a:schemeClr val="accent1"/>
+          </a:fillRef>
+          <a:effectRef idx="0">
+            <a:schemeClr val="accent1"/>
+          </a:effectRef>
+          <a:fontRef idx="minor">
+            <a:schemeClr val="lt1"/>
+          </a:fontRef>
+        </p:style>
+        <p:txBody>
+          <a:bodyPr rtlCol="0" anchor="ctr"/>
+          <a:lstStyle/>
+          <a:p>
+            <a:pPr algn="ctr"/>
+            <a:r>
+              <a:rPr lang="es-ES" dirty="0">
+                <a:solidFill>
+                  <a:schemeClr val="bg1">
+                    <a:lumMod val="50000"/>
+                  </a:schemeClr>
+                </a:solidFill>
+              </a:rPr>
+              <a:t>/</a:t>
+            </a:r>
+            <a:r>
+              <a:rPr lang="es-ES" dirty="0" err="1">
+                <a:solidFill>
+                  <a:schemeClr val="bg1">
+                    <a:lumMod val="50000"/>
+                  </a:schemeClr>
+                </a:solidFill>
+              </a:rPr>
+              <a:t>add_channel</a:t>
+            </a:r>
+            <a:r>
+              <a:rPr lang="es-ES" dirty="0">
+                <a:solidFill>
+                  <a:schemeClr val="bg1">
+                    <a:lumMod val="50000"/>
+                  </a:schemeClr>
+                </a:solidFill>
+              </a:rPr>
+              <a:t> X</a:t>
+            </a:r>
+          </a:p>
+        </p:txBody>
+      </p:sp>
+      <p:sp>
+        <p:nvSpPr>
+          <p:cNvPr id="44" name="Elipse 43">
+            <a:extLst>
+              <a:ext uri="{FF2B5EF4-FFF2-40B4-BE49-F238E27FC236}">
+                <a16:creationId xmlns:a16="http://schemas.microsoft.com/office/drawing/2014/main" id="{27351FBA-04FC-44F5-94B2-E51E1BEAC378}"/>
+              </a:ext>
+            </a:extLst>
+          </p:cNvPr>
+          <p:cNvSpPr/>
+          <p:nvPr/>
+        </p:nvSpPr>
+        <p:spPr>
+          <a:xfrm>
+            <a:off x="6623899" y="2477148"/>
+            <a:ext cx="2656579" cy="703889"/>
+          </a:xfrm>
+          <a:prstGeom prst="ellipse">
+            <a:avLst/>
+          </a:prstGeom>
+          <a:solidFill>
+            <a:schemeClr val="bg1"/>
+          </a:solidFill>
+        </p:spPr>
+        <p:style>
+          <a:lnRef idx="2">
+            <a:schemeClr val="accent1">
+              <a:shade val="50000"/>
+            </a:schemeClr>
+          </a:lnRef>
+          <a:fillRef idx="1">
+            <a:schemeClr val="accent1"/>
+          </a:fillRef>
+          <a:effectRef idx="0">
+            <a:schemeClr val="accent1"/>
+          </a:effectRef>
+          <a:fontRef idx="minor">
+            <a:schemeClr val="lt1"/>
+          </a:fontRef>
+        </p:style>
+        <p:txBody>
+          <a:bodyPr rtlCol="0" anchor="ctr"/>
+          <a:lstStyle/>
+          <a:p>
+            <a:pPr algn="ctr"/>
+            <a:r>
+              <a:rPr lang="es-ES" dirty="0">
+                <a:solidFill>
+                  <a:schemeClr val="bg1">
+                    <a:lumMod val="50000"/>
+                  </a:schemeClr>
+                </a:solidFill>
+              </a:rPr>
+              <a:t>/</a:t>
+            </a:r>
+            <a:r>
+              <a:rPr lang="es-ES" dirty="0" err="1">
+                <a:solidFill>
+                  <a:schemeClr val="bg1">
+                    <a:lumMod val="50000"/>
+                  </a:schemeClr>
+                </a:solidFill>
+              </a:rPr>
+              <a:t>add_channel</a:t>
+            </a:r>
+            <a:r>
+              <a:rPr lang="es-ES" dirty="0">
+                <a:solidFill>
+                  <a:schemeClr val="bg1">
+                    <a:lumMod val="50000"/>
+                  </a:schemeClr>
+                </a:solidFill>
+              </a:rPr>
+              <a:t> X</a:t>
+            </a:r>
+          </a:p>
+        </p:txBody>
+      </p:sp>
+      <p:sp>
+        <p:nvSpPr>
+          <p:cNvPr id="45" name="Rectángulo: esquina doblada 44">
+            <a:extLst>
+              <a:ext uri="{FF2B5EF4-FFF2-40B4-BE49-F238E27FC236}">
+                <a16:creationId xmlns:a16="http://schemas.microsoft.com/office/drawing/2014/main" id="{3272758C-7B3F-4630-9F66-D2D180E32A79}"/>
+              </a:ext>
+            </a:extLst>
+          </p:cNvPr>
+          <p:cNvSpPr/>
+          <p:nvPr/>
+        </p:nvSpPr>
+        <p:spPr>
+          <a:xfrm>
+            <a:off x="8248341" y="3487203"/>
+            <a:ext cx="1351722" cy="1157909"/>
+          </a:xfrm>
+          <a:prstGeom prst="foldedCorner">
+            <a:avLst/>
+          </a:prstGeom>
+          <a:solidFill>
+            <a:schemeClr val="bg1"/>
+          </a:solidFill>
+        </p:spPr>
+        <p:style>
+          <a:lnRef idx="2">
+            <a:schemeClr val="accent1">
+              <a:shade val="50000"/>
+            </a:schemeClr>
+          </a:lnRef>
+          <a:fillRef idx="1">
+            <a:schemeClr val="accent1"/>
+          </a:fillRef>
+          <a:effectRef idx="0">
+            <a:schemeClr val="accent1"/>
+          </a:effectRef>
+          <a:fontRef idx="minor">
+            <a:schemeClr val="lt1"/>
+          </a:fontRef>
+        </p:style>
+        <p:txBody>
+          <a:bodyPr rtlCol="0" anchor="ctr"/>
+          <a:lstStyle/>
+          <a:p>
+            <a:pPr algn="ctr"/>
+            <a:endParaRPr lang="es-ES" b="1" dirty="0">
+              <a:solidFill>
+                <a:schemeClr val="tx1">
+                  <a:lumMod val="50000"/>
+                </a:schemeClr>
+              </a:solidFill>
+            </a:endParaRPr>
+          </a:p>
+          <a:p>
+            <a:pPr algn="ctr"/>
+            <a:endParaRPr lang="es-ES" b="1" dirty="0">
+              <a:solidFill>
+                <a:schemeClr val="tx1">
+                  <a:lumMod val="50000"/>
+                </a:schemeClr>
+              </a:solidFill>
+            </a:endParaRPr>
+          </a:p>
+          <a:p>
+            <a:pPr algn="ctr"/>
+            <a:r>
+              <a:rPr lang="es-ES" sz="2000" b="1" dirty="0">
+                <a:solidFill>
+                  <a:schemeClr val="bg1">
+                    <a:lumMod val="50000"/>
+                  </a:schemeClr>
+                </a:solidFill>
+              </a:rPr>
+              <a:t>API Client</a:t>
+            </a:r>
+          </a:p>
+        </p:txBody>
+      </p:sp>
+      <p:sp>
+        <p:nvSpPr>
+          <p:cNvPr id="57" name="Elipse 56">
+            <a:extLst>
+              <a:ext uri="{FF2B5EF4-FFF2-40B4-BE49-F238E27FC236}">
+                <a16:creationId xmlns:a16="http://schemas.microsoft.com/office/drawing/2014/main" id="{F45F3CDB-4BB2-46C1-BAC0-0CAA507E0B3E}"/>
+              </a:ext>
+            </a:extLst>
+          </p:cNvPr>
+          <p:cNvSpPr/>
+          <p:nvPr/>
+        </p:nvSpPr>
+        <p:spPr>
+          <a:xfrm>
+            <a:off x="5796725" y="4539397"/>
+            <a:ext cx="2371499" cy="969310"/>
+          </a:xfrm>
+          <a:prstGeom prst="ellipse">
+            <a:avLst/>
+          </a:prstGeom>
+          <a:solidFill>
+            <a:schemeClr val="bg1"/>
+          </a:solidFill>
+        </p:spPr>
+        <p:style>
+          <a:lnRef idx="2">
+            <a:schemeClr val="accent1">
+              <a:shade val="50000"/>
+            </a:schemeClr>
+          </a:lnRef>
+          <a:fillRef idx="1">
+            <a:schemeClr val="accent1"/>
+          </a:fillRef>
+          <a:effectRef idx="0">
+            <a:schemeClr val="accent1"/>
+          </a:effectRef>
+          <a:fontRef idx="minor">
+            <a:schemeClr val="lt1"/>
+          </a:fontRef>
+        </p:style>
+        <p:txBody>
+          <a:bodyPr rtlCol="0" anchor="ctr"/>
+          <a:lstStyle/>
+          <a:p>
+            <a:pPr algn="ctr"/>
+            <a:r>
+              <a:rPr lang="es-ES" dirty="0">
+                <a:solidFill>
+                  <a:schemeClr val="bg1">
+                    <a:lumMod val="50000"/>
+                  </a:schemeClr>
+                </a:solidFill>
+              </a:rPr>
+              <a:t>¿Existe?</a:t>
+            </a:r>
+          </a:p>
+          <a:p>
+            <a:pPr algn="ctr"/>
+            <a:r>
+              <a:rPr lang="es-ES" dirty="0">
+                <a:solidFill>
+                  <a:schemeClr val="bg1">
+                    <a:lumMod val="50000"/>
+                  </a:schemeClr>
+                </a:solidFill>
+              </a:rPr>
+              <a:t>¿Estoy unido?</a:t>
+            </a:r>
+          </a:p>
+        </p:txBody>
+      </p:sp>
+      <p:pic>
+        <p:nvPicPr>
+          <p:cNvPr id="60" name="Imagen 59">
+            <a:extLst>
+              <a:ext uri="{FF2B5EF4-FFF2-40B4-BE49-F238E27FC236}">
+                <a16:creationId xmlns:a16="http://schemas.microsoft.com/office/drawing/2014/main" id="{63430266-4FF3-4A57-9072-42DCD1B3D136}"/>
+              </a:ext>
+            </a:extLst>
+          </p:cNvPr>
+          <p:cNvPicPr>
+            <a:picLocks noChangeAspect="1"/>
+          </p:cNvPicPr>
+          <p:nvPr/>
+        </p:nvPicPr>
+        <p:blipFill rotWithShape="1">
+          <a:blip r:embed="rId5"/>
+          <a:srcRect l="9030" t="7855" r="8425" b="12938"/>
+          <a:stretch/>
+        </p:blipFill>
+        <p:spPr>
+          <a:xfrm>
+            <a:off x="8248341" y="3500114"/>
+            <a:ext cx="581025" cy="557529"/>
+          </a:xfrm>
+          <a:prstGeom prst="rect">
+            <a:avLst/>
+          </a:prstGeom>
+        </p:spPr>
+      </p:pic>
+      <p:sp>
+        <p:nvSpPr>
+          <p:cNvPr id="66" name="Rectángulo: esquina doblada 65">
+            <a:extLst>
+              <a:ext uri="{FF2B5EF4-FFF2-40B4-BE49-F238E27FC236}">
+                <a16:creationId xmlns:a16="http://schemas.microsoft.com/office/drawing/2014/main" id="{D5A4C27C-8973-4BBE-8780-68EEC8EABD36}"/>
+              </a:ext>
+            </a:extLst>
+          </p:cNvPr>
+          <p:cNvSpPr/>
+          <p:nvPr/>
+        </p:nvSpPr>
+        <p:spPr>
+          <a:xfrm>
+            <a:off x="8794043" y="5145635"/>
+            <a:ext cx="1351722" cy="1157909"/>
+          </a:xfrm>
+          <a:prstGeom prst="foldedCorner">
+            <a:avLst/>
+          </a:prstGeom>
+          <a:solidFill>
+            <a:schemeClr val="bg1"/>
+          </a:solidFill>
+        </p:spPr>
+        <p:style>
+          <a:lnRef idx="2">
+            <a:schemeClr val="accent1">
+              <a:shade val="50000"/>
+            </a:schemeClr>
+          </a:lnRef>
+          <a:fillRef idx="1">
+            <a:schemeClr val="accent1"/>
+          </a:fillRef>
+          <a:effectRef idx="0">
+            <a:schemeClr val="accent1"/>
+          </a:effectRef>
+          <a:fontRef idx="minor">
+            <a:schemeClr val="lt1"/>
+          </a:fontRef>
+        </p:style>
+        <p:txBody>
+          <a:bodyPr rtlCol="0" anchor="ctr"/>
+          <a:lstStyle/>
+          <a:p>
+            <a:pPr algn="ctr"/>
+            <a:endParaRPr lang="es-ES" b="1" dirty="0">
+              <a:solidFill>
+                <a:schemeClr val="tx1">
+                  <a:lumMod val="50000"/>
+                </a:schemeClr>
+              </a:solidFill>
+            </a:endParaRPr>
+          </a:p>
+          <a:p>
+            <a:pPr algn="ctr"/>
+            <a:endParaRPr lang="es-ES" b="1" dirty="0">
+              <a:solidFill>
+                <a:schemeClr val="tx1">
+                  <a:lumMod val="50000"/>
+                </a:schemeClr>
+              </a:solidFill>
+            </a:endParaRPr>
+          </a:p>
+          <a:p>
+            <a:pPr algn="ctr"/>
+            <a:r>
+              <a:rPr lang="es-ES" sz="2000" b="1" dirty="0" err="1">
+                <a:solidFill>
+                  <a:schemeClr val="bg1">
+                    <a:lumMod val="50000"/>
+                  </a:schemeClr>
+                </a:solidFill>
+              </a:rPr>
+              <a:t>Conf</a:t>
+            </a:r>
+            <a:r>
+              <a:rPr lang="es-ES" sz="2000" b="1" dirty="0">
+                <a:solidFill>
+                  <a:schemeClr val="bg1">
+                    <a:lumMod val="50000"/>
+                  </a:schemeClr>
+                </a:solidFill>
+              </a:rPr>
+              <a:t> Manager</a:t>
+            </a:r>
+          </a:p>
+        </p:txBody>
+      </p:sp>
+      <p:pic>
+        <p:nvPicPr>
+          <p:cNvPr id="67" name="Imagen 66">
+            <a:extLst>
+              <a:ext uri="{FF2B5EF4-FFF2-40B4-BE49-F238E27FC236}">
+                <a16:creationId xmlns:a16="http://schemas.microsoft.com/office/drawing/2014/main" id="{EA94E876-144D-46D2-90FC-0C7361ABEB8F}"/>
+              </a:ext>
+            </a:extLst>
+          </p:cNvPr>
+          <p:cNvPicPr>
+            <a:picLocks noChangeAspect="1"/>
+          </p:cNvPicPr>
+          <p:nvPr/>
+        </p:nvPicPr>
+        <p:blipFill rotWithShape="1">
+          <a:blip r:embed="rId5"/>
+          <a:srcRect l="9030" t="7855" r="8425" b="12938"/>
+          <a:stretch/>
+        </p:blipFill>
+        <p:spPr>
+          <a:xfrm>
+            <a:off x="8794043" y="5158546"/>
+            <a:ext cx="581025" cy="557529"/>
+          </a:xfrm>
+          <a:prstGeom prst="rect">
+            <a:avLst/>
+          </a:prstGeom>
+        </p:spPr>
+      </p:pic>
+      <p:cxnSp>
+        <p:nvCxnSpPr>
+          <p:cNvPr id="76" name="Conector recto de flecha 75">
+            <a:extLst>
+              <a:ext uri="{FF2B5EF4-FFF2-40B4-BE49-F238E27FC236}">
+                <a16:creationId xmlns:a16="http://schemas.microsoft.com/office/drawing/2014/main" id="{AC44AEC5-341B-4FA9-8EBB-889CFA8DD90B}"/>
+              </a:ext>
+            </a:extLst>
+          </p:cNvPr>
+          <p:cNvCxnSpPr>
+            <a:cxnSpLocks/>
+            <a:stCxn id="45" idx="2"/>
+            <a:endCxn id="66" idx="0"/>
+          </p:cNvCxnSpPr>
+          <p:nvPr/>
+        </p:nvCxnSpPr>
+        <p:spPr>
+          <a:xfrm>
+            <a:off x="8924202" y="4645112"/>
+            <a:ext cx="545702" cy="500523"/>
+          </a:xfrm>
+          <a:prstGeom prst="straightConnector1">
+            <a:avLst/>
+          </a:prstGeom>
+          <a:ln w="50800">
+            <a:solidFill>
+              <a:schemeClr val="accent2"/>
+            </a:solidFill>
+            <a:headEnd type="stealth"/>
+            <a:tailEnd type="stealth"/>
+          </a:ln>
+        </p:spPr>
+        <p:style>
+          <a:lnRef idx="3">
+            <a:schemeClr val="dk1"/>
+          </a:lnRef>
+          <a:fillRef idx="0">
+            <a:schemeClr val="dk1"/>
+          </a:fillRef>
+          <a:effectRef idx="2">
+            <a:schemeClr val="dk1"/>
+          </a:effectRef>
+          <a:fontRef idx="minor">
+            <a:schemeClr val="tx1"/>
+          </a:fontRef>
+        </p:style>
+      </p:cxnSp>
+    </p:spTree>
+    <p:extLst>
+      <p:ext uri="{BB962C8B-B14F-4D97-AF65-F5344CB8AC3E}">
+        <p14:creationId xmlns:p14="http://schemas.microsoft.com/office/powerpoint/2010/main" val="1091851910"/>
       </p:ext>
     </p:extLst>
   </p:cSld>
